--- a/nltk.pptx
+++ b/nltk.pptx
@@ -5,7 +5,7 @@
     <p:sldMasterId id="2147483684" r:id="rId1"/>
   </p:sldMasterIdLst>
   <p:notesMasterIdLst>
-    <p:notesMasterId r:id="rId19"/>
+    <p:notesMasterId r:id="rId20"/>
   </p:notesMasterIdLst>
   <p:sldIdLst>
     <p:sldId id="256" r:id="rId2"/>
@@ -15,7 +15,7 @@
     <p:sldId id="258" r:id="rId6"/>
     <p:sldId id="271" r:id="rId7"/>
     <p:sldId id="274" r:id="rId8"/>
-    <p:sldId id="269" r:id="rId9"/>
+    <p:sldId id="281" r:id="rId9"/>
     <p:sldId id="268" r:id="rId10"/>
     <p:sldId id="267" r:id="rId11"/>
     <p:sldId id="265" r:id="rId12"/>
@@ -25,6 +25,7 @@
     <p:sldId id="278" r:id="rId16"/>
     <p:sldId id="279" r:id="rId17"/>
     <p:sldId id="266" r:id="rId18"/>
+    <p:sldId id="282" r:id="rId19"/>
   </p:sldIdLst>
   <p:sldSz cx="9144000" cy="6858000" type="screen4x3"/>
   <p:notesSz cx="6858000" cy="9144000"/>
@@ -757,7 +758,7 @@
               <a:rPr lang="en-US" smtClean="0"/>
               <a:t>‹#›</a:t>
             </a:fld>
-            <a:endParaRPr lang="en-US"/>
+            <a:endParaRPr lang="en-US" dirty="0"/>
           </a:p>
         </p:txBody>
       </p:sp>
@@ -923,7 +924,7 @@
           <a:bodyPr/>
           <a:lstStyle>
             <a:lvl1pPr>
-              <a:defRPr>
+              <a:defRPr sz="1050">
                 <a:solidFill>
                   <a:schemeClr val="bg2">
                     <a:lumMod val="10000"/>
@@ -938,13 +939,7 @@
               <a:pPr/>
               <a:t>‹#›</a:t>
             </a:fld>
-            <a:endParaRPr lang="en-US" dirty="0">
-              <a:solidFill>
-                <a:schemeClr val="bg2">
-                  <a:lumMod val="10000"/>
-                </a:schemeClr>
-              </a:solidFill>
-            </a:endParaRPr>
+            <a:endParaRPr lang="en-US" dirty="0"/>
           </a:p>
         </p:txBody>
       </p:sp>
@@ -1171,13 +1166,18 @@
         </p:spPr>
         <p:txBody>
           <a:bodyPr/>
-          <a:lstStyle/>
+          <a:lstStyle>
+            <a:lvl1pPr>
+              <a:defRPr sz="1050"/>
+            </a:lvl1pPr>
+          </a:lstStyle>
           <a:p>
             <a:fld id="{AB20E804-BAAB-4C7D-990A-A7C313B07412}" type="slidenum">
               <a:rPr lang="en-US" smtClean="0"/>
+              <a:pPr/>
               <a:t>‹#›</a:t>
             </a:fld>
-            <a:endParaRPr lang="en-US"/>
+            <a:endParaRPr lang="en-US" dirty="0"/>
           </a:p>
         </p:txBody>
       </p:sp>
@@ -1410,7 +1410,7 @@
           <a:bodyPr/>
           <a:lstStyle>
             <a:lvl1pPr>
-              <a:defRPr>
+              <a:defRPr sz="1050">
                 <a:solidFill>
                   <a:schemeClr val="bg2">
                     <a:lumMod val="10000"/>
@@ -1764,7 +1764,7 @@
           <a:bodyPr/>
           <a:lstStyle>
             <a:lvl1pPr>
-              <a:defRPr>
+              <a:defRPr sz="1050">
                 <a:solidFill>
                   <a:schemeClr val="tx2"/>
                 </a:solidFill>
@@ -1774,9 +1774,10 @@
           <a:p>
             <a:fld id="{AB20E804-BAAB-4C7D-990A-A7C313B07412}" type="slidenum">
               <a:rPr lang="en-US" smtClean="0"/>
+              <a:pPr/>
               <a:t>‹#›</a:t>
             </a:fld>
-            <a:endParaRPr lang="en-US"/>
+            <a:endParaRPr lang="en-US" dirty="0"/>
           </a:p>
         </p:txBody>
       </p:sp>
@@ -2036,7 +2037,7 @@
           <a:bodyPr/>
           <a:lstStyle>
             <a:lvl1pPr>
-              <a:defRPr>
+              <a:defRPr sz="1050">
                 <a:solidFill>
                   <a:schemeClr val="bg2">
                     <a:lumMod val="10000"/>
@@ -2051,13 +2052,7 @@
               <a:pPr/>
               <a:t>‹#›</a:t>
             </a:fld>
-            <a:endParaRPr lang="en-US" dirty="0">
-              <a:solidFill>
-                <a:schemeClr val="bg2">
-                  <a:lumMod val="10000"/>
-                </a:schemeClr>
-              </a:solidFill>
-            </a:endParaRPr>
+            <a:endParaRPr lang="en-US" dirty="0"/>
           </a:p>
         </p:txBody>
       </p:sp>
@@ -2512,7 +2507,7 @@
           <a:bodyPr/>
           <a:lstStyle>
             <a:lvl1pPr>
-              <a:defRPr>
+              <a:defRPr sz="1050">
                 <a:solidFill>
                   <a:schemeClr val="bg2">
                     <a:lumMod val="10000"/>
@@ -2527,13 +2522,7 @@
               <a:pPr/>
               <a:t>‹#›</a:t>
             </a:fld>
-            <a:endParaRPr lang="en-US" dirty="0">
-              <a:solidFill>
-                <a:schemeClr val="bg2">
-                  <a:lumMod val="10000"/>
-                </a:schemeClr>
-              </a:solidFill>
-            </a:endParaRPr>
+            <a:endParaRPr lang="en-US" dirty="0"/>
           </a:p>
         </p:txBody>
       </p:sp>
@@ -2650,7 +2639,7 @@
           <a:bodyPr/>
           <a:lstStyle>
             <a:lvl1pPr>
-              <a:defRPr>
+              <a:defRPr sz="1050">
                 <a:solidFill>
                   <a:schemeClr val="bg2">
                     <a:lumMod val="10000"/>
@@ -2665,13 +2654,7 @@
               <a:pPr/>
               <a:t>‹#›</a:t>
             </a:fld>
-            <a:endParaRPr lang="en-US" dirty="0">
-              <a:solidFill>
-                <a:schemeClr val="bg2">
-                  <a:lumMod val="10000"/>
-                </a:schemeClr>
-              </a:solidFill>
-            </a:endParaRPr>
+            <a:endParaRPr lang="en-US" dirty="0"/>
           </a:p>
         </p:txBody>
       </p:sp>
@@ -2760,13 +2743,18 @@
         <p:spPr/>
         <p:txBody>
           <a:bodyPr/>
-          <a:lstStyle/>
+          <a:lstStyle>
+            <a:lvl1pPr>
+              <a:defRPr sz="1050"/>
+            </a:lvl1pPr>
+          </a:lstStyle>
           <a:p>
             <a:fld id="{AB20E804-BAAB-4C7D-990A-A7C313B07412}" type="slidenum">
               <a:rPr lang="en-US" smtClean="0"/>
+              <a:pPr/>
               <a:t>‹#›</a:t>
             </a:fld>
-            <a:endParaRPr lang="en-US"/>
+            <a:endParaRPr lang="en-US" dirty="0"/>
           </a:p>
         </p:txBody>
       </p:sp>
@@ -3033,13 +3021,18 @@
         <p:spPr/>
         <p:txBody>
           <a:bodyPr/>
-          <a:lstStyle/>
+          <a:lstStyle>
+            <a:lvl1pPr>
+              <a:defRPr sz="1050"/>
+            </a:lvl1pPr>
+          </a:lstStyle>
           <a:p>
             <a:fld id="{AB20E804-BAAB-4C7D-990A-A7C313B07412}" type="slidenum">
               <a:rPr lang="en-US" smtClean="0"/>
+              <a:pPr/>
               <a:t>‹#›</a:t>
             </a:fld>
-            <a:endParaRPr lang="en-US"/>
+            <a:endParaRPr lang="en-US" dirty="0"/>
           </a:p>
         </p:txBody>
       </p:sp>
@@ -3298,13 +3291,18 @@
         <p:spPr/>
         <p:txBody>
           <a:bodyPr/>
-          <a:lstStyle/>
+          <a:lstStyle>
+            <a:lvl1pPr>
+              <a:defRPr sz="1050"/>
+            </a:lvl1pPr>
+          </a:lstStyle>
           <a:p>
             <a:fld id="{AB20E804-BAAB-4C7D-990A-A7C313B07412}" type="slidenum">
               <a:rPr lang="en-US" smtClean="0"/>
+              <a:pPr/>
               <a:t>‹#›</a:t>
             </a:fld>
-            <a:endParaRPr lang="en-US"/>
+            <a:endParaRPr lang="en-US" dirty="0"/>
           </a:p>
         </p:txBody>
       </p:sp>
@@ -3580,6 +3578,8 @@
                 <a:solidFill>
                   <a:schemeClr val="bg1"/>
                 </a:solidFill>
+                <a:latin typeface="Roboto" panose="02000000000000000000" pitchFamily="2" charset="0"/>
+                <a:ea typeface="Roboto" panose="02000000000000000000" pitchFamily="2" charset="0"/>
               </a:defRPr>
             </a:lvl1pPr>
           </a:lstStyle>
@@ -3589,7 +3589,10 @@
               <a:pPr/>
               <a:t>‹#›</a:t>
             </a:fld>
-            <a:endParaRPr lang="en-US" dirty="0"/>
+            <a:endParaRPr lang="en-US" dirty="0">
+              <a:latin typeface="Roboto" panose="02000000000000000000" pitchFamily="2" charset="0"/>
+              <a:ea typeface="Roboto" panose="02000000000000000000" pitchFamily="2" charset="0"/>
+            </a:endParaRPr>
           </a:p>
         </p:txBody>
       </p:sp>
@@ -3985,7 +3988,12 @@
             <p:ph type="ctrTitle"/>
           </p:nvPr>
         </p:nvSpPr>
-        <p:spPr/>
+        <p:spPr>
+          <a:xfrm>
+            <a:off x="252407" y="2166365"/>
+            <a:ext cx="8603674" cy="1739347"/>
+          </a:xfrm>
+        </p:spPr>
         <p:txBody>
           <a:bodyPr/>
           <a:lstStyle/>
@@ -3996,7 +4004,7 @@
               </a:lnSpc>
             </a:pPr>
             <a:r>
-              <a:rPr lang="en-US" cap="none" dirty="0">
+              <a:rPr lang="en-US" b="1" cap="none" dirty="0">
                 <a:ln w="9525">
                   <a:solidFill>
                     <a:schemeClr val="bg1"/>
@@ -4013,7 +4021,6 @@
                     </a:srgbClr>
                   </a:outerShdw>
                 </a:effectLst>
-                <a:latin typeface="Roboto" panose="02000000000000000000" pitchFamily="2" charset="0"/>
                 <a:ea typeface="Roboto" panose="02000000000000000000" pitchFamily="2" charset="0"/>
               </a:rPr>
               <a:t>NLTK</a:t>
@@ -4037,75 +4044,42 @@
             <p:ph type="subTitle" idx="1"/>
           </p:nvPr>
         </p:nvSpPr>
-        <p:spPr/>
+        <p:spPr>
+          <a:xfrm>
+            <a:off x="331434" y="3844269"/>
+            <a:ext cx="8534400" cy="667512"/>
+          </a:xfrm>
+        </p:spPr>
         <p:txBody>
           <a:bodyPr>
             <a:normAutofit/>
           </a:bodyPr>
           <a:lstStyle/>
           <a:p>
-            <a:r>
-              <a:rPr lang="fa-IR" dirty="0">
+            <a:pPr>
+              <a:lnSpc>
+                <a:spcPct val="100000"/>
+              </a:lnSpc>
+              <a:spcBef>
+                <a:spcPts val="0"/>
+              </a:spcBef>
+              <a:spcAft>
+                <a:spcPts val="0"/>
+              </a:spcAft>
+            </a:pPr>
+            <a:r>
+              <a:rPr lang="en-US" dirty="0">
                 <a:solidFill>
                   <a:schemeClr val="bg1">
                     <a:lumMod val="85000"/>
                   </a:schemeClr>
                 </a:solidFill>
-                <a:latin typeface="Vazir" panose="020B0603030804020204" pitchFamily="34" charset="-78"/>
-                <a:cs typeface="Vazir" panose="020B0603030804020204" pitchFamily="34" charset="-78"/>
-              </a:rPr>
-              <a:t>مهدی </a:t>
-            </a:r>
-            <a:r>
-              <a:rPr lang="fa-IR" dirty="0" err="1">
-                <a:solidFill>
-                  <a:schemeClr val="bg1">
-                    <a:lumMod val="85000"/>
-                  </a:schemeClr>
-                </a:solidFill>
-                <a:latin typeface="Vazir" panose="020B0603030804020204" pitchFamily="34" charset="-78"/>
-                <a:cs typeface="Vazir" panose="020B0603030804020204" pitchFamily="34" charset="-78"/>
-              </a:rPr>
-              <a:t>حسین‌زاده</a:t>
-            </a:r>
-            <a:endParaRPr lang="en-US" dirty="0">
-              <a:solidFill>
-                <a:schemeClr val="bg1">
-                  <a:lumMod val="85000"/>
-                </a:schemeClr>
-              </a:solidFill>
-              <a:latin typeface="Vazir" panose="020B0603030804020204" pitchFamily="34" charset="-78"/>
-              <a:cs typeface="Vazir" panose="020B0603030804020204" pitchFamily="34" charset="-78"/>
-            </a:endParaRPr>
-          </a:p>
-        </p:txBody>
-      </p:sp>
-      <p:sp>
-        <p:nvSpPr>
-          <p:cNvPr id="4" name="Slide Number Placeholder 3">
-            <a:extLst>
-              <a:ext uri="{FF2B5EF4-FFF2-40B4-BE49-F238E27FC236}">
-                <a16:creationId xmlns:a16="http://schemas.microsoft.com/office/drawing/2014/main" id="{18CBBA72-A45A-40D5-B93F-D9AB78DE8AED}"/>
-              </a:ext>
-            </a:extLst>
-          </p:cNvPr>
-          <p:cNvSpPr>
-            <a:spLocks noGrp="1"/>
-          </p:cNvSpPr>
-          <p:nvPr>
-            <p:ph type="sldNum" sz="quarter" idx="12"/>
-          </p:nvPr>
-        </p:nvSpPr>
-        <p:spPr/>
-        <p:txBody>
-          <a:bodyPr/>
-          <a:lstStyle/>
-          <a:p>
-            <a:fld id="{AB20E804-BAAB-4C7D-990A-A7C313B07412}" type="slidenum">
-              <a:rPr lang="en-US" smtClean="0"/>
-              <a:t>1</a:t>
-            </a:fld>
-            <a:endParaRPr lang="en-US"/>
+                <a:latin typeface="Calibri" panose="020F0502020204030204" pitchFamily="34" charset="0"/>
+                <a:ea typeface="Roboto" panose="02000000000000000000" pitchFamily="2" charset="0"/>
+                <a:cs typeface="Calibri" panose="020F0502020204030204" pitchFamily="34" charset="0"/>
+              </a:rPr>
+              <a:t>Mahdi Hosseinzadeh</a:t>
+            </a:r>
           </a:p>
         </p:txBody>
       </p:sp>
@@ -4168,7 +4142,7 @@
                   </a:schemeClr>
                 </a:solidFill>
               </a:rPr>
-              <a:t>NLTK Bad Parts</a:t>
+              <a:t>NLTK Bad Points</a:t>
             </a:r>
           </a:p>
         </p:txBody>
@@ -4222,13 +4196,6 @@
                     <a:lumMod val="25000"/>
                   </a:schemeClr>
                 </a:solidFill>
-                <a:effectLst>
-                  <a:outerShdw blurRad="38100" dist="38100" dir="2700000" algn="tl">
-                    <a:srgbClr val="000000">
-                      <a:alpha val="43137"/>
-                    </a:srgbClr>
-                  </a:outerShdw>
-                </a:effectLst>
                 <a:latin typeface="Verdana" panose="020B0604030504040204" pitchFamily="34" charset="0"/>
                 <a:ea typeface="Verdana" panose="020B0604030504040204" pitchFamily="34" charset="0"/>
                 <a:cs typeface="Verdana" panose="020B0604030504040204" pitchFamily="34" charset="0"/>
@@ -4242,13 +4209,6 @@
                     <a:lumMod val="25000"/>
                   </a:schemeClr>
                 </a:solidFill>
-                <a:effectLst>
-                  <a:outerShdw blurRad="38100" dist="38100" dir="2700000" algn="tl">
-                    <a:srgbClr val="000000">
-                      <a:alpha val="43137"/>
-                    </a:srgbClr>
-                  </a:outerShdw>
-                </a:effectLst>
                 <a:latin typeface="Verdana" panose="020B0604030504040204" pitchFamily="34" charset="0"/>
                 <a:ea typeface="Verdana" panose="020B0604030504040204" pitchFamily="34" charset="0"/>
                 <a:cs typeface="Verdana" panose="020B0604030504040204" pitchFamily="34" charset="0"/>
@@ -4283,13 +4243,6 @@
                     <a:lumMod val="25000"/>
                   </a:schemeClr>
                 </a:solidFill>
-                <a:effectLst>
-                  <a:outerShdw blurRad="38100" dist="38100" dir="2700000" algn="tl">
-                    <a:srgbClr val="000000">
-                      <a:alpha val="43137"/>
-                    </a:srgbClr>
-                  </a:outerShdw>
-                </a:effectLst>
                 <a:latin typeface="Verdana" panose="020B0604030504040204" pitchFamily="34" charset="0"/>
                 <a:ea typeface="Verdana" panose="020B0604030504040204" pitchFamily="34" charset="0"/>
                 <a:cs typeface="Verdana" panose="020B0604030504040204" pitchFamily="34" charset="0"/>
@@ -4324,13 +4277,6 @@
                     <a:lumMod val="25000"/>
                   </a:schemeClr>
                 </a:solidFill>
-                <a:effectLst>
-                  <a:outerShdw blurRad="38100" dist="38100" dir="2700000" algn="tl">
-                    <a:srgbClr val="000000">
-                      <a:alpha val="43137"/>
-                    </a:srgbClr>
-                  </a:outerShdw>
-                </a:effectLst>
                 <a:latin typeface="Verdana" panose="020B0604030504040204" pitchFamily="34" charset="0"/>
                 <a:ea typeface="Verdana" panose="020B0604030504040204" pitchFamily="34" charset="0"/>
                 <a:cs typeface="Verdana" panose="020B0604030504040204" pitchFamily="34" charset="0"/>
@@ -4365,13 +4311,6 @@
                     <a:lumMod val="25000"/>
                   </a:schemeClr>
                 </a:solidFill>
-                <a:effectLst>
-                  <a:outerShdw blurRad="38100" dist="38100" dir="2700000" algn="tl">
-                    <a:srgbClr val="000000">
-                      <a:alpha val="43137"/>
-                    </a:srgbClr>
-                  </a:outerShdw>
-                </a:effectLst>
                 <a:latin typeface="Verdana" panose="020B0604030504040204" pitchFamily="34" charset="0"/>
                 <a:ea typeface="Verdana" panose="020B0604030504040204" pitchFamily="34" charset="0"/>
                 <a:cs typeface="Verdana" panose="020B0604030504040204" pitchFamily="34" charset="0"/>
@@ -4385,13 +4324,6 @@
                     <a:lumMod val="25000"/>
                   </a:schemeClr>
                 </a:solidFill>
-                <a:effectLst>
-                  <a:outerShdw blurRad="38100" dist="38100" dir="2700000" algn="tl">
-                    <a:srgbClr val="000000">
-                      <a:alpha val="43137"/>
-                    </a:srgbClr>
-                  </a:outerShdw>
-                </a:effectLst>
                 <a:latin typeface="Verdana" panose="020B0604030504040204" pitchFamily="34" charset="0"/>
                 <a:ea typeface="Verdana" panose="020B0604030504040204" pitchFamily="34" charset="0"/>
                 <a:cs typeface="Verdana" panose="020B0604030504040204" pitchFamily="34" charset="0"/>
@@ -4405,13 +4337,6 @@
                     <a:lumMod val="25000"/>
                   </a:schemeClr>
                 </a:solidFill>
-                <a:effectLst>
-                  <a:outerShdw blurRad="38100" dist="38100" dir="2700000" algn="tl">
-                    <a:srgbClr val="000000">
-                      <a:alpha val="43137"/>
-                    </a:srgbClr>
-                  </a:outerShdw>
-                </a:effectLst>
                 <a:latin typeface="Verdana" panose="020B0604030504040204" pitchFamily="34" charset="0"/>
                 <a:ea typeface="Verdana" panose="020B0604030504040204" pitchFamily="34" charset="0"/>
                 <a:cs typeface="Verdana" panose="020B0604030504040204" pitchFamily="34" charset="0"/>
@@ -4446,13 +4371,6 @@
                     <a:lumMod val="25000"/>
                   </a:schemeClr>
                 </a:solidFill>
-                <a:effectLst>
-                  <a:outerShdw blurRad="38100" dist="38100" dir="2700000" algn="tl">
-                    <a:srgbClr val="000000">
-                      <a:alpha val="43137"/>
-                    </a:srgbClr>
-                  </a:outerShdw>
-                </a:effectLst>
                 <a:latin typeface="Verdana" panose="020B0604030504040204" pitchFamily="34" charset="0"/>
                 <a:ea typeface="Verdana" panose="020B0604030504040204" pitchFamily="34" charset="0"/>
                 <a:cs typeface="Verdana" panose="020B0604030504040204" pitchFamily="34" charset="0"/>
@@ -4487,13 +4405,6 @@
                     <a:lumMod val="25000"/>
                   </a:schemeClr>
                 </a:solidFill>
-                <a:effectLst>
-                  <a:outerShdw blurRad="38100" dist="38100" dir="2700000" algn="tl">
-                    <a:srgbClr val="000000">
-                      <a:alpha val="43137"/>
-                    </a:srgbClr>
-                  </a:outerShdw>
-                </a:effectLst>
                 <a:latin typeface="Verdana" panose="020B0604030504040204" pitchFamily="34" charset="0"/>
                 <a:ea typeface="Verdana" panose="020B0604030504040204" pitchFamily="34" charset="0"/>
                 <a:cs typeface="Verdana" panose="020B0604030504040204" pitchFamily="34" charset="0"/>
@@ -4506,13 +4417,6 @@
                   <a:lumMod val="25000"/>
                 </a:schemeClr>
               </a:solidFill>
-              <a:effectLst>
-                <a:outerShdw blurRad="38100" dist="38100" dir="2700000" algn="tl">
-                  <a:srgbClr val="000000">
-                    <a:alpha val="43137"/>
-                  </a:srgbClr>
-                </a:outerShdw>
-              </a:effectLst>
               <a:latin typeface="Verdana" panose="020B0604030504040204" pitchFamily="34" charset="0"/>
               <a:ea typeface="Verdana" panose="020B0604030504040204" pitchFamily="34" charset="0"/>
               <a:cs typeface="Verdana" panose="020B0604030504040204" pitchFamily="34" charset="0"/>
@@ -4648,24 +4552,28 @@
               <a:buNone/>
             </a:pPr>
             <a:r>
-              <a:rPr lang="en-US" sz="2400" b="0" i="0" u="none" strike="noStrike" baseline="0" dirty="0">
+              <a:rPr lang="en-US" sz="2800" b="1" i="0" u="none" strike="noStrike" baseline="0" dirty="0">
                 <a:solidFill>
                   <a:schemeClr val="bg2">
                     <a:lumMod val="25000"/>
                   </a:schemeClr>
                 </a:solidFill>
-                <a:effectLst>
-                  <a:outerShdw blurRad="38100" dist="38100" dir="2700000" algn="tl">
-                    <a:srgbClr val="000000">
-                      <a:alpha val="43137"/>
-                    </a:srgbClr>
-                  </a:outerShdw>
-                </a:effectLst>
-                <a:latin typeface="Verdana" panose="020B0604030504040204" pitchFamily="34" charset="0"/>
-                <a:ea typeface="Verdana" panose="020B0604030504040204" pitchFamily="34" charset="0"/>
-                <a:cs typeface="Verdana" panose="020B0604030504040204" pitchFamily="34" charset="0"/>
-              </a:rPr>
-              <a:t>Installing NLTK: </a:t>
+                <a:ea typeface="Verdana" panose="020B0604030504040204" pitchFamily="34" charset="0"/>
+                <a:cs typeface="Verdana" panose="020B0604030504040204" pitchFamily="34" charset="0"/>
+              </a:rPr>
+              <a:t>Installing NLTK</a:t>
+            </a:r>
+            <a:r>
+              <a:rPr lang="en-US" sz="2800" b="0" i="0" u="none" strike="noStrike" baseline="0" dirty="0">
+                <a:solidFill>
+                  <a:schemeClr val="bg2">
+                    <a:lumMod val="25000"/>
+                  </a:schemeClr>
+                </a:solidFill>
+                <a:ea typeface="Verdana" panose="020B0604030504040204" pitchFamily="34" charset="0"/>
+                <a:cs typeface="Verdana" panose="020B0604030504040204" pitchFamily="34" charset="0"/>
+              </a:rPr>
+              <a:t>: </a:t>
             </a:r>
             <a:r>
               <a:rPr lang="en-US" sz="2000" b="0" i="0" u="none" strike="noStrike" baseline="0" dirty="0">
@@ -4674,13 +4582,6 @@
                     <a:lumMod val="25000"/>
                   </a:schemeClr>
                 </a:solidFill>
-                <a:effectLst>
-                  <a:outerShdw blurRad="38100" dist="38100" dir="2700000" algn="tl">
-                    <a:srgbClr val="000000">
-                      <a:alpha val="43137"/>
-                    </a:srgbClr>
-                  </a:outerShdw>
-                </a:effectLst>
                 <a:latin typeface="Verdana" panose="020B0604030504040204" pitchFamily="34" charset="0"/>
                 <a:ea typeface="Verdana" panose="020B0604030504040204" pitchFamily="34" charset="0"/>
                 <a:cs typeface="Verdana" panose="020B0604030504040204" pitchFamily="34" charset="0"/>
@@ -4693,13 +4594,6 @@
                   <a:lumMod val="25000"/>
                 </a:schemeClr>
               </a:solidFill>
-              <a:effectLst>
-                <a:outerShdw blurRad="38100" dist="38100" dir="2700000" algn="tl">
-                  <a:srgbClr val="000000">
-                    <a:alpha val="43137"/>
-                  </a:srgbClr>
-                </a:outerShdw>
-              </a:effectLst>
               <a:latin typeface="Verdana" panose="020B0604030504040204" pitchFamily="34" charset="0"/>
               <a:ea typeface="Verdana" panose="020B0604030504040204" pitchFamily="34" charset="0"/>
               <a:cs typeface="Verdana" panose="020B0604030504040204" pitchFamily="34" charset="0"/>
@@ -4719,13 +4613,6 @@
                     <a:lumMod val="25000"/>
                   </a:schemeClr>
                 </a:solidFill>
-                <a:effectLst>
-                  <a:outerShdw blurRad="38100" dist="38100" dir="2700000" algn="tl">
-                    <a:srgbClr val="000000">
-                      <a:alpha val="43137"/>
-                    </a:srgbClr>
-                  </a:outerShdw>
-                </a:effectLst>
                 <a:latin typeface="Verdana" panose="020B0604030504040204" pitchFamily="34" charset="0"/>
                 <a:ea typeface="Verdana" panose="020B0604030504040204" pitchFamily="34" charset="0"/>
                 <a:cs typeface="Verdana" panose="020B0604030504040204" pitchFamily="34" charset="0"/>
@@ -4744,38 +4631,24 @@
               <a:buNone/>
             </a:pPr>
             <a:r>
-              <a:rPr lang="en-US" b="0" i="0" u="none" strike="noStrike" baseline="0" dirty="0">
+              <a:rPr lang="en-US" sz="1800" b="0" i="0" u="none" strike="noStrike" baseline="0" dirty="0">
                 <a:solidFill>
                   <a:schemeClr val="tx2">
                     <a:lumMod val="25000"/>
                   </a:schemeClr>
                 </a:solidFill>
-                <a:effectLst>
-                  <a:outerShdw blurRad="38100" dist="38100" dir="2700000" algn="tl">
-                    <a:srgbClr val="000000">
-                      <a:alpha val="43137"/>
-                    </a:srgbClr>
-                  </a:outerShdw>
-                </a:effectLst>
                 <a:latin typeface="Verdana" panose="020B0604030504040204" pitchFamily="34" charset="0"/>
                 <a:ea typeface="Verdana" panose="020B0604030504040204" pitchFamily="34" charset="0"/>
                 <a:cs typeface="Verdana" panose="020B0604030504040204" pitchFamily="34" charset="0"/>
               </a:rPr>
               <a:t>A corpus is a collection of documents to learn about</a:t>
             </a:r>
-            <a:endParaRPr lang="en-US" dirty="0">
+            <a:endParaRPr lang="en-US" sz="1800" dirty="0">
               <a:solidFill>
                 <a:schemeClr val="tx2">
                   <a:lumMod val="25000"/>
                 </a:schemeClr>
               </a:solidFill>
-              <a:effectLst>
-                <a:outerShdw blurRad="38100" dist="38100" dir="2700000" algn="tl">
-                  <a:srgbClr val="000000">
-                    <a:alpha val="43137"/>
-                  </a:srgbClr>
-                </a:outerShdw>
-              </a:effectLst>
               <a:latin typeface="Verdana" panose="020B0604030504040204" pitchFamily="34" charset="0"/>
               <a:ea typeface="Verdana" panose="020B0604030504040204" pitchFamily="34" charset="0"/>
               <a:cs typeface="Verdana" panose="020B0604030504040204" pitchFamily="34" charset="0"/>
@@ -4793,13 +4666,6 @@
                 <a:solidFill>
                   <a:srgbClr val="C00000"/>
                 </a:solidFill>
-                <a:effectLst>
-                  <a:outerShdw blurRad="38100" dist="38100" dir="2700000" algn="tl">
-                    <a:srgbClr val="000000">
-                      <a:alpha val="43137"/>
-                    </a:srgbClr>
-                  </a:outerShdw>
-                </a:effectLst>
                 <a:latin typeface="Verdana" panose="020B0604030504040204" pitchFamily="34" charset="0"/>
                 <a:ea typeface="Verdana" panose="020B0604030504040204" pitchFamily="34" charset="0"/>
                 <a:cs typeface="Verdana" panose="020B0604030504040204" pitchFamily="34" charset="0"/>
@@ -4811,13 +4677,6 @@
                 <a:solidFill>
                   <a:srgbClr val="C00000"/>
                 </a:solidFill>
-                <a:effectLst>
-                  <a:outerShdw blurRad="38100" dist="38100" dir="2700000" algn="tl">
-                    <a:srgbClr val="000000">
-                      <a:alpha val="43137"/>
-                    </a:srgbClr>
-                  </a:outerShdw>
-                </a:effectLst>
                 <a:latin typeface="Verdana" panose="020B0604030504040204" pitchFamily="34" charset="0"/>
                 <a:ea typeface="Verdana" panose="020B0604030504040204" pitchFamily="34" charset="0"/>
                 <a:cs typeface="Verdana" panose="020B0604030504040204" pitchFamily="34" charset="0"/>
@@ -4829,13 +4688,6 @@
                 <a:solidFill>
                   <a:srgbClr val="C00000"/>
                 </a:solidFill>
-                <a:effectLst>
-                  <a:outerShdw blurRad="38100" dist="38100" dir="2700000" algn="tl">
-                    <a:srgbClr val="000000">
-                      <a:alpha val="43137"/>
-                    </a:srgbClr>
-                  </a:outerShdw>
-                </a:effectLst>
                 <a:latin typeface="Verdana" panose="020B0604030504040204" pitchFamily="34" charset="0"/>
                 <a:ea typeface="Verdana" panose="020B0604030504040204" pitchFamily="34" charset="0"/>
                 <a:cs typeface="Verdana" panose="020B0604030504040204" pitchFamily="34" charset="0"/>
@@ -4855,13 +4707,6 @@
                 <a:solidFill>
                   <a:srgbClr val="C00000"/>
                 </a:solidFill>
-                <a:effectLst>
-                  <a:outerShdw blurRad="38100" dist="38100" dir="2700000" algn="tl">
-                    <a:srgbClr val="000000">
-                      <a:alpha val="43137"/>
-                    </a:srgbClr>
-                  </a:outerShdw>
-                </a:effectLst>
                 <a:latin typeface="Verdana" panose="020B0604030504040204" pitchFamily="34" charset="0"/>
                 <a:ea typeface="Verdana" panose="020B0604030504040204" pitchFamily="34" charset="0"/>
                 <a:cs typeface="Verdana" panose="020B0604030504040204" pitchFamily="34" charset="0"/>
@@ -4877,24 +4722,28 @@
               <a:buNone/>
             </a:pPr>
             <a:r>
-              <a:rPr lang="en-US" sz="2400" dirty="0">
+              <a:rPr lang="en-US" sz="2800" b="1" dirty="0">
                 <a:solidFill>
                   <a:schemeClr val="bg2">
                     <a:lumMod val="25000"/>
                   </a:schemeClr>
                 </a:solidFill>
-                <a:effectLst>
-                  <a:outerShdw blurRad="38100" dist="38100" dir="2700000" algn="tl">
-                    <a:srgbClr val="000000">
-                      <a:alpha val="43137"/>
-                    </a:srgbClr>
-                  </a:outerShdw>
-                </a:effectLst>
-                <a:latin typeface="Verdana" panose="020B0604030504040204" pitchFamily="34" charset="0"/>
-                <a:ea typeface="Verdana" panose="020B0604030504040204" pitchFamily="34" charset="0"/>
-                <a:cs typeface="Verdana" panose="020B0604030504040204" pitchFamily="34" charset="0"/>
-              </a:rPr>
-              <a:t>Python console:</a:t>
+                <a:ea typeface="Verdana" panose="020B0604030504040204" pitchFamily="34" charset="0"/>
+                <a:cs typeface="Verdana" panose="020B0604030504040204" pitchFamily="34" charset="0"/>
+              </a:rPr>
+              <a:t>Python console</a:t>
+            </a:r>
+            <a:r>
+              <a:rPr lang="en-US" sz="2800" dirty="0">
+                <a:solidFill>
+                  <a:schemeClr val="bg2">
+                    <a:lumMod val="25000"/>
+                  </a:schemeClr>
+                </a:solidFill>
+                <a:ea typeface="Verdana" panose="020B0604030504040204" pitchFamily="34" charset="0"/>
+                <a:cs typeface="Verdana" panose="020B0604030504040204" pitchFamily="34" charset="0"/>
+              </a:rPr>
+              <a:t>:</a:t>
             </a:r>
           </a:p>
           <a:p>
@@ -4906,13 +4755,6 @@
                 <a:solidFill>
                   <a:srgbClr val="336600"/>
                 </a:solidFill>
-                <a:effectLst>
-                  <a:outerShdw blurRad="38100" dist="38100" dir="2700000" algn="tl">
-                    <a:srgbClr val="000000">
-                      <a:alpha val="43137"/>
-                    </a:srgbClr>
-                  </a:outerShdw>
-                </a:effectLst>
                 <a:latin typeface="Verdana" panose="020B0604030504040204" pitchFamily="34" charset="0"/>
                 <a:ea typeface="Verdana" panose="020B0604030504040204" pitchFamily="34" charset="0"/>
                 <a:cs typeface="Verdana" panose="020B0604030504040204" pitchFamily="34" charset="0"/>
@@ -4926,13 +4768,6 @@
                     <a:lumMod val="25000"/>
                   </a:schemeClr>
                 </a:solidFill>
-                <a:effectLst>
-                  <a:outerShdw blurRad="38100" dist="38100" dir="2700000" algn="tl">
-                    <a:srgbClr val="000000">
-                      <a:alpha val="43137"/>
-                    </a:srgbClr>
-                  </a:outerShdw>
-                </a:effectLst>
                 <a:latin typeface="Verdana" panose="020B0604030504040204" pitchFamily="34" charset="0"/>
                 <a:ea typeface="Verdana" panose="020B0604030504040204" pitchFamily="34" charset="0"/>
                 <a:cs typeface="Verdana" panose="020B0604030504040204" pitchFamily="34" charset="0"/>
@@ -4946,13 +4781,6 @@
                     <a:lumMod val="25000"/>
                   </a:schemeClr>
                 </a:solidFill>
-                <a:effectLst>
-                  <a:outerShdw blurRad="38100" dist="38100" dir="2700000" algn="tl">
-                    <a:srgbClr val="000000">
-                      <a:alpha val="43137"/>
-                    </a:srgbClr>
-                  </a:outerShdw>
-                </a:effectLst>
                 <a:latin typeface="Verdana" panose="020B0604030504040204" pitchFamily="34" charset="0"/>
                 <a:ea typeface="Verdana" panose="020B0604030504040204" pitchFamily="34" charset="0"/>
                 <a:cs typeface="Verdana" panose="020B0604030504040204" pitchFamily="34" charset="0"/>
@@ -4966,13 +4794,6 @@
                     <a:lumMod val="25000"/>
                   </a:schemeClr>
                 </a:solidFill>
-                <a:effectLst>
-                  <a:outerShdw blurRad="38100" dist="38100" dir="2700000" algn="tl">
-                    <a:srgbClr val="000000">
-                      <a:alpha val="43137"/>
-                    </a:srgbClr>
-                  </a:outerShdw>
-                </a:effectLst>
                 <a:latin typeface="Verdana" panose="020B0604030504040204" pitchFamily="34" charset="0"/>
                 <a:ea typeface="Verdana" panose="020B0604030504040204" pitchFamily="34" charset="0"/>
                 <a:cs typeface="Verdana" panose="020B0604030504040204" pitchFamily="34" charset="0"/>
@@ -4985,13 +4806,6 @@
                   <a:lumMod val="25000"/>
                 </a:schemeClr>
               </a:solidFill>
-              <a:effectLst>
-                <a:outerShdw blurRad="38100" dist="38100" dir="2700000" algn="tl">
-                  <a:srgbClr val="000000">
-                    <a:alpha val="43137"/>
-                  </a:srgbClr>
-                </a:outerShdw>
-              </a:effectLst>
               <a:latin typeface="Verdana" panose="020B0604030504040204" pitchFamily="34" charset="0"/>
               <a:ea typeface="Verdana" panose="020B0604030504040204" pitchFamily="34" charset="0"/>
               <a:cs typeface="Verdana" panose="020B0604030504040204" pitchFamily="34" charset="0"/>
@@ -5006,13 +4820,6 @@
                 <a:solidFill>
                   <a:srgbClr val="336600"/>
                 </a:solidFill>
-                <a:effectLst>
-                  <a:outerShdw blurRad="38100" dist="38100" dir="2700000" algn="tl">
-                    <a:srgbClr val="000000">
-                      <a:alpha val="43137"/>
-                    </a:srgbClr>
-                  </a:outerShdw>
-                </a:effectLst>
                 <a:latin typeface="Verdana" panose="020B0604030504040204" pitchFamily="34" charset="0"/>
                 <a:ea typeface="Verdana" panose="020B0604030504040204" pitchFamily="34" charset="0"/>
                 <a:cs typeface="Verdana" panose="020B0604030504040204" pitchFamily="34" charset="0"/>
@@ -5026,13 +4833,6 @@
                     <a:lumMod val="25000"/>
                   </a:schemeClr>
                 </a:solidFill>
-                <a:effectLst>
-                  <a:outerShdw blurRad="38100" dist="38100" dir="2700000" algn="tl">
-                    <a:srgbClr val="000000">
-                      <a:alpha val="43137"/>
-                    </a:srgbClr>
-                  </a:outerShdw>
-                </a:effectLst>
                 <a:latin typeface="Verdana" panose="020B0604030504040204" pitchFamily="34" charset="0"/>
                 <a:ea typeface="Verdana" panose="020B0604030504040204" pitchFamily="34" charset="0"/>
                 <a:cs typeface="Verdana" panose="020B0604030504040204" pitchFamily="34" charset="0"/>
@@ -5046,18 +4846,11 @@
                     <a:lumMod val="25000"/>
                   </a:schemeClr>
                 </a:solidFill>
-                <a:effectLst>
-                  <a:outerShdw blurRad="38100" dist="38100" dir="2700000" algn="tl">
-                    <a:srgbClr val="000000">
-                      <a:alpha val="43137"/>
-                    </a:srgbClr>
-                  </a:outerShdw>
-                </a:effectLst>
-                <a:latin typeface="Verdana" panose="020B0604030504040204" pitchFamily="34" charset="0"/>
-                <a:ea typeface="Verdana" panose="020B0604030504040204" pitchFamily="34" charset="0"/>
-                <a:cs typeface="Verdana" panose="020B0604030504040204" pitchFamily="34" charset="0"/>
-              </a:rPr>
-              <a:t>(</a:t>
+                <a:latin typeface="Verdana" panose="020B0604030504040204" pitchFamily="34" charset="0"/>
+                <a:ea typeface="Verdana" panose="020B0604030504040204" pitchFamily="34" charset="0"/>
+                <a:cs typeface="Verdana" panose="020B0604030504040204" pitchFamily="34" charset="0"/>
+              </a:rPr>
+              <a:t>('</a:t>
             </a:r>
             <a:r>
               <a:rPr lang="en-US" sz="2000" i="1" dirty="0">
@@ -5066,18 +4859,11 @@
                     <a:lumMod val="25000"/>
                   </a:schemeClr>
                 </a:solidFill>
-                <a:effectLst>
-                  <a:outerShdw blurRad="38100" dist="38100" dir="2700000" algn="tl">
-                    <a:srgbClr val="000000">
-                      <a:alpha val="43137"/>
-                    </a:srgbClr>
-                  </a:outerShdw>
-                </a:effectLst>
-                <a:latin typeface="Verdana" panose="020B0604030504040204" pitchFamily="34" charset="0"/>
-                <a:ea typeface="Verdana" panose="020B0604030504040204" pitchFamily="34" charset="0"/>
-                <a:cs typeface="Verdana" panose="020B0604030504040204" pitchFamily="34" charset="0"/>
-              </a:rPr>
-              <a:t>'wordnet'</a:t>
+                <a:latin typeface="Verdana" panose="020B0604030504040204" pitchFamily="34" charset="0"/>
+                <a:ea typeface="Verdana" panose="020B0604030504040204" pitchFamily="34" charset="0"/>
+                <a:cs typeface="Verdana" panose="020B0604030504040204" pitchFamily="34" charset="0"/>
+              </a:rPr>
+              <a:t>wordnet</a:t>
             </a:r>
             <a:r>
               <a:rPr lang="en-US" sz="2000" dirty="0">
@@ -5086,18 +4872,11 @@
                     <a:lumMod val="25000"/>
                   </a:schemeClr>
                 </a:solidFill>
-                <a:effectLst>
-                  <a:outerShdw blurRad="38100" dist="38100" dir="2700000" algn="tl">
-                    <a:srgbClr val="000000">
-                      <a:alpha val="43137"/>
-                    </a:srgbClr>
-                  </a:outerShdw>
-                </a:effectLst>
-                <a:latin typeface="Verdana" panose="020B0604030504040204" pitchFamily="34" charset="0"/>
-                <a:ea typeface="Verdana" panose="020B0604030504040204" pitchFamily="34" charset="0"/>
-                <a:cs typeface="Verdana" panose="020B0604030504040204" pitchFamily="34" charset="0"/>
-              </a:rPr>
-              <a:t>)</a:t>
+                <a:latin typeface="Verdana" panose="020B0604030504040204" pitchFamily="34" charset="0"/>
+                <a:ea typeface="Verdana" panose="020B0604030504040204" pitchFamily="34" charset="0"/>
+                <a:cs typeface="Verdana" panose="020B0604030504040204" pitchFamily="34" charset="0"/>
+              </a:rPr>
+              <a:t>')</a:t>
             </a:r>
             <a:endParaRPr lang="en-US" sz="1800" dirty="0">
               <a:solidFill>
@@ -5105,13 +4884,6 @@
                   <a:lumMod val="25000"/>
                 </a:schemeClr>
               </a:solidFill>
-              <a:effectLst>
-                <a:outerShdw blurRad="38100" dist="38100" dir="2700000" algn="tl">
-                  <a:srgbClr val="000000">
-                    <a:alpha val="43137"/>
-                  </a:srgbClr>
-                </a:outerShdw>
-              </a:effectLst>
               <a:latin typeface="Verdana" panose="020B0604030504040204" pitchFamily="34" charset="0"/>
               <a:ea typeface="Verdana" panose="020B0604030504040204" pitchFamily="34" charset="0"/>
               <a:cs typeface="Verdana" panose="020B0604030504040204" pitchFamily="34" charset="0"/>
@@ -5235,15 +5007,6 @@
           <a:lstStyle/>
           <a:p>
             <a:pPr marL="0" indent="0">
-              <a:lnSpc>
-                <a:spcPts val="3600"/>
-              </a:lnSpc>
-              <a:spcBef>
-                <a:spcPts val="0"/>
-              </a:spcBef>
-              <a:spcAft>
-                <a:spcPts val="0"/>
-              </a:spcAft>
               <a:buClr>
                 <a:schemeClr val="bg2">
                   <a:lumMod val="25000"/>
@@ -5253,24 +5016,16 @@
               <a:buNone/>
             </a:pPr>
             <a:r>
-              <a:rPr lang="en-US" sz="2400" dirty="0">
+              <a:rPr lang="en-US" sz="2800" b="1" dirty="0">
                 <a:solidFill>
                   <a:schemeClr val="bg2">
                     <a:lumMod val="25000"/>
                   </a:schemeClr>
                 </a:solidFill>
-                <a:effectLst>
-                  <a:outerShdw blurRad="38100" dist="38100" dir="2700000" algn="tl">
-                    <a:srgbClr val="000000">
-                      <a:alpha val="43137"/>
-                    </a:srgbClr>
-                  </a:outerShdw>
-                </a:effectLst>
-                <a:latin typeface="Verdana" panose="020B0604030504040204" pitchFamily="34" charset="0"/>
-                <a:ea typeface="Verdana" panose="020B0604030504040204" pitchFamily="34" charset="0"/>
-                <a:cs typeface="Verdana" panose="020B0604030504040204" pitchFamily="34" charset="0"/>
-              </a:rPr>
-              <a:t>First steps in NLP:</a:t>
+                <a:ea typeface="Verdana" panose="020B0604030504040204" pitchFamily="34" charset="0"/>
+                <a:cs typeface="Verdana" panose="020B0604030504040204" pitchFamily="34" charset="0"/>
+              </a:rPr>
+              <a:t>First step in NLP:</a:t>
             </a:r>
           </a:p>
           <a:p>
@@ -5300,13 +5055,6 @@
                     <a:lumMod val="25000"/>
                   </a:schemeClr>
                 </a:solidFill>
-                <a:effectLst>
-                  <a:outerShdw blurRad="38100" dist="38100" dir="2700000" algn="tl">
-                    <a:srgbClr val="000000">
-                      <a:alpha val="43137"/>
-                    </a:srgbClr>
-                  </a:outerShdw>
-                </a:effectLst>
                 <a:latin typeface="Verdana" panose="020B0604030504040204" pitchFamily="34" charset="0"/>
                 <a:ea typeface="Verdana" panose="020B0604030504040204" pitchFamily="34" charset="0"/>
                 <a:cs typeface="Verdana" panose="020B0604030504040204" pitchFamily="34" charset="0"/>
@@ -5341,13 +5089,6 @@
                     <a:lumMod val="25000"/>
                   </a:schemeClr>
                 </a:solidFill>
-                <a:effectLst>
-                  <a:outerShdw blurRad="38100" dist="38100" dir="2700000" algn="tl">
-                    <a:srgbClr val="000000">
-                      <a:alpha val="43137"/>
-                    </a:srgbClr>
-                  </a:outerShdw>
-                </a:effectLst>
                 <a:latin typeface="Verdana" panose="020B0604030504040204" pitchFamily="34" charset="0"/>
                 <a:ea typeface="Verdana" panose="020B0604030504040204" pitchFamily="34" charset="0"/>
                 <a:cs typeface="Verdana" panose="020B0604030504040204" pitchFamily="34" charset="0"/>
@@ -5357,26 +5098,24 @@
           </a:p>
           <a:p>
             <a:pPr marL="0" indent="0">
+              <a:lnSpc>
+                <a:spcPts val="3600"/>
+              </a:lnSpc>
               <a:spcBef>
                 <a:spcPts val="2400"/>
               </a:spcBef>
+              <a:spcAft>
+                <a:spcPts val="0"/>
+              </a:spcAft>
               <a:buNone/>
             </a:pPr>
             <a:r>
-              <a:rPr lang="en-US" sz="2400" dirty="0">
+              <a:rPr lang="en-US" sz="2800" b="1" dirty="0">
                 <a:solidFill>
                   <a:schemeClr val="bg2">
                     <a:lumMod val="25000"/>
                   </a:schemeClr>
                 </a:solidFill>
-                <a:effectLst>
-                  <a:outerShdw blurRad="38100" dist="38100" dir="2700000" algn="tl">
-                    <a:srgbClr val="000000">
-                      <a:alpha val="43137"/>
-                    </a:srgbClr>
-                  </a:outerShdw>
-                </a:effectLst>
-                <a:latin typeface="Verdana" panose="020B0604030504040204" pitchFamily="34" charset="0"/>
                 <a:ea typeface="Verdana" panose="020B0604030504040204" pitchFamily="34" charset="0"/>
                 <a:cs typeface="Verdana" panose="020B0604030504040204" pitchFamily="34" charset="0"/>
               </a:rPr>
@@ -5410,13 +5149,6 @@
                     <a:lumMod val="25000"/>
                   </a:schemeClr>
                 </a:solidFill>
-                <a:effectLst>
-                  <a:outerShdw blurRad="38100" dist="38100" dir="2700000" algn="tl">
-                    <a:srgbClr val="000000">
-                      <a:alpha val="43137"/>
-                    </a:srgbClr>
-                  </a:outerShdw>
-                </a:effectLst>
                 <a:latin typeface="Verdana" panose="020B0604030504040204" pitchFamily="34" charset="0"/>
                 <a:ea typeface="Verdana" panose="020B0604030504040204" pitchFamily="34" charset="0"/>
                 <a:cs typeface="Verdana" panose="020B0604030504040204" pitchFamily="34" charset="0"/>
@@ -5451,13 +5183,6 @@
                     <a:lumMod val="25000"/>
                   </a:schemeClr>
                 </a:solidFill>
-                <a:effectLst>
-                  <a:outerShdw blurRad="38100" dist="38100" dir="2700000" algn="tl">
-                    <a:srgbClr val="000000">
-                      <a:alpha val="43137"/>
-                    </a:srgbClr>
-                  </a:outerShdw>
-                </a:effectLst>
                 <a:latin typeface="Verdana" panose="020B0604030504040204" pitchFamily="34" charset="0"/>
                 <a:ea typeface="Verdana" panose="020B0604030504040204" pitchFamily="34" charset="0"/>
                 <a:cs typeface="Verdana" panose="020B0604030504040204" pitchFamily="34" charset="0"/>
@@ -5598,20 +5323,12 @@
               <a:buNone/>
             </a:pPr>
             <a:r>
-              <a:rPr lang="en-US" sz="2400" dirty="0">
+              <a:rPr lang="en-US" sz="2800" b="1" dirty="0">
                 <a:solidFill>
                   <a:schemeClr val="bg2">
                     <a:lumMod val="25000"/>
                   </a:schemeClr>
                 </a:solidFill>
-                <a:effectLst>
-                  <a:outerShdw blurRad="38100" dist="38100" dir="2700000" algn="tl">
-                    <a:srgbClr val="000000">
-                      <a:alpha val="43137"/>
-                    </a:srgbClr>
-                  </a:outerShdw>
-                </a:effectLst>
-                <a:latin typeface="Verdana" panose="020B0604030504040204" pitchFamily="34" charset="0"/>
                 <a:ea typeface="Verdana" panose="020B0604030504040204" pitchFamily="34" charset="0"/>
                 <a:cs typeface="Verdana" panose="020B0604030504040204" pitchFamily="34" charset="0"/>
               </a:rPr>
@@ -5645,13 +5362,6 @@
                     <a:lumMod val="25000"/>
                   </a:schemeClr>
                 </a:solidFill>
-                <a:effectLst>
-                  <a:outerShdw blurRad="38100" dist="38100" dir="2700000" algn="tl">
-                    <a:srgbClr val="000000">
-                      <a:alpha val="43137"/>
-                    </a:srgbClr>
-                  </a:outerShdw>
-                </a:effectLst>
                 <a:latin typeface="Verdana" panose="020B0604030504040204" pitchFamily="34" charset="0"/>
                 <a:ea typeface="Verdana" panose="020B0604030504040204" pitchFamily="34" charset="0"/>
                 <a:cs typeface="Verdana" panose="020B0604030504040204" pitchFamily="34" charset="0"/>
@@ -5686,13 +5396,6 @@
                     <a:lumMod val="25000"/>
                   </a:schemeClr>
                 </a:solidFill>
-                <a:effectLst>
-                  <a:outerShdw blurRad="38100" dist="38100" dir="2700000" algn="tl">
-                    <a:srgbClr val="000000">
-                      <a:alpha val="43137"/>
-                    </a:srgbClr>
-                  </a:outerShdw>
-                </a:effectLst>
                 <a:latin typeface="Verdana" panose="020B0604030504040204" pitchFamily="34" charset="0"/>
                 <a:ea typeface="Verdana" panose="020B0604030504040204" pitchFamily="34" charset="0"/>
                 <a:cs typeface="Verdana" panose="020B0604030504040204" pitchFamily="34" charset="0"/>
@@ -5727,13 +5430,6 @@
                     <a:lumMod val="25000"/>
                   </a:schemeClr>
                 </a:solidFill>
-                <a:effectLst>
-                  <a:outerShdw blurRad="38100" dist="38100" dir="2700000" algn="tl">
-                    <a:srgbClr val="000000">
-                      <a:alpha val="43137"/>
-                    </a:srgbClr>
-                  </a:outerShdw>
-                </a:effectLst>
                 <a:latin typeface="Verdana" panose="020B0604030504040204" pitchFamily="34" charset="0"/>
                 <a:ea typeface="Verdana" panose="020B0604030504040204" pitchFamily="34" charset="0"/>
                 <a:cs typeface="Verdana" panose="020B0604030504040204" pitchFamily="34" charset="0"/>
@@ -5768,13 +5464,6 @@
                     <a:lumMod val="25000"/>
                   </a:schemeClr>
                 </a:solidFill>
-                <a:effectLst>
-                  <a:outerShdw blurRad="38100" dist="38100" dir="2700000" algn="tl">
-                    <a:srgbClr val="000000">
-                      <a:alpha val="43137"/>
-                    </a:srgbClr>
-                  </a:outerShdw>
-                </a:effectLst>
                 <a:latin typeface="Verdana" panose="020B0604030504040204" pitchFamily="34" charset="0"/>
                 <a:ea typeface="Verdana" panose="020B0604030504040204" pitchFamily="34" charset="0"/>
                 <a:cs typeface="Verdana" panose="020B0604030504040204" pitchFamily="34" charset="0"/>
@@ -5809,13 +5498,6 @@
                     <a:lumMod val="25000"/>
                   </a:schemeClr>
                 </a:solidFill>
-                <a:effectLst>
-                  <a:outerShdw blurRad="38100" dist="38100" dir="2700000" algn="tl">
-                    <a:srgbClr val="000000">
-                      <a:alpha val="43137"/>
-                    </a:srgbClr>
-                  </a:outerShdw>
-                </a:effectLst>
                 <a:latin typeface="Verdana" panose="020B0604030504040204" pitchFamily="34" charset="0"/>
                 <a:ea typeface="Verdana" panose="020B0604030504040204" pitchFamily="34" charset="0"/>
                 <a:cs typeface="Verdana" panose="020B0604030504040204" pitchFamily="34" charset="0"/>
@@ -5829,13 +5511,6 @@
                     <a:lumMod val="25000"/>
                   </a:schemeClr>
                 </a:solidFill>
-                <a:effectLst>
-                  <a:outerShdw blurRad="38100" dist="38100" dir="2700000" algn="tl">
-                    <a:srgbClr val="000000">
-                      <a:alpha val="43137"/>
-                    </a:srgbClr>
-                  </a:outerShdw>
-                </a:effectLst>
                 <a:latin typeface="Verdana" panose="020B0604030504040204" pitchFamily="34" charset="0"/>
                 <a:ea typeface="Verdana" panose="020B0604030504040204" pitchFamily="34" charset="0"/>
                 <a:cs typeface="Verdana" panose="020B0604030504040204" pitchFamily="34" charset="0"/>
@@ -5848,13 +5523,6 @@
                   <a:lumMod val="25000"/>
                 </a:schemeClr>
               </a:solidFill>
-              <a:effectLst>
-                <a:outerShdw blurRad="38100" dist="38100" dir="2700000" algn="tl">
-                  <a:srgbClr val="000000">
-                    <a:alpha val="43137"/>
-                  </a:srgbClr>
-                </a:outerShdw>
-              </a:effectLst>
               <a:latin typeface="Verdana" panose="020B0604030504040204" pitchFamily="34" charset="0"/>
               <a:ea typeface="Verdana" panose="020B0604030504040204" pitchFamily="34" charset="0"/>
               <a:cs typeface="Verdana" panose="020B0604030504040204" pitchFamily="34" charset="0"/>
@@ -6952,7 +6620,7 @@
         <p:spPr>
           <a:xfrm>
             <a:off x="685799" y="2656566"/>
-            <a:ext cx="4114627" cy="3566160"/>
+            <a:ext cx="4114629" cy="3566160"/>
           </a:xfrm>
         </p:spPr>
         <p:txBody>
@@ -6988,13 +6656,6 @@
                     <a:lumMod val="25000"/>
                   </a:schemeClr>
                 </a:solidFill>
-                <a:effectLst>
-                  <a:outerShdw blurRad="38100" dist="38100" dir="2700000" algn="tl">
-                    <a:srgbClr val="000000">
-                      <a:alpha val="43137"/>
-                    </a:srgbClr>
-                  </a:outerShdw>
-                </a:effectLst>
                 <a:latin typeface="Verdana" panose="020B0604030504040204" pitchFamily="34" charset="0"/>
                 <a:ea typeface="Verdana" panose="020B0604030504040204" pitchFamily="34" charset="0"/>
                 <a:cs typeface="Verdana" panose="020B0604030504040204" pitchFamily="34" charset="0"/>
@@ -7030,13 +6691,6 @@
                     <a:lumMod val="25000"/>
                   </a:schemeClr>
                 </a:solidFill>
-                <a:effectLst>
-                  <a:outerShdw blurRad="38100" dist="38100" dir="2700000" algn="tl">
-                    <a:srgbClr val="000000">
-                      <a:alpha val="43137"/>
-                    </a:srgbClr>
-                  </a:outerShdw>
-                </a:effectLst>
                 <a:latin typeface="Verdana" panose="020B0604030504040204" pitchFamily="34" charset="0"/>
                 <a:ea typeface="Verdana" panose="020B0604030504040204" pitchFamily="34" charset="0"/>
                 <a:cs typeface="Verdana" panose="020B0604030504040204" pitchFamily="34" charset="0"/>
@@ -7072,13 +6726,6 @@
                     <a:lumMod val="25000"/>
                   </a:schemeClr>
                 </a:solidFill>
-                <a:effectLst>
-                  <a:outerShdw blurRad="38100" dist="38100" dir="2700000" algn="tl">
-                    <a:srgbClr val="000000">
-                      <a:alpha val="43137"/>
-                    </a:srgbClr>
-                  </a:outerShdw>
-                </a:effectLst>
                 <a:latin typeface="Verdana" panose="020B0604030504040204" pitchFamily="34" charset="0"/>
                 <a:ea typeface="Verdana" panose="020B0604030504040204" pitchFamily="34" charset="0"/>
                 <a:cs typeface="Verdana" panose="020B0604030504040204" pitchFamily="34" charset="0"/>
@@ -7142,8 +6789,8 @@
         </p:nvSpPr>
         <p:spPr>
           <a:xfrm>
-            <a:off x="4800427" y="2656564"/>
-            <a:ext cx="4414593" cy="3566160"/>
+            <a:off x="4800428" y="2656564"/>
+            <a:ext cx="4006222" cy="3566160"/>
           </a:xfrm>
         </p:spPr>
         <p:txBody>
@@ -7179,13 +6826,6 @@
                     <a:lumMod val="25000"/>
                   </a:schemeClr>
                 </a:solidFill>
-                <a:effectLst>
-                  <a:outerShdw blurRad="38100" dist="38100" dir="2700000" algn="tl">
-                    <a:srgbClr val="000000">
-                      <a:alpha val="43137"/>
-                    </a:srgbClr>
-                  </a:outerShdw>
-                </a:effectLst>
                 <a:latin typeface="Verdana" panose="020B0604030504040204" pitchFamily="34" charset="0"/>
                 <a:ea typeface="Verdana" panose="020B0604030504040204" pitchFamily="34" charset="0"/>
                 <a:cs typeface="Verdana" panose="020B0604030504040204" pitchFamily="34" charset="0"/>
@@ -7199,39 +6839,22 @@
                     <a:lumMod val="25000"/>
                   </a:schemeClr>
                 </a:solidFill>
-                <a:effectLst>
-                  <a:outerShdw blurRad="38100" dist="38100" dir="2700000" algn="tl">
-                    <a:srgbClr val="000000">
-                      <a:alpha val="43137"/>
-                    </a:srgbClr>
-                  </a:outerShdw>
-                </a:effectLst>
                 <a:latin typeface="Verdana" panose="020B0604030504040204" pitchFamily="34" charset="0"/>
                 <a:ea typeface="Verdana" panose="020B0604030504040204" pitchFamily="34" charset="0"/>
                 <a:cs typeface="Verdana" panose="020B0604030504040204" pitchFamily="34" charset="0"/>
               </a:rPr>
               <a:t>soffisticated</a:t>
             </a:r>
-            <a:r>
-              <a:rPr lang="en-US" dirty="0">
-                <a:solidFill>
-                  <a:schemeClr val="tx2">
-                    <a:lumMod val="25000"/>
-                  </a:schemeClr>
-                </a:solidFill>
-                <a:effectLst>
-                  <a:outerShdw blurRad="38100" dist="38100" dir="2700000" algn="tl">
-                    <a:srgbClr val="000000">
-                      <a:alpha val="43137"/>
-                    </a:srgbClr>
-                  </a:outerShdw>
-                </a:effectLst>
-                <a:latin typeface="Verdana" panose="020B0604030504040204" pitchFamily="34" charset="0"/>
-                <a:ea typeface="Verdana" panose="020B0604030504040204" pitchFamily="34" charset="0"/>
-                <a:cs typeface="Verdana" panose="020B0604030504040204" pitchFamily="34" charset="0"/>
-              </a:rPr>
-              <a:t> than stemmer</a:t>
-            </a:r>
+            <a:endParaRPr lang="en-US" dirty="0">
+              <a:solidFill>
+                <a:schemeClr val="tx2">
+                  <a:lumMod val="25000"/>
+                </a:schemeClr>
+              </a:solidFill>
+              <a:latin typeface="Verdana" panose="020B0604030504040204" pitchFamily="34" charset="0"/>
+              <a:ea typeface="Verdana" panose="020B0604030504040204" pitchFamily="34" charset="0"/>
+              <a:cs typeface="Verdana" panose="020B0604030504040204" pitchFamily="34" charset="0"/>
+            </a:endParaRPr>
           </a:p>
           <a:p>
             <a:pPr lvl="1" indent="-274320" fontAlgn="base">
@@ -7261,18 +6884,11 @@
                     <a:lumMod val="25000"/>
                   </a:schemeClr>
                 </a:solidFill>
-                <a:effectLst>
-                  <a:outerShdw blurRad="38100" dist="38100" dir="2700000" algn="tl">
-                    <a:srgbClr val="000000">
-                      <a:alpha val="43137"/>
-                    </a:srgbClr>
-                  </a:outerShdw>
-                </a:effectLst>
-                <a:latin typeface="Verdana" panose="020B0604030504040204" pitchFamily="34" charset="0"/>
-                <a:ea typeface="Verdana" panose="020B0604030504040204" pitchFamily="34" charset="0"/>
-                <a:cs typeface="Verdana" panose="020B0604030504040204" pitchFamily="34" charset="0"/>
-              </a:rPr>
-              <a:t>Needs knowledge about dictionary</a:t>
+                <a:latin typeface="Verdana" panose="020B0604030504040204" pitchFamily="34" charset="0"/>
+                <a:ea typeface="Verdana" panose="020B0604030504040204" pitchFamily="34" charset="0"/>
+                <a:cs typeface="Verdana" panose="020B0604030504040204" pitchFamily="34" charset="0"/>
+              </a:rPr>
+              <a:t>Needs dictionary</a:t>
             </a:r>
           </a:p>
           <a:p>
@@ -7303,13 +6919,6 @@
                     <a:lumMod val="25000"/>
                   </a:schemeClr>
                 </a:solidFill>
-                <a:effectLst>
-                  <a:outerShdw blurRad="38100" dist="38100" dir="2700000" algn="tl">
-                    <a:srgbClr val="000000">
-                      <a:alpha val="43137"/>
-                    </a:srgbClr>
-                  </a:outerShdw>
-                </a:effectLst>
                 <a:latin typeface="Verdana" panose="020B0604030504040204" pitchFamily="34" charset="0"/>
                 <a:ea typeface="Verdana" panose="020B0604030504040204" pitchFamily="34" charset="0"/>
                 <a:cs typeface="Verdana" panose="020B0604030504040204" pitchFamily="34" charset="0"/>
@@ -7450,27 +7059,22 @@
           <a:lstStyle/>
           <a:p>
             <a:pPr marL="0" indent="0">
+              <a:spcAft>
+                <a:spcPts val="600"/>
+              </a:spcAft>
               <a:buNone/>
             </a:pPr>
             <a:r>
-              <a:rPr lang="en-US" sz="2000" dirty="0">
-                <a:solidFill>
-                  <a:schemeClr val="tx2">
-                    <a:lumMod val="25000"/>
-                  </a:schemeClr>
-                </a:solidFill>
-                <a:effectLst>
-                  <a:outerShdw blurRad="38100" dist="38100" dir="2700000" algn="tl">
-                    <a:srgbClr val="000000">
-                      <a:alpha val="43137"/>
-                    </a:srgbClr>
-                  </a:outerShdw>
-                </a:effectLst>
-                <a:latin typeface="Verdana" panose="020B0604030504040204" pitchFamily="34" charset="0"/>
-                <a:ea typeface="Verdana" panose="020B0604030504040204" pitchFamily="34" charset="0"/>
-                <a:cs typeface="Verdana" panose="020B0604030504040204" pitchFamily="34" charset="0"/>
-              </a:rPr>
-              <a:t>Are common words with little value:</a:t>
+              <a:rPr lang="en-US" sz="2800" b="1" dirty="0">
+                <a:solidFill>
+                  <a:schemeClr val="bg2">
+                    <a:lumMod val="25000"/>
+                  </a:schemeClr>
+                </a:solidFill>
+                <a:ea typeface="Verdana" panose="020B0604030504040204" pitchFamily="34" charset="0"/>
+                <a:cs typeface="Verdana" panose="020B0604030504040204" pitchFamily="34" charset="0"/>
+              </a:rPr>
+              <a:t>Common words with little value:</a:t>
             </a:r>
           </a:p>
           <a:p>
@@ -7500,18 +7104,11 @@
                     <a:lumMod val="25000"/>
                   </a:schemeClr>
                 </a:solidFill>
-                <a:effectLst>
-                  <a:outerShdw blurRad="38100" dist="38100" dir="2700000" algn="tl">
-                    <a:srgbClr val="000000">
-                      <a:alpha val="43137"/>
-                    </a:srgbClr>
-                  </a:outerShdw>
-                </a:effectLst>
-                <a:latin typeface="Verdana" panose="020B0604030504040204" pitchFamily="34" charset="0"/>
-                <a:ea typeface="Verdana" panose="020B0604030504040204" pitchFamily="34" charset="0"/>
-                <a:cs typeface="Verdana" panose="020B0604030504040204" pitchFamily="34" charset="0"/>
-              </a:rPr>
-              <a:t>Like is, the, are, a, and etc.</a:t>
+                <a:latin typeface="Verdana" panose="020B0604030504040204" pitchFamily="34" charset="0"/>
+                <a:ea typeface="Verdana" panose="020B0604030504040204" pitchFamily="34" charset="0"/>
+                <a:cs typeface="Verdana" panose="020B0604030504040204" pitchFamily="34" charset="0"/>
+              </a:rPr>
+              <a:t>Like is, and, are, a, the etc.</a:t>
             </a:r>
           </a:p>
           <a:p>
@@ -7541,13 +7138,6 @@
                     <a:lumMod val="25000"/>
                   </a:schemeClr>
                 </a:solidFill>
-                <a:effectLst>
-                  <a:outerShdw blurRad="38100" dist="38100" dir="2700000" algn="tl">
-                    <a:srgbClr val="000000">
-                      <a:alpha val="43137"/>
-                    </a:srgbClr>
-                  </a:outerShdw>
-                </a:effectLst>
                 <a:latin typeface="Verdana" panose="020B0604030504040204" pitchFamily="34" charset="0"/>
                 <a:ea typeface="Verdana" panose="020B0604030504040204" pitchFamily="34" charset="0"/>
                 <a:cs typeface="Verdana" panose="020B0604030504040204" pitchFamily="34" charset="0"/>
@@ -7565,13 +7155,6 @@
                   <a:lumMod val="25000"/>
                 </a:schemeClr>
               </a:solidFill>
-              <a:effectLst>
-                <a:outerShdw blurRad="38100" dist="38100" dir="2700000" algn="tl">
-                  <a:srgbClr val="000000">
-                    <a:alpha val="43137"/>
-                  </a:srgbClr>
-                </a:outerShdw>
-              </a:effectLst>
               <a:latin typeface="Verdana" panose="020B0604030504040204" pitchFamily="34" charset="0"/>
               <a:ea typeface="Verdana" panose="020B0604030504040204" pitchFamily="34" charset="0"/>
               <a:cs typeface="Verdana" panose="020B0604030504040204" pitchFamily="34" charset="0"/>
@@ -7579,63 +7162,45 @@
           </a:p>
           <a:p>
             <a:pPr marL="0" lvl="1" indent="0">
+              <a:spcBef>
+                <a:spcPts val="1800"/>
+              </a:spcBef>
+              <a:spcAft>
+                <a:spcPts val="600"/>
+              </a:spcAft>
               <a:buNone/>
             </a:pPr>
             <a:r>
-              <a:rPr lang="en-US" dirty="0">
-                <a:solidFill>
-                  <a:schemeClr val="tx2">
-                    <a:lumMod val="25000"/>
-                  </a:schemeClr>
-                </a:solidFill>
-                <a:effectLst>
-                  <a:outerShdw blurRad="38100" dist="38100" dir="2700000" algn="tl">
-                    <a:srgbClr val="000000">
-                      <a:alpha val="43137"/>
-                    </a:srgbClr>
-                  </a:outerShdw>
-                </a:effectLst>
-                <a:latin typeface="Verdana" panose="020B0604030504040204" pitchFamily="34" charset="0"/>
+              <a:rPr lang="en-US" sz="2800" b="1" dirty="0">
+                <a:solidFill>
+                  <a:schemeClr val="bg2">
+                    <a:lumMod val="25000"/>
+                  </a:schemeClr>
+                </a:solidFill>
                 <a:ea typeface="Verdana" panose="020B0604030504040204" pitchFamily="34" charset="0"/>
                 <a:cs typeface="Verdana" panose="020B0604030504040204" pitchFamily="34" charset="0"/>
               </a:rPr>
               <a:t>Specifying the </a:t>
             </a:r>
             <a:r>
-              <a:rPr lang="en-US" dirty="0" err="1">
-                <a:solidFill>
-                  <a:schemeClr val="tx2">
-                    <a:lumMod val="25000"/>
-                  </a:schemeClr>
-                </a:solidFill>
-                <a:effectLst>
-                  <a:outerShdw blurRad="38100" dist="38100" dir="2700000" algn="tl">
-                    <a:srgbClr val="000000">
-                      <a:alpha val="43137"/>
-                    </a:srgbClr>
-                  </a:outerShdw>
-                </a:effectLst>
-                <a:latin typeface="Verdana" panose="020B0604030504040204" pitchFamily="34" charset="0"/>
+              <a:rPr lang="en-US" sz="2800" b="1" dirty="0" err="1">
+                <a:solidFill>
+                  <a:schemeClr val="bg2">
+                    <a:lumMod val="25000"/>
+                  </a:schemeClr>
+                </a:solidFill>
                 <a:ea typeface="Verdana" panose="020B0604030504040204" pitchFamily="34" charset="0"/>
                 <a:cs typeface="Verdana" panose="020B0604030504040204" pitchFamily="34" charset="0"/>
               </a:rPr>
               <a:t>stopwords</a:t>
             </a:r>
             <a:r>
-              <a:rPr lang="en-US" dirty="0">
-                <a:solidFill>
-                  <a:schemeClr val="tx2">
-                    <a:lumMod val="25000"/>
-                  </a:schemeClr>
-                </a:solidFill>
-                <a:effectLst>
-                  <a:outerShdw blurRad="38100" dist="38100" dir="2700000" algn="tl">
-                    <a:srgbClr val="000000">
-                      <a:alpha val="43137"/>
-                    </a:srgbClr>
-                  </a:outerShdw>
-                </a:effectLst>
-                <a:latin typeface="Verdana" panose="020B0604030504040204" pitchFamily="34" charset="0"/>
+              <a:rPr lang="en-US" sz="2800" b="1" dirty="0">
+                <a:solidFill>
+                  <a:schemeClr val="bg2">
+                    <a:lumMod val="25000"/>
+                  </a:schemeClr>
+                </a:solidFill>
                 <a:ea typeface="Verdana" panose="020B0604030504040204" pitchFamily="34" charset="0"/>
                 <a:cs typeface="Verdana" panose="020B0604030504040204" pitchFamily="34" charset="0"/>
               </a:rPr>
@@ -7669,13 +7234,6 @@
                     <a:lumMod val="25000"/>
                   </a:schemeClr>
                 </a:solidFill>
-                <a:effectLst>
-                  <a:outerShdw blurRad="38100" dist="38100" dir="2700000" algn="tl">
-                    <a:srgbClr val="000000">
-                      <a:alpha val="43137"/>
-                    </a:srgbClr>
-                  </a:outerShdw>
-                </a:effectLst>
                 <a:latin typeface="Verdana" panose="020B0604030504040204" pitchFamily="34" charset="0"/>
                 <a:ea typeface="Verdana" panose="020B0604030504040204" pitchFamily="34" charset="0"/>
                 <a:cs typeface="Verdana" panose="020B0604030504040204" pitchFamily="34" charset="0"/>
@@ -7710,13 +7268,6 @@
                     <a:lumMod val="25000"/>
                   </a:schemeClr>
                 </a:solidFill>
-                <a:effectLst>
-                  <a:outerShdw blurRad="38100" dist="38100" dir="2700000" algn="tl">
-                    <a:srgbClr val="000000">
-                      <a:alpha val="43137"/>
-                    </a:srgbClr>
-                  </a:outerShdw>
-                </a:effectLst>
                 <a:latin typeface="Verdana" panose="020B0604030504040204" pitchFamily="34" charset="0"/>
                 <a:ea typeface="Verdana" panose="020B0604030504040204" pitchFamily="34" charset="0"/>
                 <a:cs typeface="Verdana" panose="020B0604030504040204" pitchFamily="34" charset="0"/>
@@ -7730,13 +7281,6 @@
                     <a:lumMod val="25000"/>
                   </a:schemeClr>
                 </a:solidFill>
-                <a:effectLst>
-                  <a:outerShdw blurRad="38100" dist="38100" dir="2700000" algn="tl">
-                    <a:srgbClr val="000000">
-                      <a:alpha val="43137"/>
-                    </a:srgbClr>
-                  </a:outerShdw>
-                </a:effectLst>
                 <a:latin typeface="Verdana" panose="020B0604030504040204" pitchFamily="34" charset="0"/>
                 <a:ea typeface="Verdana" panose="020B0604030504040204" pitchFamily="34" charset="0"/>
                 <a:cs typeface="Verdana" panose="020B0604030504040204" pitchFamily="34" charset="0"/>
@@ -7750,13 +7294,6 @@
                     <a:lumMod val="25000"/>
                   </a:schemeClr>
                 </a:solidFill>
-                <a:effectLst>
-                  <a:outerShdw blurRad="38100" dist="38100" dir="2700000" algn="tl">
-                    <a:srgbClr val="000000">
-                      <a:alpha val="43137"/>
-                    </a:srgbClr>
-                  </a:outerShdw>
-                </a:effectLst>
                 <a:latin typeface="Verdana" panose="020B0604030504040204" pitchFamily="34" charset="0"/>
                 <a:ea typeface="Verdana" panose="020B0604030504040204" pitchFamily="34" charset="0"/>
                 <a:cs typeface="Verdana" panose="020B0604030504040204" pitchFamily="34" charset="0"/>
@@ -7770,13 +7307,6 @@
                     <a:lumMod val="25000"/>
                   </a:schemeClr>
                 </a:solidFill>
-                <a:effectLst>
-                  <a:outerShdw blurRad="38100" dist="38100" dir="2700000" algn="tl">
-                    <a:srgbClr val="000000">
-                      <a:alpha val="43137"/>
-                    </a:srgbClr>
-                  </a:outerShdw>
-                </a:effectLst>
                 <a:latin typeface="Verdana" panose="020B0604030504040204" pitchFamily="34" charset="0"/>
                 <a:ea typeface="Verdana" panose="020B0604030504040204" pitchFamily="34" charset="0"/>
                 <a:cs typeface="Verdana" panose="020B0604030504040204" pitchFamily="34" charset="0"/>
@@ -7790,13 +7320,6 @@
                     <a:lumMod val="25000"/>
                   </a:schemeClr>
                 </a:solidFill>
-                <a:effectLst>
-                  <a:outerShdw blurRad="38100" dist="38100" dir="2700000" algn="tl">
-                    <a:srgbClr val="000000">
-                      <a:alpha val="43137"/>
-                    </a:srgbClr>
-                  </a:outerShdw>
-                </a:effectLst>
                 <a:latin typeface="Verdana" panose="020B0604030504040204" pitchFamily="34" charset="0"/>
                 <a:ea typeface="Verdana" panose="020B0604030504040204" pitchFamily="34" charset="0"/>
                 <a:cs typeface="Verdana" panose="020B0604030504040204" pitchFamily="34" charset="0"/>
@@ -7931,13 +7454,6 @@
                     <a:lumMod val="25000"/>
                   </a:schemeClr>
                 </a:solidFill>
-                <a:effectLst>
-                  <a:outerShdw blurRad="38100" dist="38100" dir="2700000" algn="tl">
-                    <a:srgbClr val="000000">
-                      <a:alpha val="43137"/>
-                    </a:srgbClr>
-                  </a:outerShdw>
-                </a:effectLst>
                 <a:latin typeface="Verdana" panose="020B0604030504040204" pitchFamily="34" charset="0"/>
                 <a:ea typeface="Verdana" panose="020B0604030504040204" pitchFamily="34" charset="0"/>
                 <a:cs typeface="Verdana" panose="020B0604030504040204" pitchFamily="34" charset="0"/>
@@ -7972,13 +7488,6 @@
                     <a:lumMod val="25000"/>
                   </a:schemeClr>
                 </a:solidFill>
-                <a:effectLst>
-                  <a:outerShdw blurRad="38100" dist="38100" dir="2700000" algn="tl">
-                    <a:srgbClr val="000000">
-                      <a:alpha val="43137"/>
-                    </a:srgbClr>
-                  </a:outerShdw>
-                </a:effectLst>
                 <a:latin typeface="Verdana" panose="020B0604030504040204" pitchFamily="34" charset="0"/>
                 <a:ea typeface="Verdana" panose="020B0604030504040204" pitchFamily="34" charset="0"/>
                 <a:cs typeface="Verdana" panose="020B0604030504040204" pitchFamily="34" charset="0"/>
@@ -8011,41 +7520,35 @@
                   <a:lumMod val="25000"/>
                 </a:schemeClr>
               </a:solidFill>
-              <a:effectLst>
-                <a:outerShdw blurRad="38100" dist="38100" dir="2700000" algn="tl">
-                  <a:srgbClr val="000000">
-                    <a:alpha val="43137"/>
-                  </a:srgbClr>
-                </a:outerShdw>
-              </a:effectLst>
               <a:latin typeface="Verdana" panose="020B0604030504040204" pitchFamily="34" charset="0"/>
               <a:ea typeface="Verdana" panose="020B0604030504040204" pitchFamily="34" charset="0"/>
               <a:cs typeface="Verdana" panose="020B0604030504040204" pitchFamily="34" charset="0"/>
             </a:endParaRPr>
           </a:p>
           <a:p>
-            <a:pPr marL="0" indent="0">
+            <a:pPr marL="0" lvl="1" indent="0">
+              <a:lnSpc>
+                <a:spcPts val="3000"/>
+              </a:lnSpc>
+              <a:spcBef>
+                <a:spcPts val="0"/>
+              </a:spcBef>
+              <a:spcAft>
+                <a:spcPts val="0"/>
+              </a:spcAft>
               <a:buNone/>
             </a:pPr>
             <a:r>
-              <a:rPr lang="en-US" sz="2000" dirty="0">
-                <a:solidFill>
-                  <a:schemeClr val="tx2">
-                    <a:lumMod val="25000"/>
-                  </a:schemeClr>
-                </a:solidFill>
-                <a:effectLst>
-                  <a:outerShdw blurRad="38100" dist="38100" dir="2700000" algn="tl">
-                    <a:srgbClr val="000000">
-                      <a:alpha val="43137"/>
-                    </a:srgbClr>
-                  </a:outerShdw>
-                </a:effectLst>
-                <a:latin typeface="Verdana" panose="020B0604030504040204" pitchFamily="34" charset="0"/>
-                <a:ea typeface="Verdana" panose="020B0604030504040204" pitchFamily="34" charset="0"/>
-                <a:cs typeface="Verdana" panose="020B0604030504040204" pitchFamily="34" charset="0"/>
-              </a:rPr>
-              <a:t>Generate parse tree:</a:t>
+              <a:rPr lang="en-US" sz="2800" b="1" dirty="0">
+                <a:solidFill>
+                  <a:schemeClr val="bg2">
+                    <a:lumMod val="25000"/>
+                  </a:schemeClr>
+                </a:solidFill>
+                <a:ea typeface="Verdana" panose="020B0604030504040204" pitchFamily="34" charset="0"/>
+                <a:cs typeface="Verdana" panose="020B0604030504040204" pitchFamily="34" charset="0"/>
+              </a:rPr>
+              <a:t>Chunking or shallow parsing:</a:t>
             </a:r>
           </a:p>
           <a:p>
@@ -8075,18 +7578,67 @@
                     <a:lumMod val="25000"/>
                   </a:schemeClr>
                 </a:solidFill>
-                <a:effectLst>
-                  <a:outerShdw blurRad="38100" dist="38100" dir="2700000" algn="tl">
-                    <a:srgbClr val="000000">
-                      <a:alpha val="43137"/>
-                    </a:srgbClr>
-                  </a:outerShdw>
-                </a:effectLst>
-                <a:latin typeface="Verdana" panose="020B0604030504040204" pitchFamily="34" charset="0"/>
-                <a:ea typeface="Verdana" panose="020B0604030504040204" pitchFamily="34" charset="0"/>
-                <a:cs typeface="Verdana" panose="020B0604030504040204" pitchFamily="34" charset="0"/>
-              </a:rPr>
-              <a:t>Root - the sentence</a:t>
+                <a:latin typeface="Verdana" panose="020B0604030504040204" pitchFamily="34" charset="0"/>
+                <a:ea typeface="Verdana" panose="020B0604030504040204" pitchFamily="34" charset="0"/>
+                <a:cs typeface="Verdana" panose="020B0604030504040204" pitchFamily="34" charset="0"/>
+              </a:rPr>
+              <a:t>Group words that represent a single idea or thing</a:t>
+            </a:r>
+          </a:p>
+          <a:p>
+            <a:pPr marL="137160" lvl="1" indent="0">
+              <a:lnSpc>
+                <a:spcPts val="3200"/>
+              </a:lnSpc>
+              <a:spcBef>
+                <a:spcPts val="0"/>
+              </a:spcBef>
+              <a:spcAft>
+                <a:spcPts val="0"/>
+              </a:spcAft>
+              <a:buClr>
+                <a:schemeClr val="bg2">
+                  <a:lumMod val="25000"/>
+                </a:schemeClr>
+              </a:buClr>
+              <a:buSzPct val="80000"/>
+              <a:buNone/>
+            </a:pPr>
+            <a:endParaRPr lang="en-US" dirty="0">
+              <a:solidFill>
+                <a:schemeClr val="tx2">
+                  <a:lumMod val="25000"/>
+                </a:schemeClr>
+              </a:solidFill>
+              <a:latin typeface="Verdana" panose="020B0604030504040204" pitchFamily="34" charset="0"/>
+              <a:ea typeface="Verdana" panose="020B0604030504040204" pitchFamily="34" charset="0"/>
+              <a:cs typeface="Verdana" panose="020B0604030504040204" pitchFamily="34" charset="0"/>
+            </a:endParaRPr>
+          </a:p>
+          <a:p>
+            <a:pPr marL="0" indent="0">
+              <a:lnSpc>
+                <a:spcPts val="3000"/>
+              </a:lnSpc>
+              <a:spcBef>
+                <a:spcPts val="0"/>
+              </a:spcBef>
+              <a:spcAft>
+                <a:spcPts val="0"/>
+              </a:spcAft>
+              <a:buNone/>
+            </a:pPr>
+            <a:r>
+              <a:rPr lang="en-US" sz="2800" b="1" dirty="0">
+                <a:solidFill>
+                  <a:schemeClr val="bg2">
+                    <a:lumMod val="25000"/>
+                  </a:schemeClr>
+                </a:solidFill>
+                <a:ea typeface="Verdana" panose="020B0604030504040204" pitchFamily="34" charset="0"/>
+                <a:cs typeface="Verdana" panose="020B0604030504040204" pitchFamily="34" charset="0"/>
+              </a:rPr>
+              <a:t>Generate parse tree:</a:t>
             </a:r>
           </a:p>
           <a:p>
@@ -8116,18 +7668,11 @@
                     <a:lumMod val="25000"/>
                   </a:schemeClr>
                 </a:solidFill>
-                <a:effectLst>
-                  <a:outerShdw blurRad="38100" dist="38100" dir="2700000" algn="tl">
-                    <a:srgbClr val="000000">
-                      <a:alpha val="43137"/>
-                    </a:srgbClr>
-                  </a:outerShdw>
-                </a:effectLst>
-                <a:latin typeface="Verdana" panose="020B0604030504040204" pitchFamily="34" charset="0"/>
-                <a:ea typeface="Verdana" panose="020B0604030504040204" pitchFamily="34" charset="0"/>
-                <a:cs typeface="Verdana" panose="020B0604030504040204" pitchFamily="34" charset="0"/>
-              </a:rPr>
-              <a:t>Intermediate - noun phrase, verb phrase etc.</a:t>
+                <a:latin typeface="Verdana" panose="020B0604030504040204" pitchFamily="34" charset="0"/>
+                <a:ea typeface="Verdana" panose="020B0604030504040204" pitchFamily="34" charset="0"/>
+                <a:cs typeface="Verdana" panose="020B0604030504040204" pitchFamily="34" charset="0"/>
+              </a:rPr>
+              <a:t>Root - the sentence</a:t>
             </a:r>
           </a:p>
           <a:p>
@@ -8157,65 +7702,11 @@
                     <a:lumMod val="25000"/>
                   </a:schemeClr>
                 </a:solidFill>
-                <a:effectLst>
-                  <a:outerShdw blurRad="38100" dist="38100" dir="2700000" algn="tl">
-                    <a:srgbClr val="000000">
-                      <a:alpha val="43137"/>
-                    </a:srgbClr>
-                  </a:outerShdw>
-                </a:effectLst>
-                <a:latin typeface="Verdana" panose="020B0604030504040204" pitchFamily="34" charset="0"/>
-                <a:ea typeface="Verdana" panose="020B0604030504040204" pitchFamily="34" charset="0"/>
-                <a:cs typeface="Verdana" panose="020B0604030504040204" pitchFamily="34" charset="0"/>
-              </a:rPr>
-              <a:t>Leaf - the words</a:t>
-            </a:r>
-          </a:p>
-          <a:p>
-            <a:pPr marL="228600" lvl="1" indent="0">
-              <a:buNone/>
-            </a:pPr>
-            <a:endParaRPr lang="en-US" dirty="0">
-              <a:solidFill>
-                <a:schemeClr val="tx2">
-                  <a:lumMod val="25000"/>
-                </a:schemeClr>
-              </a:solidFill>
-              <a:effectLst>
-                <a:outerShdw blurRad="38100" dist="38100" dir="2700000" algn="tl">
-                  <a:srgbClr val="000000">
-                    <a:alpha val="43137"/>
-                  </a:srgbClr>
-                </a:outerShdw>
-              </a:effectLst>
-              <a:latin typeface="Verdana" panose="020B0604030504040204" pitchFamily="34" charset="0"/>
-              <a:ea typeface="Verdana" panose="020B0604030504040204" pitchFamily="34" charset="0"/>
-              <a:cs typeface="Verdana" panose="020B0604030504040204" pitchFamily="34" charset="0"/>
-            </a:endParaRPr>
-          </a:p>
-          <a:p>
-            <a:pPr marL="0" lvl="1" indent="0">
-              <a:buNone/>
-            </a:pPr>
-            <a:r>
-              <a:rPr lang="en-US" dirty="0">
-                <a:solidFill>
-                  <a:schemeClr val="tx2">
-                    <a:lumMod val="25000"/>
-                  </a:schemeClr>
-                </a:solidFill>
-                <a:effectLst>
-                  <a:outerShdw blurRad="38100" dist="38100" dir="2700000" algn="tl">
-                    <a:srgbClr val="000000">
-                      <a:alpha val="43137"/>
-                    </a:srgbClr>
-                  </a:outerShdw>
-                </a:effectLst>
-                <a:latin typeface="Verdana" panose="020B0604030504040204" pitchFamily="34" charset="0"/>
-                <a:ea typeface="Verdana" panose="020B0604030504040204" pitchFamily="34" charset="0"/>
-                <a:cs typeface="Verdana" panose="020B0604030504040204" pitchFamily="34" charset="0"/>
-              </a:rPr>
-              <a:t>Chunking or shallow parsing:</a:t>
+                <a:latin typeface="Verdana" panose="020B0604030504040204" pitchFamily="34" charset="0"/>
+                <a:ea typeface="Verdana" panose="020B0604030504040204" pitchFamily="34" charset="0"/>
+                <a:cs typeface="Verdana" panose="020B0604030504040204" pitchFamily="34" charset="0"/>
+              </a:rPr>
+              <a:t>Intermediate - noun phrase, verb phrase etc.</a:t>
             </a:r>
           </a:p>
           <a:p>
@@ -8245,29 +7736,12 @@
                     <a:lumMod val="25000"/>
                   </a:schemeClr>
                 </a:solidFill>
-                <a:effectLst>
-                  <a:outerShdw blurRad="38100" dist="38100" dir="2700000" algn="tl">
-                    <a:srgbClr val="000000">
-                      <a:alpha val="43137"/>
-                    </a:srgbClr>
-                  </a:outerShdw>
-                </a:effectLst>
-                <a:latin typeface="Verdana" panose="020B0604030504040204" pitchFamily="34" charset="0"/>
-                <a:ea typeface="Verdana" panose="020B0604030504040204" pitchFamily="34" charset="0"/>
-                <a:cs typeface="Verdana" panose="020B0604030504040204" pitchFamily="34" charset="0"/>
-              </a:rPr>
-              <a:t>Group words that represent a single idea or thing</a:t>
-            </a:r>
-          </a:p>
-          <a:p>
-            <a:pPr lvl="1"/>
-            <a:endParaRPr lang="en-US" dirty="0">
-              <a:solidFill>
-                <a:schemeClr val="bg2">
-                  <a:lumMod val="25000"/>
-                </a:schemeClr>
-              </a:solidFill>
-            </a:endParaRPr>
+                <a:latin typeface="Verdana" panose="020B0604030504040204" pitchFamily="34" charset="0"/>
+                <a:ea typeface="Verdana" panose="020B0604030504040204" pitchFamily="34" charset="0"/>
+                <a:cs typeface="Verdana" panose="020B0604030504040204" pitchFamily="34" charset="0"/>
+              </a:rPr>
+              <a:t>Leaf - the words</a:t>
+            </a:r>
           </a:p>
         </p:txBody>
       </p:sp>
@@ -8395,22 +7869,44 @@
         </p:blipFill>
         <p:spPr>
           <a:xfrm>
-            <a:off x="2968170" y="2011363"/>
-            <a:ext cx="3206098" cy="4206875"/>
+            <a:off x="3089429" y="2163568"/>
+            <a:ext cx="2963580" cy="3888656"/>
           </a:xfrm>
           <a:prstGeom prst="rect">
             <a:avLst/>
           </a:prstGeom>
-          <a:ln>
-            <a:noFill/>
+          <a:solidFill>
+            <a:srgbClr val="FFFFFF">
+              <a:shade val="85000"/>
+            </a:srgbClr>
+          </a:solidFill>
+          <a:ln w="190500" cap="sq">
+            <a:solidFill>
+              <a:srgbClr val="FFFFFF"/>
+            </a:solidFill>
+            <a:miter lim="800000"/>
           </a:ln>
           <a:effectLst>
-            <a:outerShdw blurRad="190500" algn="tl" rotWithShape="0">
+            <a:outerShdw blurRad="65000" dist="50800" dir="12900000" kx="195000" ky="145000" algn="tl" rotWithShape="0">
               <a:srgbClr val="000000">
-                <a:alpha val="70000"/>
+                <a:alpha val="30000"/>
               </a:srgbClr>
             </a:outerShdw>
           </a:effectLst>
+          <a:scene3d>
+            <a:camera prst="orthographicFront">
+              <a:rot lat="0" lon="0" rev="360000"/>
+            </a:camera>
+            <a:lightRig rig="twoPt" dir="t">
+              <a:rot lat="0" lon="0" rev="7200000"/>
+            </a:lightRig>
+          </a:scene3d>
+          <a:sp3d contourW="12700">
+            <a:bevelT w="25400" h="19050"/>
+            <a:contourClr>
+              <a:srgbClr val="969696"/>
+            </a:contourClr>
+          </a:sp3d>
         </p:spPr>
       </p:pic>
       <p:sp>
@@ -8447,6 +7943,83 @@
     <p:extLst>
       <p:ext uri="{BB962C8B-B14F-4D97-AF65-F5344CB8AC3E}">
         <p14:creationId xmlns:p14="http://schemas.microsoft.com/office/powerpoint/2010/main" val="3941727680"/>
+      </p:ext>
+    </p:extLst>
+  </p:cSld>
+  <p:clrMapOvr>
+    <a:masterClrMapping/>
+  </p:clrMapOvr>
+</p:sld>
+</file>
+
+<file path=ppt/slides/slide18.xml><?xml version="1.0" encoding="utf-8"?>
+<p:sld xmlns:a="http://schemas.openxmlformats.org/drawingml/2006/main" xmlns:r="http://schemas.openxmlformats.org/officeDocument/2006/relationships" xmlns:p="http://schemas.openxmlformats.org/presentationml/2006/main">
+  <p:cSld>
+    <p:spTree>
+      <p:nvGrpSpPr>
+        <p:cNvPr id="1" name=""/>
+        <p:cNvGrpSpPr/>
+        <p:nvPr/>
+      </p:nvGrpSpPr>
+      <p:grpSpPr>
+        <a:xfrm>
+          <a:off x="0" y="0"/>
+          <a:ext cx="0" cy="0"/>
+          <a:chOff x="0" y="0"/>
+          <a:chExt cx="0" cy="0"/>
+        </a:xfrm>
+      </p:grpSpPr>
+      <p:sp>
+        <p:nvSpPr>
+          <p:cNvPr id="2" name="Title 1">
+            <a:extLst>
+              <a:ext uri="{FF2B5EF4-FFF2-40B4-BE49-F238E27FC236}">
+                <a16:creationId xmlns:a16="http://schemas.microsoft.com/office/drawing/2014/main" id="{E648516B-CB5B-4139-8682-B8E71AFDE86D}"/>
+              </a:ext>
+            </a:extLst>
+          </p:cNvPr>
+          <p:cNvSpPr>
+            <a:spLocks noGrp="1"/>
+          </p:cNvSpPr>
+          <p:nvPr>
+            <p:ph type="title"/>
+          </p:nvPr>
+        </p:nvSpPr>
+        <p:spPr>
+          <a:xfrm>
+            <a:off x="685800" y="2674620"/>
+            <a:ext cx="7772400" cy="1508760"/>
+          </a:xfrm>
+        </p:spPr>
+        <p:txBody>
+          <a:bodyPr/>
+          <a:lstStyle/>
+          <a:p>
+            <a:pPr algn="ctr"/>
+            <a:r>
+              <a:rPr lang="en-US" sz="6000" b="1" dirty="0">
+                <a:solidFill>
+                  <a:schemeClr val="bg2">
+                    <a:lumMod val="25000"/>
+                  </a:schemeClr>
+                </a:solidFill>
+              </a:rPr>
+              <a:t>Thanks</a:t>
+            </a:r>
+            <a:endParaRPr lang="en-US" b="1" dirty="0">
+              <a:solidFill>
+                <a:schemeClr val="bg2">
+                  <a:lumMod val="25000"/>
+                </a:schemeClr>
+              </a:solidFill>
+            </a:endParaRPr>
+          </a:p>
+        </p:txBody>
+      </p:sp>
+    </p:spTree>
+    <p:extLst>
+      <p:ext uri="{BB962C8B-B14F-4D97-AF65-F5344CB8AC3E}">
+        <p14:creationId xmlns:p14="http://schemas.microsoft.com/office/powerpoint/2010/main" val="1383741832"/>
       </p:ext>
     </p:extLst>
   </p:cSld>
@@ -8560,13 +8133,6 @@
                     <a:lumMod val="25000"/>
                   </a:schemeClr>
                 </a:solidFill>
-                <a:effectLst>
-                  <a:outerShdw blurRad="38100" dist="38100" dir="2700000" algn="tl">
-                    <a:srgbClr val="000000">
-                      <a:alpha val="43137"/>
-                    </a:srgbClr>
-                  </a:outerShdw>
-                </a:effectLst>
                 <a:uLnTx/>
                 <a:uFillTx/>
                 <a:latin typeface="Verdana"/>
@@ -8605,13 +8171,6 @@
                     <a:lumMod val="25000"/>
                   </a:schemeClr>
                 </a:solidFill>
-                <a:effectLst>
-                  <a:outerShdw blurRad="38100" dist="38100" dir="2700000" algn="tl">
-                    <a:srgbClr val="000000">
-                      <a:alpha val="43137"/>
-                    </a:srgbClr>
-                  </a:outerShdw>
-                </a:effectLst>
                 <a:uLnTx/>
                 <a:uFillTx/>
                 <a:latin typeface="Verdana"/>
@@ -8650,13 +8209,6 @@
                     <a:lumMod val="25000"/>
                   </a:schemeClr>
                 </a:solidFill>
-                <a:effectLst>
-                  <a:outerShdw blurRad="38100" dist="38100" dir="2700000" algn="tl">
-                    <a:srgbClr val="000000">
-                      <a:alpha val="43137"/>
-                    </a:srgbClr>
-                  </a:outerShdw>
-                </a:effectLst>
                 <a:uLnTx/>
                 <a:uFillTx/>
                 <a:latin typeface="Verdana"/>
@@ -8695,13 +8247,6 @@
                     <a:lumMod val="25000"/>
                   </a:schemeClr>
                 </a:solidFill>
-                <a:effectLst>
-                  <a:outerShdw blurRad="38100" dist="38100" dir="2700000" algn="tl">
-                    <a:srgbClr val="000000">
-                      <a:alpha val="43137"/>
-                    </a:srgbClr>
-                  </a:outerShdw>
-                </a:effectLst>
                 <a:uLnTx/>
                 <a:uFillTx/>
                 <a:latin typeface="Verdana"/>
@@ -8740,13 +8285,6 @@
                     <a:lumMod val="25000"/>
                   </a:schemeClr>
                 </a:solidFill>
-                <a:effectLst>
-                  <a:outerShdw blurRad="38100" dist="38100" dir="2700000" algn="tl">
-                    <a:srgbClr val="000000">
-                      <a:alpha val="43137"/>
-                    </a:srgbClr>
-                  </a:outerShdw>
-                </a:effectLst>
                 <a:uLnTx/>
                 <a:uFillTx/>
                 <a:latin typeface="Verdana"/>
@@ -8785,13 +8323,6 @@
                     <a:lumMod val="25000"/>
                   </a:schemeClr>
                 </a:solidFill>
-                <a:effectLst>
-                  <a:outerShdw blurRad="38100" dist="38100" dir="2700000" algn="tl">
-                    <a:srgbClr val="000000">
-                      <a:alpha val="43137"/>
-                    </a:srgbClr>
-                  </a:outerShdw>
-                </a:effectLst>
                 <a:uLnTx/>
                 <a:uFillTx/>
                 <a:latin typeface="Verdana"/>
@@ -8823,11 +8354,17 @@
           <a:lstStyle/>
           <a:p>
             <a:fld id="{AB20E804-BAAB-4C7D-990A-A7C313B07412}" type="slidenum">
-              <a:rPr lang="en-US" smtClean="0"/>
+              <a:rPr lang="en-US" sz="1050" smtClean="0">
+                <a:latin typeface="Roboto" panose="02000000000000000000" pitchFamily="2" charset="0"/>
+                <a:ea typeface="Roboto" panose="02000000000000000000" pitchFamily="2" charset="0"/>
+              </a:rPr>
               <a:pPr/>
               <a:t>2</a:t>
             </a:fld>
-            <a:endParaRPr lang="en-US" dirty="0"/>
+            <a:endParaRPr lang="en-US" dirty="0">
+              <a:latin typeface="Roboto" panose="02000000000000000000" pitchFamily="2" charset="0"/>
+              <a:ea typeface="Roboto" panose="02000000000000000000" pitchFamily="2" charset="0"/>
+            </a:endParaRPr>
           </a:p>
         </p:txBody>
       </p:sp>
@@ -8958,7 +8495,7 @@
               <a:defRPr/>
             </a:pPr>
             <a:r>
-              <a:rPr kumimoji="0" lang="en-GB" altLang="en-US" sz="2400" b="0" i="0" u="none" strike="noStrike" kern="1200" cap="none" spc="0" normalizeH="0" baseline="0" noProof="0" dirty="0">
+              <a:rPr kumimoji="0" lang="en-GB" altLang="en-US" sz="2000" b="0" i="0" u="none" strike="noStrike" kern="1200" cap="none" spc="0" normalizeH="0" baseline="0" noProof="0" dirty="0">
                 <a:ln>
                   <a:noFill/>
                 </a:ln>
@@ -8967,13 +8504,6 @@
                     <a:lumMod val="25000"/>
                   </a:schemeClr>
                 </a:solidFill>
-                <a:effectLst>
-                  <a:outerShdw blurRad="38100" dist="38100" dir="2700000" algn="tl">
-                    <a:srgbClr val="000000">
-                      <a:alpha val="43137"/>
-                    </a:srgbClr>
-                  </a:outerShdw>
-                </a:effectLst>
                 <a:uLnTx/>
                 <a:uFillTx/>
                 <a:latin typeface="Verdana" panose="020B0604030504040204" pitchFamily="34" charset="0"/>
@@ -9033,13 +8563,6 @@
                     <a:lumMod val="25000"/>
                   </a:schemeClr>
                 </a:solidFill>
-                <a:effectLst>
-                  <a:outerShdw blurRad="38100" dist="38100" dir="2700000" algn="tl">
-                    <a:srgbClr val="000000">
-                      <a:alpha val="43137"/>
-                    </a:srgbClr>
-                  </a:outerShdw>
-                </a:effectLst>
                 <a:uLnTx/>
                 <a:uFillTx/>
                 <a:latin typeface="Verdana" panose="020B0604030504040204" pitchFamily="34" charset="0"/>
@@ -9054,13 +8577,6 @@
                   <a:lumMod val="25000"/>
                 </a:schemeClr>
               </a:solidFill>
-              <a:effectLst>
-                <a:outerShdw blurRad="38100" dist="38100" dir="2700000" algn="tl">
-                  <a:srgbClr val="000000">
-                    <a:alpha val="43137"/>
-                  </a:srgbClr>
-                </a:outerShdw>
-              </a:effectLst>
               <a:latin typeface="Verdana" panose="020B0604030504040204" pitchFamily="34" charset="0"/>
               <a:ea typeface="Verdana" panose="020B0604030504040204" pitchFamily="34" charset="0"/>
               <a:cs typeface="Verdana" panose="020B0604030504040204" pitchFamily="34" charset="0"/>
@@ -9116,13 +8632,6 @@
                     <a:lumMod val="25000"/>
                   </a:schemeClr>
                 </a:solidFill>
-                <a:effectLst>
-                  <a:outerShdw blurRad="38100" dist="38100" dir="2700000" algn="tl">
-                    <a:srgbClr val="000000">
-                      <a:alpha val="43137"/>
-                    </a:srgbClr>
-                  </a:outerShdw>
-                </a:effectLst>
                 <a:latin typeface="Verdana" panose="020B0604030504040204" pitchFamily="34" charset="0"/>
                 <a:ea typeface="Verdana" panose="020B0604030504040204" pitchFamily="34" charset="0"/>
                 <a:cs typeface="Verdana" panose="020B0604030504040204" pitchFamily="34" charset="0"/>
@@ -9139,13 +8648,6 @@
                     <a:lumMod val="25000"/>
                   </a:schemeClr>
                 </a:solidFill>
-                <a:effectLst>
-                  <a:outerShdw blurRad="38100" dist="38100" dir="2700000" algn="tl">
-                    <a:srgbClr val="000000">
-                      <a:alpha val="43137"/>
-                    </a:srgbClr>
-                  </a:outerShdw>
-                </a:effectLst>
                 <a:uLnTx/>
                 <a:uFillTx/>
                 <a:latin typeface="Verdana" panose="020B0604030504040204" pitchFamily="34" charset="0"/>
@@ -9164,13 +8666,6 @@
                     <a:lumMod val="25000"/>
                   </a:schemeClr>
                 </a:solidFill>
-                <a:effectLst>
-                  <a:outerShdw blurRad="38100" dist="38100" dir="2700000" algn="tl">
-                    <a:srgbClr val="000000">
-                      <a:alpha val="43137"/>
-                    </a:srgbClr>
-                  </a:outerShdw>
-                </a:effectLst>
                 <a:uLnTx/>
                 <a:uFillTx/>
                 <a:latin typeface="Verdana" panose="020B0604030504040204" pitchFamily="34" charset="0"/>
@@ -9185,13 +8680,6 @@
                   <a:lumMod val="25000"/>
                 </a:schemeClr>
               </a:solidFill>
-              <a:effectLst>
-                <a:outerShdw blurRad="38100" dist="38100" dir="2700000" algn="tl">
-                  <a:srgbClr val="000000">
-                    <a:alpha val="43137"/>
-                  </a:srgbClr>
-                </a:outerShdw>
-              </a:effectLst>
               <a:latin typeface="Verdana" panose="020B0604030504040204" pitchFamily="34" charset="0"/>
               <a:ea typeface="Verdana" panose="020B0604030504040204" pitchFamily="34" charset="0"/>
               <a:cs typeface="Verdana" panose="020B0604030504040204" pitchFamily="34" charset="0"/>
@@ -9202,23 +8690,19 @@
               <a:lnSpc>
                 <a:spcPts val="3600"/>
               </a:lnSpc>
+              <a:spcBef>
+                <a:spcPts val="2400"/>
+              </a:spcBef>
               <a:spcAft>
                 <a:spcPts val="0"/>
               </a:spcAft>
               <a:buNone/>
             </a:pPr>
             <a:r>
-              <a:rPr lang="en-US" sz="2400" b="0" i="0" u="none" strike="noStrike" baseline="0" dirty="0">
+              <a:rPr lang="en-US" sz="2000" b="0" i="0" u="none" strike="noStrike" baseline="0" dirty="0">
                 <a:solidFill>
                   <a:srgbClr val="222222"/>
                 </a:solidFill>
-                <a:effectLst>
-                  <a:outerShdw blurRad="38100" dist="38100" dir="2700000" algn="tl">
-                    <a:srgbClr val="000000">
-                      <a:alpha val="43137"/>
-                    </a:srgbClr>
-                  </a:outerShdw>
-                </a:effectLst>
                 <a:latin typeface="Verdana" panose="020B0604030504040204" pitchFamily="34" charset="0"/>
                 <a:ea typeface="Verdana" panose="020B0604030504040204" pitchFamily="34" charset="0"/>
                 <a:cs typeface="Verdana" panose="020B0604030504040204" pitchFamily="34" charset="0"/>
@@ -9226,19 +8710,12 @@
               <a:t>Natural Language Processing requires flexibility, which generally comes from </a:t>
             </a:r>
             <a:r>
-              <a:rPr lang="en-US" sz="2400" b="0" i="0" u="none" strike="noStrike" baseline="0" dirty="0">
+              <a:rPr lang="en-US" sz="2000" b="0" i="0" u="none" strike="noStrike" baseline="0" dirty="0">
                 <a:solidFill>
                   <a:schemeClr val="bg2">
                     <a:lumMod val="25000"/>
                   </a:schemeClr>
                 </a:solidFill>
-                <a:effectLst>
-                  <a:outerShdw blurRad="38100" dist="38100" dir="2700000" algn="tl">
-                    <a:srgbClr val="000000">
-                      <a:alpha val="43137"/>
-                    </a:srgbClr>
-                  </a:outerShdw>
-                </a:effectLst>
                 <a:latin typeface="Verdana" panose="020B0604030504040204" pitchFamily="34" charset="0"/>
                 <a:ea typeface="Verdana" panose="020B0604030504040204" pitchFamily="34" charset="0"/>
                 <a:cs typeface="Verdana" panose="020B0604030504040204" pitchFamily="34" charset="0"/>
@@ -9246,36 +8723,22 @@
               <a:t>machine learning</a:t>
             </a:r>
             <a:r>
-              <a:rPr lang="en-US" sz="2400" b="0" i="0" u="none" strike="noStrike" baseline="0" dirty="0">
+              <a:rPr lang="en-US" sz="2000" b="0" i="0" u="none" strike="noStrike" baseline="0" dirty="0">
                 <a:solidFill>
                   <a:srgbClr val="222222"/>
                 </a:solidFill>
-                <a:effectLst>
-                  <a:outerShdw blurRad="38100" dist="38100" dir="2700000" algn="tl">
-                    <a:srgbClr val="000000">
-                      <a:alpha val="43137"/>
-                    </a:srgbClr>
-                  </a:outerShdw>
-                </a:effectLst>
                 <a:latin typeface="Verdana" panose="020B0604030504040204" pitchFamily="34" charset="0"/>
                 <a:ea typeface="Verdana" panose="020B0604030504040204" pitchFamily="34" charset="0"/>
                 <a:cs typeface="Verdana" panose="020B0604030504040204" pitchFamily="34" charset="0"/>
               </a:rPr>
               <a:t>.</a:t>
             </a:r>
-            <a:endParaRPr lang="en-US" sz="2400" dirty="0">
+            <a:endParaRPr lang="en-US" sz="2000" dirty="0">
               <a:solidFill>
                 <a:schemeClr val="bg2">
                   <a:lumMod val="10000"/>
                 </a:schemeClr>
               </a:solidFill>
-              <a:effectLst>
-                <a:outerShdw blurRad="38100" dist="38100" dir="2700000" algn="tl">
-                  <a:srgbClr val="000000">
-                    <a:alpha val="43137"/>
-                  </a:srgbClr>
-                </a:outerShdw>
-              </a:effectLst>
               <a:latin typeface="Verdana" panose="020B0604030504040204" pitchFamily="34" charset="0"/>
               <a:ea typeface="Verdana" panose="020B0604030504040204" pitchFamily="34" charset="0"/>
               <a:cs typeface="Verdana" panose="020B0604030504040204" pitchFamily="34" charset="0"/>
@@ -9305,7 +8768,7 @@
           <a:lstStyle/>
           <a:p>
             <a:fld id="{AB20E804-BAAB-4C7D-990A-A7C313B07412}" type="slidenum">
-              <a:rPr lang="en-US" smtClean="0"/>
+              <a:rPr lang="en-US" sz="1050" smtClean="0"/>
               <a:pPr/>
               <a:t>3</a:t>
             </a:fld>
@@ -9474,13 +8937,6 @@
                     <a:lumMod val="25000"/>
                   </a:schemeClr>
                 </a:solidFill>
-                <a:effectLst>
-                  <a:outerShdw blurRad="38100" dist="38100" dir="2700000" algn="tl">
-                    <a:srgbClr val="000000">
-                      <a:alpha val="43137"/>
-                    </a:srgbClr>
-                  </a:outerShdw>
-                </a:effectLst>
                 <a:latin typeface="Verdana" panose="020B0604030504040204" pitchFamily="34" charset="0"/>
                 <a:ea typeface="Verdana" panose="020B0604030504040204" pitchFamily="34" charset="0"/>
                 <a:cs typeface="Verdana" panose="020B0604030504040204" pitchFamily="34" charset="0"/>
@@ -9515,13 +8971,6 @@
                     <a:lumMod val="25000"/>
                   </a:schemeClr>
                 </a:solidFill>
-                <a:effectLst>
-                  <a:outerShdw blurRad="38100" dist="38100" dir="2700000" algn="tl">
-                    <a:srgbClr val="000000">
-                      <a:alpha val="43137"/>
-                    </a:srgbClr>
-                  </a:outerShdw>
-                </a:effectLst>
                 <a:latin typeface="Verdana" panose="020B0604030504040204" pitchFamily="34" charset="0"/>
                 <a:ea typeface="Verdana" panose="020B0604030504040204" pitchFamily="34" charset="0"/>
                 <a:cs typeface="Verdana" panose="020B0604030504040204" pitchFamily="34" charset="0"/>
@@ -9556,13 +9005,6 @@
                     <a:lumMod val="25000"/>
                   </a:schemeClr>
                 </a:solidFill>
-                <a:effectLst>
-                  <a:outerShdw blurRad="38100" dist="38100" dir="2700000" algn="tl">
-                    <a:srgbClr val="000000">
-                      <a:alpha val="43137"/>
-                    </a:srgbClr>
-                  </a:outerShdw>
-                </a:effectLst>
                 <a:latin typeface="Verdana" panose="020B0604030504040204" pitchFamily="34" charset="0"/>
                 <a:ea typeface="Verdana" panose="020B0604030504040204" pitchFamily="34" charset="0"/>
                 <a:cs typeface="Verdana" panose="020B0604030504040204" pitchFamily="34" charset="0"/>
@@ -9597,13 +9039,6 @@
                     <a:lumMod val="25000"/>
                   </a:schemeClr>
                 </a:solidFill>
-                <a:effectLst>
-                  <a:outerShdw blurRad="38100" dist="38100" dir="2700000" algn="tl">
-                    <a:srgbClr val="000000">
-                      <a:alpha val="43137"/>
-                    </a:srgbClr>
-                  </a:outerShdw>
-                </a:effectLst>
                 <a:latin typeface="Verdana" panose="020B0604030504040204" pitchFamily="34" charset="0"/>
                 <a:ea typeface="Verdana" panose="020B0604030504040204" pitchFamily="34" charset="0"/>
                 <a:cs typeface="Verdana" panose="020B0604030504040204" pitchFamily="34" charset="0"/>
@@ -9617,13 +9052,6 @@
                     <a:lumMod val="25000"/>
                   </a:schemeClr>
                 </a:solidFill>
-                <a:effectLst>
-                  <a:outerShdw blurRad="38100" dist="38100" dir="2700000" algn="tl">
-                    <a:srgbClr val="000000">
-                      <a:alpha val="43137"/>
-                    </a:srgbClr>
-                  </a:outerShdw>
-                </a:effectLst>
                 <a:latin typeface="Verdana" panose="020B0604030504040204" pitchFamily="34" charset="0"/>
                 <a:ea typeface="Verdana" panose="020B0604030504040204" pitchFamily="34" charset="0"/>
                 <a:cs typeface="Verdana" panose="020B0604030504040204" pitchFamily="34" charset="0"/>
@@ -9658,18 +9086,11 @@
                     <a:lumMod val="25000"/>
                   </a:schemeClr>
                 </a:solidFill>
-                <a:effectLst>
-                  <a:outerShdw blurRad="38100" dist="38100" dir="2700000" algn="tl">
-                    <a:srgbClr val="000000">
-                      <a:alpha val="43137"/>
-                    </a:srgbClr>
-                  </a:outerShdw>
-                </a:effectLst>
-                <a:latin typeface="Verdana" panose="020B0604030504040204" pitchFamily="34" charset="0"/>
-                <a:ea typeface="Verdana" panose="020B0604030504040204" pitchFamily="34" charset="0"/>
-                <a:cs typeface="Verdana" panose="020B0604030504040204" pitchFamily="34" charset="0"/>
-              </a:rPr>
-              <a:t>Generally application-specific (math etc.)</a:t>
+                <a:latin typeface="Verdana" panose="020B0604030504040204" pitchFamily="34" charset="0"/>
+                <a:ea typeface="Verdana" panose="020B0604030504040204" pitchFamily="34" charset="0"/>
+                <a:cs typeface="Verdana" panose="020B0604030504040204" pitchFamily="34" charset="0"/>
+              </a:rPr>
+              <a:t>Generally app-specific (math etc.)</a:t>
             </a:r>
           </a:p>
         </p:txBody>
@@ -9766,13 +9187,6 @@
                     <a:lumMod val="25000"/>
                   </a:schemeClr>
                 </a:solidFill>
-                <a:effectLst>
-                  <a:outerShdw blurRad="38100" dist="38100" dir="2700000" algn="tl">
-                    <a:srgbClr val="000000">
-                      <a:alpha val="43137"/>
-                    </a:srgbClr>
-                  </a:outerShdw>
-                </a:effectLst>
                 <a:latin typeface="Verdana" panose="020B0604030504040204" pitchFamily="34" charset="0"/>
                 <a:ea typeface="Verdana" panose="020B0604030504040204" pitchFamily="34" charset="0"/>
                 <a:cs typeface="Verdana" panose="020B0604030504040204" pitchFamily="34" charset="0"/>
@@ -9807,13 +9221,6 @@
                     <a:lumMod val="25000"/>
                   </a:schemeClr>
                 </a:solidFill>
-                <a:effectLst>
-                  <a:outerShdw blurRad="38100" dist="38100" dir="2700000" algn="tl">
-                    <a:srgbClr val="000000">
-                      <a:alpha val="43137"/>
-                    </a:srgbClr>
-                  </a:outerShdw>
-                </a:effectLst>
                 <a:latin typeface="Verdana" panose="020B0604030504040204" pitchFamily="34" charset="0"/>
                 <a:ea typeface="Verdana" panose="020B0604030504040204" pitchFamily="34" charset="0"/>
                 <a:cs typeface="Verdana" panose="020B0604030504040204" pitchFamily="34" charset="0"/>
@@ -9827,13 +9234,6 @@
                     <a:lumMod val="25000"/>
                   </a:schemeClr>
                 </a:solidFill>
-                <a:effectLst>
-                  <a:outerShdw blurRad="38100" dist="38100" dir="2700000" algn="tl">
-                    <a:srgbClr val="000000">
-                      <a:alpha val="43137"/>
-                    </a:srgbClr>
-                  </a:outerShdw>
-                </a:effectLst>
                 <a:latin typeface="Verdana" panose="020B0604030504040204" pitchFamily="34" charset="0"/>
                 <a:ea typeface="Verdana" panose="020B0604030504040204" pitchFamily="34" charset="0"/>
                 <a:cs typeface="Verdana" panose="020B0604030504040204" pitchFamily="34" charset="0"/>
@@ -9868,13 +9268,6 @@
                     <a:lumMod val="25000"/>
                   </a:schemeClr>
                 </a:solidFill>
-                <a:effectLst>
-                  <a:outerShdw blurRad="38100" dist="38100" dir="2700000" algn="tl">
-                    <a:srgbClr val="000000">
-                      <a:alpha val="43137"/>
-                    </a:srgbClr>
-                  </a:outerShdw>
-                </a:effectLst>
                 <a:latin typeface="Verdana" panose="020B0604030504040204" pitchFamily="34" charset="0"/>
                 <a:ea typeface="Verdana" panose="020B0604030504040204" pitchFamily="34" charset="0"/>
                 <a:cs typeface="Verdana" panose="020B0604030504040204" pitchFamily="34" charset="0"/>
@@ -9909,13 +9302,6 @@
                     <a:lumMod val="25000"/>
                   </a:schemeClr>
                 </a:solidFill>
-                <a:effectLst>
-                  <a:outerShdw blurRad="38100" dist="38100" dir="2700000" algn="tl">
-                    <a:srgbClr val="000000">
-                      <a:alpha val="43137"/>
-                    </a:srgbClr>
-                  </a:outerShdw>
-                </a:effectLst>
                 <a:latin typeface="Verdana" panose="020B0604030504040204" pitchFamily="34" charset="0"/>
                 <a:ea typeface="Verdana" panose="020B0604030504040204" pitchFamily="34" charset="0"/>
                 <a:cs typeface="Verdana" panose="020B0604030504040204" pitchFamily="34" charset="0"/>
@@ -9950,13 +9336,6 @@
                     <a:lumMod val="25000"/>
                   </a:schemeClr>
                 </a:solidFill>
-                <a:effectLst>
-                  <a:outerShdw blurRad="38100" dist="38100" dir="2700000" algn="tl">
-                    <a:srgbClr val="000000">
-                      <a:alpha val="43137"/>
-                    </a:srgbClr>
-                  </a:outerShdw>
-                </a:effectLst>
                 <a:latin typeface="Verdana" panose="020B0604030504040204" pitchFamily="34" charset="0"/>
                 <a:ea typeface="Verdana" panose="020B0604030504040204" pitchFamily="34" charset="0"/>
                 <a:cs typeface="Verdana" panose="020B0604030504040204" pitchFamily="34" charset="0"/>
@@ -9987,17 +9366,19 @@
           <a:bodyPr/>
           <a:lstStyle/>
           <a:p>
-            <a:fld id="{AB20E804-BAAB-4C7D-990A-A7C313B07412}" type="slidenum">
-              <a:rPr lang="en-US" smtClean="0"/>
-              <a:pPr/>
+            <a:r>
+              <a:rPr lang="en-US" sz="1050" dirty="0">
+                <a:cs typeface="Adobe Arabic" panose="02040503050201020203" pitchFamily="18" charset="-78"/>
+              </a:rPr>
               <a:t>4</a:t>
-            </a:fld>
-            <a:endParaRPr lang="en-US" dirty="0">
+            </a:r>
+            <a:endParaRPr lang="en-US" sz="1050" dirty="0">
               <a:solidFill>
                 <a:schemeClr val="bg2">
                   <a:lumMod val="10000"/>
                 </a:schemeClr>
               </a:solidFill>
+              <a:cs typeface="Adobe Arabic" panose="02040503050201020203" pitchFamily="18" charset="-78"/>
             </a:endParaRPr>
           </a:p>
         </p:txBody>
@@ -10089,7 +9470,11 @@
           </a:bodyPr>
           <a:lstStyle/>
           <a:p>
-            <a:pPr marL="0" indent="0"/>
+            <a:pPr marL="0" indent="0">
+              <a:spcAft>
+                <a:spcPts val="600"/>
+              </a:spcAft>
+            </a:pPr>
             <a:r>
               <a:rPr kumimoji="0" lang="en-GB" sz="2800" b="1" i="0" u="none" strike="noStrike" kern="0" cap="none" spc="0" normalizeH="0" baseline="0" noProof="0" dirty="0">
                 <a:ln>
@@ -10106,9 +9491,9 @@
                 <a:ea typeface="Verdana" panose="020B0604030504040204" pitchFamily="34" charset="0"/>
                 <a:cs typeface="Verdana" panose="020B0604030504040204" pitchFamily="34" charset="0"/>
               </a:rPr>
-              <a:t>NLTK: Natural Language toolkit</a:t>
-            </a:r>
-            <a:endParaRPr lang="en-US" sz="2800" noProof="0" dirty="0">
+              <a:t>NLTK: Natural Language Toolkit</a:t>
+            </a:r>
+            <a:endParaRPr lang="en-US" sz="2800" b="1" noProof="0" dirty="0">
               <a:solidFill>
                 <a:schemeClr val="bg2">
                   <a:lumMod val="25000"/>
@@ -10119,7 +9504,7 @@
             </a:endParaRPr>
           </a:p>
           <a:p>
-            <a:pPr marL="822960" lvl="1" indent="-274320">
+            <a:pPr marL="731520" lvl="1" indent="-274320">
               <a:lnSpc>
                 <a:spcPts val="3600"/>
               </a:lnSpc>
@@ -10148,13 +9533,6 @@
                     <a:lumMod val="25000"/>
                   </a:schemeClr>
                 </a:solidFill>
-                <a:effectLst>
-                  <a:outerShdw blurRad="38100" dist="38100" dir="2700000" algn="tl">
-                    <a:srgbClr val="000000">
-                      <a:alpha val="43137"/>
-                    </a:srgbClr>
-                  </a:outerShdw>
-                </a:effectLst>
                 <a:uLnTx/>
                 <a:uFillTx/>
                 <a:latin typeface="Verdana" panose="020B0604030504040204" pitchFamily="34" charset="0"/>
@@ -10165,7 +9543,7 @@
             </a:r>
           </a:p>
           <a:p>
-            <a:pPr marL="822960" lvl="1" indent="-274320">
+            <a:pPr marL="731520" lvl="1" indent="-274320">
               <a:lnSpc>
                 <a:spcPts val="3600"/>
               </a:lnSpc>
@@ -10191,13 +9569,6 @@
                     <a:lumMod val="25000"/>
                   </a:schemeClr>
                 </a:solidFill>
-                <a:effectLst>
-                  <a:outerShdw blurRad="38100" dist="38100" dir="2700000" algn="tl">
-                    <a:srgbClr val="000000">
-                      <a:alpha val="43137"/>
-                    </a:srgbClr>
-                  </a:outerShdw>
-                </a:effectLst>
                 <a:latin typeface="Verdana" panose="020B0604030504040204" pitchFamily="34" charset="0"/>
                 <a:ea typeface="Verdana" panose="020B0604030504040204" pitchFamily="34" charset="0"/>
                 <a:cs typeface="Verdana" panose="020B0604030504040204" pitchFamily="34" charset="0"/>
@@ -10206,7 +9577,7 @@
             </a:r>
           </a:p>
           <a:p>
-            <a:pPr indent="-274320" algn="l">
+            <a:pPr marL="731520" indent="-274320" algn="l">
               <a:buClr>
                 <a:schemeClr val="bg2">
                   <a:lumMod val="25000"/>
@@ -10223,13 +9594,6 @@
                     <a:lumMod val="25000"/>
                   </a:schemeClr>
                 </a:solidFill>
-                <a:effectLst>
-                  <a:outerShdw blurRad="38100" dist="38100" dir="2700000" algn="tl">
-                    <a:srgbClr val="000000">
-                      <a:alpha val="43137"/>
-                    </a:srgbClr>
-                  </a:outerShdw>
-                </a:effectLst>
                 <a:latin typeface="Verdana" panose="020B0604030504040204" pitchFamily="34" charset="0"/>
                 <a:ea typeface="Verdana" panose="020B0604030504040204" pitchFamily="34" charset="0"/>
                 <a:cs typeface="Verdana" panose="020B0604030504040204" pitchFamily="34" charset="0"/>
@@ -10238,7 +9602,7 @@
             </a:r>
           </a:p>
           <a:p>
-            <a:pPr indent="-274320" algn="l">
+            <a:pPr marL="731520" indent="-274320" algn="l">
               <a:buClr>
                 <a:schemeClr val="bg2">
                   <a:lumMod val="25000"/>
@@ -10255,13 +9619,6 @@
                     <a:lumMod val="25000"/>
                   </a:schemeClr>
                 </a:solidFill>
-                <a:effectLst>
-                  <a:outerShdw blurRad="38100" dist="38100" dir="2700000" algn="tl">
-                    <a:srgbClr val="000000">
-                      <a:alpha val="43137"/>
-                    </a:srgbClr>
-                  </a:outerShdw>
-                </a:effectLst>
                 <a:latin typeface="Verdana" panose="020B0604030504040204" pitchFamily="34" charset="0"/>
                 <a:ea typeface="Verdana" panose="020B0604030504040204" pitchFamily="34" charset="0"/>
                 <a:cs typeface="Verdana" panose="020B0604030504040204" pitchFamily="34" charset="0"/>
@@ -10270,7 +9627,7 @@
             </a:r>
           </a:p>
           <a:p>
-            <a:pPr indent="-274320" algn="l">
+            <a:pPr marL="731520" indent="-274320" algn="l">
               <a:buClr>
                 <a:schemeClr val="bg2">
                   <a:lumMod val="25000"/>
@@ -10287,13 +9644,6 @@
                     <a:lumMod val="25000"/>
                   </a:schemeClr>
                 </a:solidFill>
-                <a:effectLst>
-                  <a:outerShdw blurRad="38100" dist="38100" dir="2700000" algn="tl">
-                    <a:srgbClr val="000000">
-                      <a:alpha val="43137"/>
-                    </a:srgbClr>
-                  </a:outerShdw>
-                </a:effectLst>
                 <a:latin typeface="Verdana" panose="020B0604030504040204" pitchFamily="34" charset="0"/>
                 <a:ea typeface="Verdana" panose="020B0604030504040204" pitchFamily="34" charset="0"/>
                 <a:cs typeface="Verdana" panose="020B0604030504040204" pitchFamily="34" charset="0"/>
@@ -10307,13 +9657,6 @@
                     <a:lumMod val="25000"/>
                   </a:schemeClr>
                 </a:solidFill>
-                <a:effectLst>
-                  <a:outerShdw blurRad="38100" dist="38100" dir="2700000" algn="tl">
-                    <a:srgbClr val="000000">
-                      <a:alpha val="43137"/>
-                    </a:srgbClr>
-                  </a:outerShdw>
-                </a:effectLst>
                 <a:latin typeface="Verdana" panose="020B0604030504040204" pitchFamily="34" charset="0"/>
                 <a:ea typeface="Verdana" panose="020B0604030504040204" pitchFamily="34" charset="0"/>
                 <a:cs typeface="Verdana" panose="020B0604030504040204" pitchFamily="34" charset="0"/>
@@ -10327,13 +9670,6 @@
                     <a:lumMod val="25000"/>
                   </a:schemeClr>
                 </a:solidFill>
-                <a:effectLst>
-                  <a:outerShdw blurRad="38100" dist="38100" dir="2700000" algn="tl">
-                    <a:srgbClr val="000000">
-                      <a:alpha val="43137"/>
-                    </a:srgbClr>
-                  </a:outerShdw>
-                </a:effectLst>
                 <a:latin typeface="Verdana" panose="020B0604030504040204" pitchFamily="34" charset="0"/>
                 <a:ea typeface="Verdana" panose="020B0604030504040204" pitchFamily="34" charset="0"/>
                 <a:cs typeface="Verdana" panose="020B0604030504040204" pitchFamily="34" charset="0"/>
@@ -10347,13 +9683,6 @@
                     <a:lumMod val="25000"/>
                   </a:schemeClr>
                 </a:solidFill>
-                <a:effectLst>
-                  <a:outerShdw blurRad="38100" dist="38100" dir="2700000" algn="tl">
-                    <a:srgbClr val="000000">
-                      <a:alpha val="43137"/>
-                    </a:srgbClr>
-                  </a:outerShdw>
-                </a:effectLst>
                 <a:latin typeface="Verdana" panose="020B0604030504040204" pitchFamily="34" charset="0"/>
                 <a:ea typeface="Verdana" panose="020B0604030504040204" pitchFamily="34" charset="0"/>
                 <a:cs typeface="Verdana" panose="020B0604030504040204" pitchFamily="34" charset="0"/>
@@ -10362,7 +9691,7 @@
             </a:r>
           </a:p>
           <a:p>
-            <a:pPr indent="-274320" algn="l">
+            <a:pPr marL="731520" indent="-274320" algn="l">
               <a:spcAft>
                 <a:spcPts val="0"/>
               </a:spcAft>
@@ -10382,13 +9711,6 @@
                     <a:lumMod val="25000"/>
                   </a:schemeClr>
                 </a:solidFill>
-                <a:effectLst>
-                  <a:outerShdw blurRad="38100" dist="38100" dir="2700000" algn="tl">
-                    <a:srgbClr val="000000">
-                      <a:alpha val="43137"/>
-                    </a:srgbClr>
-                  </a:outerShdw>
-                </a:effectLst>
                 <a:latin typeface="Verdana" panose="020B0604030504040204" pitchFamily="34" charset="0"/>
                 <a:ea typeface="Verdana" panose="020B0604030504040204" pitchFamily="34" charset="0"/>
                 <a:cs typeface="Verdana" panose="020B0604030504040204" pitchFamily="34" charset="0"/>
@@ -10397,7 +9719,7 @@
             </a:r>
           </a:p>
           <a:p>
-            <a:pPr indent="-274320" algn="l">
+            <a:pPr marL="731520" indent="-274320" algn="l">
               <a:lnSpc>
                 <a:spcPts val="2800"/>
               </a:lnSpc>
@@ -10420,33 +9742,52 @@
                     <a:lumMod val="25000"/>
                   </a:schemeClr>
                 </a:solidFill>
-                <a:effectLst>
-                  <a:outerShdw blurRad="38100" dist="38100" dir="2700000" algn="tl">
-                    <a:srgbClr val="000000">
-                      <a:alpha val="43137"/>
-                    </a:srgbClr>
-                  </a:outerShdw>
-                </a:effectLst>
-                <a:latin typeface="Verdana" panose="020B0604030504040204" pitchFamily="34" charset="0"/>
-                <a:ea typeface="Verdana" panose="020B0604030504040204" pitchFamily="34" charset="0"/>
-                <a:cs typeface="Verdana" panose="020B0604030504040204" pitchFamily="34" charset="0"/>
-              </a:rPr>
-              <a:t>Does not work well with Persian. other libraries like </a:t>
-            </a:r>
-            <a:r>
-              <a:rPr lang="en-US" sz="2000" b="0" i="1" u="none" strike="noStrike" baseline="0" dirty="0" err="1">
+                <a:latin typeface="Verdana" panose="020B0604030504040204" pitchFamily="34" charset="0"/>
+                <a:ea typeface="Verdana" panose="020B0604030504040204" pitchFamily="34" charset="0"/>
+                <a:cs typeface="Verdana" panose="020B0604030504040204" pitchFamily="34" charset="0"/>
+              </a:rPr>
+              <a:t>Does not work well with Persian</a:t>
+            </a:r>
+          </a:p>
+          <a:p>
+            <a:pPr marL="731520" lvl="1" indent="0">
+              <a:lnSpc>
+                <a:spcPts val="2800"/>
+              </a:lnSpc>
+              <a:spcBef>
+                <a:spcPts val="0"/>
+              </a:spcBef>
+              <a:spcAft>
+                <a:spcPts val="0"/>
+              </a:spcAft>
+              <a:buClr>
+                <a:schemeClr val="bg2">
+                  <a:lumMod val="25000"/>
+                </a:schemeClr>
+              </a:buClr>
+              <a:buSzPct val="80000"/>
+              <a:buNone/>
+            </a:pPr>
+            <a:r>
+              <a:rPr lang="en-US" sz="1800" b="0" i="0" u="none" strike="noStrike" baseline="0" dirty="0">
                 <a:solidFill>
                   <a:schemeClr val="tx2">
                     <a:lumMod val="25000"/>
                   </a:schemeClr>
                 </a:solidFill>
-                <a:effectLst>
-                  <a:outerShdw blurRad="38100" dist="38100" dir="2700000" algn="tl">
-                    <a:srgbClr val="000000">
-                      <a:alpha val="43137"/>
-                    </a:srgbClr>
-                  </a:outerShdw>
-                </a:effectLst>
+                <a:latin typeface="Verdana" panose="020B0604030504040204" pitchFamily="34" charset="0"/>
+                <a:ea typeface="Verdana" panose="020B0604030504040204" pitchFamily="34" charset="0"/>
+                <a:cs typeface="Verdana" panose="020B0604030504040204" pitchFamily="34" charset="0"/>
+              </a:rPr>
+              <a:t>Other libraries like </a:t>
+            </a:r>
+            <a:r>
+              <a:rPr lang="en-US" sz="1800" b="0" i="1" u="none" strike="noStrike" baseline="0" dirty="0" err="1">
+                <a:solidFill>
+                  <a:schemeClr val="tx2">
+                    <a:lumMod val="25000"/>
+                  </a:schemeClr>
+                </a:solidFill>
                 <a:latin typeface="Verdana" panose="020B0604030504040204" pitchFamily="34" charset="0"/>
                 <a:ea typeface="Verdana" panose="020B0604030504040204" pitchFamily="34" charset="0"/>
                 <a:cs typeface="Verdana" panose="020B0604030504040204" pitchFamily="34" charset="0"/>
@@ -10454,19 +9795,12 @@
               <a:t>spaCy</a:t>
             </a:r>
             <a:r>
-              <a:rPr lang="en-US" sz="2000" b="1" i="0" u="none" strike="noStrike" dirty="0">
+              <a:rPr lang="en-US" sz="1800" b="1" i="0" u="none" strike="noStrike" dirty="0">
                 <a:solidFill>
                   <a:schemeClr val="tx2">
                     <a:lumMod val="25000"/>
                   </a:schemeClr>
                 </a:solidFill>
-                <a:effectLst>
-                  <a:outerShdw blurRad="38100" dist="38100" dir="2700000" algn="tl">
-                    <a:srgbClr val="000000">
-                      <a:alpha val="43137"/>
-                    </a:srgbClr>
-                  </a:outerShdw>
-                </a:effectLst>
                 <a:latin typeface="Verdana" panose="020B0604030504040204" pitchFamily="34" charset="0"/>
                 <a:ea typeface="Verdana" panose="020B0604030504040204" pitchFamily="34" charset="0"/>
                 <a:cs typeface="Verdana" panose="020B0604030504040204" pitchFamily="34" charset="0"/>
@@ -10474,19 +9808,12 @@
               <a:t> </a:t>
             </a:r>
             <a:r>
-              <a:rPr lang="en-US" sz="2000" dirty="0">
+              <a:rPr lang="en-US" sz="1800" dirty="0">
                 <a:solidFill>
                   <a:schemeClr val="tx2">
                     <a:lumMod val="25000"/>
                   </a:schemeClr>
                 </a:solidFill>
-                <a:effectLst>
-                  <a:outerShdw blurRad="38100" dist="38100" dir="2700000" algn="tl">
-                    <a:srgbClr val="000000">
-                      <a:alpha val="43137"/>
-                    </a:srgbClr>
-                  </a:outerShdw>
-                </a:effectLst>
                 <a:latin typeface="Verdana" panose="020B0604030504040204" pitchFamily="34" charset="0"/>
                 <a:ea typeface="Verdana" panose="020B0604030504040204" pitchFamily="34" charset="0"/>
                 <a:cs typeface="Verdana" panose="020B0604030504040204" pitchFamily="34" charset="0"/>
@@ -10494,19 +9821,12 @@
               <a:t>and</a:t>
             </a:r>
             <a:r>
-              <a:rPr lang="en-US" sz="2000" b="1" i="0" u="none" strike="noStrike" dirty="0">
+              <a:rPr lang="en-US" sz="1800" b="1" i="0" u="none" strike="noStrike" dirty="0">
                 <a:solidFill>
                   <a:schemeClr val="tx2">
                     <a:lumMod val="25000"/>
                   </a:schemeClr>
                 </a:solidFill>
-                <a:effectLst>
-                  <a:outerShdw blurRad="38100" dist="38100" dir="2700000" algn="tl">
-                    <a:srgbClr val="000000">
-                      <a:alpha val="43137"/>
-                    </a:srgbClr>
-                  </a:outerShdw>
-                </a:effectLst>
                 <a:latin typeface="Verdana" panose="020B0604030504040204" pitchFamily="34" charset="0"/>
                 <a:ea typeface="Verdana" panose="020B0604030504040204" pitchFamily="34" charset="0"/>
                 <a:cs typeface="Verdana" panose="020B0604030504040204" pitchFamily="34" charset="0"/>
@@ -10514,19 +9834,12 @@
               <a:t> </a:t>
             </a:r>
             <a:r>
-              <a:rPr lang="en-US" sz="2000" b="0" i="1" u="none" strike="noStrike" baseline="0" dirty="0" err="1">
+              <a:rPr lang="en-US" sz="1800" b="0" i="1" u="none" strike="noStrike" baseline="0" dirty="0" err="1">
                 <a:solidFill>
                   <a:schemeClr val="tx2">
                     <a:lumMod val="25000"/>
                   </a:schemeClr>
                 </a:solidFill>
-                <a:effectLst>
-                  <a:outerShdw blurRad="38100" dist="38100" dir="2700000" algn="tl">
-                    <a:srgbClr val="000000">
-                      <a:alpha val="43137"/>
-                    </a:srgbClr>
-                  </a:outerShdw>
-                </a:effectLst>
                 <a:latin typeface="Verdana" panose="020B0604030504040204" pitchFamily="34" charset="0"/>
                 <a:ea typeface="Verdana" panose="020B0604030504040204" pitchFamily="34" charset="0"/>
                 <a:cs typeface="Verdana" panose="020B0604030504040204" pitchFamily="34" charset="0"/>
@@ -10534,24 +9847,17 @@
               <a:t>Hazm</a:t>
             </a:r>
             <a:r>
-              <a:rPr lang="en-US" sz="2000" b="0" i="0" u="none" strike="noStrike" baseline="0" dirty="0">
+              <a:rPr lang="en-US" sz="1800" b="0" i="0" u="none" strike="noStrike" baseline="0" dirty="0">
                 <a:solidFill>
                   <a:schemeClr val="tx2">
                     <a:lumMod val="25000"/>
                   </a:schemeClr>
                 </a:solidFill>
-                <a:effectLst>
-                  <a:outerShdw blurRad="38100" dist="38100" dir="2700000" algn="tl">
-                    <a:srgbClr val="000000">
-                      <a:alpha val="43137"/>
-                    </a:srgbClr>
-                  </a:outerShdw>
-                </a:effectLst>
-                <a:latin typeface="Verdana" panose="020B0604030504040204" pitchFamily="34" charset="0"/>
-                <a:ea typeface="Verdana" panose="020B0604030504040204" pitchFamily="34" charset="0"/>
-                <a:cs typeface="Verdana" panose="020B0604030504040204" pitchFamily="34" charset="0"/>
-              </a:rPr>
-              <a:t> can be used instead.</a:t>
+                <a:latin typeface="Verdana" panose="020B0604030504040204" pitchFamily="34" charset="0"/>
+                <a:ea typeface="Verdana" panose="020B0604030504040204" pitchFamily="34" charset="0"/>
+                <a:cs typeface="Verdana" panose="020B0604030504040204" pitchFamily="34" charset="0"/>
+              </a:rPr>
+              <a:t> can be used instead</a:t>
             </a:r>
           </a:p>
         </p:txBody>
@@ -10578,11 +9884,11 @@
           <a:lstStyle/>
           <a:p>
             <a:fld id="{AB20E804-BAAB-4C7D-990A-A7C313B07412}" type="slidenum">
-              <a:rPr lang="en-US" smtClean="0"/>
+              <a:rPr lang="en-US" sz="1050" smtClean="0"/>
               <a:pPr/>
               <a:t>5</a:t>
             </a:fld>
-            <a:endParaRPr lang="en-US" dirty="0"/>
+            <a:endParaRPr lang="en-US" sz="1050" dirty="0"/>
           </a:p>
         </p:txBody>
       </p:sp>
@@ -10765,13 +10071,6 @@
                     <a:lumMod val="25000"/>
                   </a:schemeClr>
                 </a:solidFill>
-                <a:effectLst>
-                  <a:outerShdw blurRad="38100" dist="38100" dir="2700000" algn="tl">
-                    <a:srgbClr val="000000">
-                      <a:alpha val="43137"/>
-                    </a:srgbClr>
-                  </a:outerShdw>
-                </a:effectLst>
                 <a:uLnTx/>
                 <a:uFillTx/>
                 <a:latin typeface="Verdana" panose="020B0604030504040204" pitchFamily="34" charset="0"/>
@@ -10813,13 +10112,6 @@
                     <a:lumMod val="25000"/>
                   </a:schemeClr>
                 </a:solidFill>
-                <a:effectLst>
-                  <a:outerShdw blurRad="38100" dist="38100" dir="2700000" algn="tl">
-                    <a:srgbClr val="000000">
-                      <a:alpha val="43137"/>
-                    </a:srgbClr>
-                  </a:outerShdw>
-                </a:effectLst>
                 <a:uLnTx/>
                 <a:uFillTx/>
                 <a:latin typeface="Verdana" panose="020B0604030504040204" pitchFamily="34" charset="0"/>
@@ -10861,13 +10153,6 @@
                     <a:lumMod val="25000"/>
                   </a:schemeClr>
                 </a:solidFill>
-                <a:effectLst>
-                  <a:outerShdw blurRad="38100" dist="38100" dir="2700000" algn="tl">
-                    <a:srgbClr val="000000">
-                      <a:alpha val="43137"/>
-                    </a:srgbClr>
-                  </a:outerShdw>
-                </a:effectLst>
                 <a:uLnTx/>
                 <a:uFillTx/>
                 <a:latin typeface="Verdana" panose="020B0604030504040204" pitchFamily="34" charset="0"/>
@@ -10909,13 +10194,6 @@
                     <a:lumMod val="25000"/>
                   </a:schemeClr>
                 </a:solidFill>
-                <a:effectLst>
-                  <a:outerShdw blurRad="38100" dist="38100" dir="2700000" algn="tl">
-                    <a:srgbClr val="000000">
-                      <a:alpha val="43137"/>
-                    </a:srgbClr>
-                  </a:outerShdw>
-                </a:effectLst>
                 <a:uLnTx/>
                 <a:uFillTx/>
                 <a:latin typeface="Verdana" panose="020B0604030504040204" pitchFamily="34" charset="0"/>
@@ -10957,13 +10235,6 @@
                     <a:lumMod val="25000"/>
                   </a:schemeClr>
                 </a:solidFill>
-                <a:effectLst>
-                  <a:outerShdw blurRad="38100" dist="38100" dir="2700000" algn="tl">
-                    <a:srgbClr val="000000">
-                      <a:alpha val="43137"/>
-                    </a:srgbClr>
-                  </a:outerShdw>
-                </a:effectLst>
                 <a:uLnTx/>
                 <a:uFillTx/>
                 <a:latin typeface="Verdana" panose="020B0604030504040204" pitchFamily="34" charset="0"/>
@@ -11005,13 +10276,6 @@
                     <a:lumMod val="25000"/>
                   </a:schemeClr>
                 </a:solidFill>
-                <a:effectLst>
-                  <a:outerShdw blurRad="38100" dist="38100" dir="2700000" algn="tl">
-                    <a:srgbClr val="000000">
-                      <a:alpha val="43137"/>
-                    </a:srgbClr>
-                  </a:outerShdw>
-                </a:effectLst>
                 <a:uLnTx/>
                 <a:uFillTx/>
                 <a:latin typeface="Verdana" panose="020B0604030504040204" pitchFamily="34" charset="0"/>
@@ -11127,13 +10391,6 @@
                     <a:lumMod val="25000"/>
                   </a:schemeClr>
                 </a:solidFill>
-                <a:effectLst>
-                  <a:outerShdw blurRad="38100" dist="38100" dir="2700000" algn="tl">
-                    <a:srgbClr val="000000">
-                      <a:alpha val="43137"/>
-                    </a:srgbClr>
-                  </a:outerShdw>
-                </a:effectLst>
                 <a:latin typeface="Verdana" panose="020B0604030504040204" pitchFamily="34" charset="0"/>
                 <a:ea typeface="Verdana" panose="020B0604030504040204" pitchFamily="34" charset="0"/>
                 <a:cs typeface="Verdana" panose="020B0604030504040204" pitchFamily="34" charset="0"/>
@@ -11169,13 +10426,6 @@
                     <a:lumMod val="25000"/>
                   </a:schemeClr>
                 </a:solidFill>
-                <a:effectLst>
-                  <a:outerShdw blurRad="38100" dist="38100" dir="2700000" algn="tl">
-                    <a:srgbClr val="000000">
-                      <a:alpha val="43137"/>
-                    </a:srgbClr>
-                  </a:outerShdw>
-                </a:effectLst>
                 <a:latin typeface="Verdana" panose="020B0604030504040204" pitchFamily="34" charset="0"/>
                 <a:ea typeface="Verdana" panose="020B0604030504040204" pitchFamily="34" charset="0"/>
                 <a:cs typeface="Verdana" panose="020B0604030504040204" pitchFamily="34" charset="0"/>
@@ -11211,13 +10461,6 @@
                     <a:lumMod val="25000"/>
                   </a:schemeClr>
                 </a:solidFill>
-                <a:effectLst>
-                  <a:outerShdw blurRad="38100" dist="38100" dir="2700000" algn="tl">
-                    <a:srgbClr val="000000">
-                      <a:alpha val="43137"/>
-                    </a:srgbClr>
-                  </a:outerShdw>
-                </a:effectLst>
                 <a:latin typeface="Verdana" panose="020B0604030504040204" pitchFamily="34" charset="0"/>
                 <a:ea typeface="Verdana" panose="020B0604030504040204" pitchFamily="34" charset="0"/>
                 <a:cs typeface="Verdana" panose="020B0604030504040204" pitchFamily="34" charset="0"/>
@@ -11253,13 +10496,6 @@
                     <a:lumMod val="25000"/>
                   </a:schemeClr>
                 </a:solidFill>
-                <a:effectLst>
-                  <a:outerShdw blurRad="38100" dist="38100" dir="2700000" algn="tl">
-                    <a:srgbClr val="000000">
-                      <a:alpha val="43137"/>
-                    </a:srgbClr>
-                  </a:outerShdw>
-                </a:effectLst>
                 <a:latin typeface="Verdana" panose="020B0604030504040204" pitchFamily="34" charset="0"/>
                 <a:ea typeface="Verdana" panose="020B0604030504040204" pitchFamily="34" charset="0"/>
                 <a:cs typeface="Verdana" panose="020B0604030504040204" pitchFamily="34" charset="0"/>
@@ -11294,11 +10530,11 @@
           <a:lstStyle/>
           <a:p>
             <a:fld id="{AB20E804-BAAB-4C7D-990A-A7C313B07412}" type="slidenum">
-              <a:rPr lang="en-US" smtClean="0"/>
+              <a:rPr lang="en-US" sz="1050" smtClean="0"/>
               <a:pPr/>
               <a:t>6</a:t>
             </a:fld>
-            <a:endParaRPr lang="en-US" dirty="0">
+            <a:endParaRPr lang="en-US" sz="1050" dirty="0">
               <a:solidFill>
                 <a:schemeClr val="bg2">
                   <a:lumMod val="10000"/>
@@ -11426,13 +10662,6 @@
                     <a:lumMod val="25000"/>
                   </a:schemeClr>
                 </a:solidFill>
-                <a:effectLst>
-                  <a:outerShdw blurRad="38100" dist="38100" dir="2700000" algn="tl">
-                    <a:srgbClr val="000000">
-                      <a:alpha val="43137"/>
-                    </a:srgbClr>
-                  </a:outerShdw>
-                </a:effectLst>
                 <a:uLnTx/>
                 <a:uFillTx/>
                 <a:latin typeface="Verdana" panose="020B0604030504040204" pitchFamily="34" charset="0"/>
@@ -11474,13 +10703,6 @@
                     <a:lumMod val="25000"/>
                   </a:schemeClr>
                 </a:solidFill>
-                <a:effectLst>
-                  <a:outerShdw blurRad="38100" dist="38100" dir="2700000" algn="tl">
-                    <a:srgbClr val="000000">
-                      <a:alpha val="43137"/>
-                    </a:srgbClr>
-                  </a:outerShdw>
-                </a:effectLst>
                 <a:uLnTx/>
                 <a:uFillTx/>
                 <a:latin typeface="Verdana" panose="020B0604030504040204" pitchFamily="34" charset="0"/>
@@ -11522,13 +10744,6 @@
                     <a:lumMod val="25000"/>
                   </a:schemeClr>
                 </a:solidFill>
-                <a:effectLst>
-                  <a:outerShdw blurRad="38100" dist="38100" dir="2700000" algn="tl">
-                    <a:srgbClr val="000000">
-                      <a:alpha val="43137"/>
-                    </a:srgbClr>
-                  </a:outerShdw>
-                </a:effectLst>
                 <a:uLnTx/>
                 <a:uFillTx/>
                 <a:latin typeface="Verdana" panose="020B0604030504040204" pitchFamily="34" charset="0"/>
@@ -11537,6 +10752,96 @@
               </a:rPr>
               <a:t>Tagging</a:t>
             </a:r>
+          </a:p>
+          <a:p>
+            <a:pPr marL="411480" indent="-274320">
+              <a:lnSpc>
+                <a:spcPts val="3600"/>
+              </a:lnSpc>
+              <a:spcBef>
+                <a:spcPts val="0"/>
+              </a:spcBef>
+              <a:spcAft>
+                <a:spcPts val="0"/>
+              </a:spcAft>
+              <a:buClr>
+                <a:schemeClr val="bg2">
+                  <a:lumMod val="25000"/>
+                </a:schemeClr>
+              </a:buClr>
+              <a:buSzPct val="80000"/>
+              <a:buFont typeface="Wingdings" panose="05000000000000000000" pitchFamily="2" charset="2"/>
+              <a:buChar char="l"/>
+              <a:defRPr/>
+            </a:pPr>
+            <a:r>
+              <a:rPr kumimoji="0" lang="en-US" sz="2000" b="0" i="0" u="none" strike="noStrike" kern="1200" cap="none" spc="0" normalizeH="0" baseline="0" noProof="0" dirty="0">
+                <a:ln>
+                  <a:noFill/>
+                </a:ln>
+                <a:solidFill>
+                  <a:schemeClr val="tx2">
+                    <a:lumMod val="25000"/>
+                  </a:schemeClr>
+                </a:solidFill>
+                <a:uLnTx/>
+                <a:uFillTx/>
+                <a:latin typeface="Verdana" panose="020B0604030504040204" pitchFamily="34" charset="0"/>
+                <a:ea typeface="Verdana" panose="020B0604030504040204" pitchFamily="34" charset="0"/>
+                <a:cs typeface="Verdana" panose="020B0604030504040204" pitchFamily="34" charset="0"/>
+              </a:rPr>
+              <a:t>Chunking</a:t>
+            </a:r>
+          </a:p>
+          <a:p>
+            <a:pPr marL="411480" indent="-274320">
+              <a:lnSpc>
+                <a:spcPts val="3600"/>
+              </a:lnSpc>
+              <a:spcBef>
+                <a:spcPts val="0"/>
+              </a:spcBef>
+              <a:spcAft>
+                <a:spcPts val="0"/>
+              </a:spcAft>
+              <a:buClr>
+                <a:schemeClr val="bg2">
+                  <a:lumMod val="25000"/>
+                </a:schemeClr>
+              </a:buClr>
+              <a:buSzPct val="80000"/>
+              <a:buFont typeface="Wingdings" panose="05000000000000000000" pitchFamily="2" charset="2"/>
+              <a:buChar char="l"/>
+              <a:defRPr/>
+            </a:pPr>
+            <a:r>
+              <a:rPr lang="en-US" sz="2000" dirty="0">
+                <a:solidFill>
+                  <a:schemeClr val="tx2">
+                    <a:lumMod val="25000"/>
+                  </a:schemeClr>
+                </a:solidFill>
+                <a:latin typeface="Verdana" panose="020B0604030504040204" pitchFamily="34" charset="0"/>
+                <a:ea typeface="Verdana" panose="020B0604030504040204" pitchFamily="34" charset="0"/>
+                <a:cs typeface="Verdana" panose="020B0604030504040204" pitchFamily="34" charset="0"/>
+              </a:rPr>
+              <a:t>Parsing</a:t>
+            </a:r>
+            <a:endParaRPr kumimoji="0" lang="en-US" sz="2000" b="0" i="0" u="none" strike="noStrike" kern="1200" cap="none" spc="0" normalizeH="0" baseline="0" noProof="0" dirty="0">
+              <a:ln>
+                <a:noFill/>
+              </a:ln>
+              <a:solidFill>
+                <a:schemeClr val="tx2">
+                  <a:lumMod val="25000"/>
+                </a:schemeClr>
+              </a:solidFill>
+              <a:uLnTx/>
+              <a:uFillTx/>
+              <a:latin typeface="Verdana" panose="020B0604030504040204" pitchFamily="34" charset="0"/>
+              <a:ea typeface="Verdana" panose="020B0604030504040204" pitchFamily="34" charset="0"/>
+              <a:cs typeface="Verdana" panose="020B0604030504040204" pitchFamily="34" charset="0"/>
+            </a:endParaRPr>
           </a:p>
           <a:p>
             <a:pPr marL="411480" marR="0" lvl="0" indent="-274320" algn="l" defTabSz="914400" rtl="0" eaLnBrk="1" fontAlgn="auto" latinLnBrk="0" hangingPunct="1">
@@ -11570,67 +10875,13 @@
                     <a:lumMod val="25000"/>
                   </a:schemeClr>
                 </a:solidFill>
-                <a:effectLst>
-                  <a:outerShdw blurRad="38100" dist="38100" dir="2700000" algn="tl">
-                    <a:srgbClr val="000000">
-                      <a:alpha val="43137"/>
-                    </a:srgbClr>
-                  </a:outerShdw>
-                </a:effectLst>
                 <a:uLnTx/>
                 <a:uFillTx/>
                 <a:latin typeface="Verdana" panose="020B0604030504040204" pitchFamily="34" charset="0"/>
                 <a:ea typeface="Verdana" panose="020B0604030504040204" pitchFamily="34" charset="0"/>
                 <a:cs typeface="Verdana" panose="020B0604030504040204" pitchFamily="34" charset="0"/>
               </a:rPr>
-              <a:t>Parsing</a:t>
-            </a:r>
-          </a:p>
-          <a:p>
-            <a:pPr marL="411480" indent="-274320">
-              <a:lnSpc>
-                <a:spcPts val="3600"/>
-              </a:lnSpc>
-              <a:spcBef>
-                <a:spcPts val="0"/>
-              </a:spcBef>
-              <a:spcAft>
-                <a:spcPts val="0"/>
-              </a:spcAft>
-              <a:buClr>
-                <a:schemeClr val="bg2">
-                  <a:lumMod val="25000"/>
-                </a:schemeClr>
-              </a:buClr>
-              <a:buSzPct val="80000"/>
-              <a:buFont typeface="Wingdings" panose="05000000000000000000" pitchFamily="2" charset="2"/>
-              <a:buChar char="l"/>
-              <a:defRPr/>
-            </a:pPr>
-            <a:r>
-              <a:rPr kumimoji="0" lang="en-US" sz="2000" b="0" i="0" u="none" strike="noStrike" kern="1200" cap="none" spc="0" normalizeH="0" baseline="0" noProof="0" dirty="0">
-                <a:ln>
-                  <a:noFill/>
-                </a:ln>
-                <a:solidFill>
-                  <a:schemeClr val="tx2">
-                    <a:lumMod val="25000"/>
-                  </a:schemeClr>
-                </a:solidFill>
-                <a:effectLst>
-                  <a:outerShdw blurRad="38100" dist="38100" dir="2700000" algn="tl">
-                    <a:srgbClr val="000000">
-                      <a:alpha val="43137"/>
-                    </a:srgbClr>
-                  </a:outerShdw>
-                </a:effectLst>
-                <a:uLnTx/>
-                <a:uFillTx/>
-                <a:latin typeface="Verdana" panose="020B0604030504040204" pitchFamily="34" charset="0"/>
-                <a:ea typeface="Verdana" panose="020B0604030504040204" pitchFamily="34" charset="0"/>
-                <a:cs typeface="Verdana" panose="020B0604030504040204" pitchFamily="34" charset="0"/>
-              </a:rPr>
-              <a:t>Chunking</a:t>
+              <a:t>Classification</a:t>
             </a:r>
           </a:p>
           <a:p>
@@ -11656,47 +10907,18 @@
               <a:defRPr/>
             </a:pPr>
             <a:r>
-              <a:rPr kumimoji="0" lang="en-US" sz="2000" b="0" i="0" u="none" strike="noStrike" kern="1200" cap="none" spc="0" normalizeH="0" baseline="0" noProof="0" dirty="0">
-                <a:ln>
-                  <a:noFill/>
-                </a:ln>
+              <a:rPr lang="en-US" sz="2000" dirty="0">
                 <a:solidFill>
                   <a:schemeClr val="tx2">
                     <a:lumMod val="25000"/>
                   </a:schemeClr>
                 </a:solidFill>
-                <a:effectLst>
-                  <a:outerShdw blurRad="38100" dist="38100" dir="2700000" algn="tl">
-                    <a:srgbClr val="000000">
-                      <a:alpha val="43137"/>
-                    </a:srgbClr>
-                  </a:outerShdw>
-                </a:effectLst>
-                <a:uLnTx/>
-                <a:uFillTx/>
-                <a:latin typeface="Verdana" panose="020B0604030504040204" pitchFamily="34" charset="0"/>
-                <a:ea typeface="Verdana" panose="020B0604030504040204" pitchFamily="34" charset="0"/>
-                <a:cs typeface="Verdana" panose="020B0604030504040204" pitchFamily="34" charset="0"/>
-              </a:rPr>
-              <a:t>Classification</a:t>
-            </a:r>
-            <a:endParaRPr lang="en-US" sz="2000" dirty="0">
-              <a:solidFill>
-                <a:schemeClr val="tx2">
-                  <a:lumMod val="25000"/>
-                </a:schemeClr>
-              </a:solidFill>
-              <a:effectLst>
-                <a:outerShdw blurRad="38100" dist="38100" dir="2700000" algn="tl">
-                  <a:srgbClr val="000000">
-                    <a:alpha val="43137"/>
-                  </a:srgbClr>
-                </a:outerShdw>
-              </a:effectLst>
-              <a:latin typeface="Verdana" panose="020B0604030504040204" pitchFamily="34" charset="0"/>
-              <a:ea typeface="Verdana" panose="020B0604030504040204" pitchFamily="34" charset="0"/>
-              <a:cs typeface="Verdana" panose="020B0604030504040204" pitchFamily="34" charset="0"/>
-            </a:endParaRPr>
+                <a:latin typeface="Verdana" panose="020B0604030504040204" pitchFamily="34" charset="0"/>
+                <a:ea typeface="Verdana" panose="020B0604030504040204" pitchFamily="34" charset="0"/>
+                <a:cs typeface="Verdana" panose="020B0604030504040204" pitchFamily="34" charset="0"/>
+              </a:rPr>
+              <a:t>Named-entity recognition</a:t>
+            </a:r>
           </a:p>
         </p:txBody>
       </p:sp>
@@ -11722,11 +10944,11 @@
           <a:lstStyle/>
           <a:p>
             <a:fld id="{AB20E804-BAAB-4C7D-990A-A7C313B07412}" type="slidenum">
-              <a:rPr lang="en-US" smtClean="0"/>
+              <a:rPr lang="en-US" sz="1050" smtClean="0"/>
               <a:pPr/>
               <a:t>7</a:t>
             </a:fld>
-            <a:endParaRPr lang="en-US" dirty="0"/>
+            <a:endParaRPr lang="en-US" sz="1050" dirty="0"/>
           </a:p>
         </p:txBody>
       </p:sp>
@@ -11765,7 +10987,7 @@
           <p:cNvPr id="2" name="Title 1">
             <a:extLst>
               <a:ext uri="{FF2B5EF4-FFF2-40B4-BE49-F238E27FC236}">
-                <a16:creationId xmlns:a16="http://schemas.microsoft.com/office/drawing/2014/main" id="{2CB10DCA-0D58-4415-8108-172A399C5BE1}"/>
+                <a16:creationId xmlns:a16="http://schemas.microsoft.com/office/drawing/2014/main" id="{12D4AD5B-93D0-41FB-9F39-C20E2C5FBDB1}"/>
               </a:ext>
             </a:extLst>
           </p:cNvPr>
@@ -11791,6 +11013,7 @@
               </a:rPr>
               <a:t>NLTK Modules</a:t>
             </a:r>
+            <a:endParaRPr lang="en-US" dirty="0"/>
           </a:p>
         </p:txBody>
       </p:sp>
@@ -11799,7 +11022,7 @@
           <p:cNvPr id="3" name="Content Placeholder 2">
             <a:extLst>
               <a:ext uri="{FF2B5EF4-FFF2-40B4-BE49-F238E27FC236}">
-                <a16:creationId xmlns:a16="http://schemas.microsoft.com/office/drawing/2014/main" id="{9538A637-434D-40B7-8F74-5592AD1974AA}"/>
+                <a16:creationId xmlns:a16="http://schemas.microsoft.com/office/drawing/2014/main" id="{E6C4606F-FDBF-4DB6-AD28-989FC11EC27C}"/>
               </a:ext>
             </a:extLst>
           </p:cNvPr>
@@ -11812,8 +11035,8 @@
         </p:nvSpPr>
         <p:spPr>
           <a:xfrm>
-            <a:off x="685019" y="1722268"/>
-            <a:ext cx="7772400" cy="4851556"/>
+            <a:off x="685018" y="1792936"/>
+            <a:ext cx="7819789" cy="4424984"/>
           </a:xfrm>
         </p:spPr>
         <p:txBody>
@@ -11822,7 +11045,7 @@
           </a:bodyPr>
           <a:lstStyle/>
           <a:p>
-            <a:pPr marL="411480" indent="-274320" algn="l">
+            <a:pPr marL="411480" marR="0" lvl="0" indent="-274320" algn="l" defTabSz="914400" rtl="0" eaLnBrk="1" fontAlgn="auto" latinLnBrk="0" hangingPunct="1">
               <a:lnSpc>
                 <a:spcPts val="2600"/>
               </a:lnSpc>
@@ -11833,28 +11056,29 @@
                 <a:spcPts val="0"/>
               </a:spcAft>
               <a:buClr>
-                <a:schemeClr val="bg2">
+                <a:srgbClr val="FBEEC9">
                   <a:lumMod val="25000"/>
-                </a:schemeClr>
+                </a:srgbClr>
               </a:buClr>
               <a:buSzPct val="80000"/>
               <a:buFont typeface="Wingdings" panose="05000000000000000000" pitchFamily="2" charset="2"/>
               <a:buChar char="l"/>
+              <a:tabLst/>
+              <a:defRPr/>
             </a:pPr>
             <a:r>
-              <a:rPr lang="en-US" sz="1800" b="1" i="0" u="none" strike="noStrike" baseline="0" dirty="0">
-                <a:solidFill>
-                  <a:schemeClr val="bg2">
-                    <a:lumMod val="25000"/>
-                  </a:schemeClr>
-                </a:solidFill>
-                <a:effectLst>
-                  <a:outerShdw blurRad="38100" dist="38100" dir="2700000" algn="tl">
-                    <a:srgbClr val="000000">
-                      <a:alpha val="43137"/>
-                    </a:srgbClr>
-                  </a:outerShdw>
-                </a:effectLst>
+              <a:rPr kumimoji="0" lang="en-US" sz="1800" b="1" i="0" u="none" strike="noStrike" kern="1200" cap="none" spc="0" normalizeH="0" baseline="0" noProof="0" dirty="0">
+                <a:ln>
+                  <a:noFill/>
+                </a:ln>
+                <a:solidFill>
+                  <a:srgbClr val="FBEEC9">
+                    <a:lumMod val="25000"/>
+                  </a:srgbClr>
+                </a:solidFill>
+                <a:effectLst/>
+                <a:uLnTx/>
+                <a:uFillTx/>
                 <a:latin typeface="Verdana" panose="020B0604030504040204" pitchFamily="34" charset="0"/>
                 <a:ea typeface="Verdana" panose="020B0604030504040204" pitchFamily="34" charset="0"/>
                 <a:cs typeface="Verdana" panose="020B0604030504040204" pitchFamily="34" charset="0"/>
@@ -11862,39 +11086,56 @@
               <a:t>corpora</a:t>
             </a:r>
             <a:r>
-              <a:rPr lang="en-US" sz="1800" b="1" i="0" u="none" strike="noStrike" baseline="0" dirty="0">
-                <a:solidFill>
-                  <a:schemeClr val="tx2">
-                    <a:lumMod val="25000"/>
-                  </a:schemeClr>
-                </a:solidFill>
-                <a:effectLst>
-                  <a:outerShdw blurRad="38100" dist="38100" dir="2700000" algn="tl">
-                    <a:srgbClr val="000000">
-                      <a:alpha val="43137"/>
-                    </a:srgbClr>
-                  </a:outerShdw>
-                </a:effectLst>
-                <a:latin typeface="Verdana" panose="020B0604030504040204" pitchFamily="34" charset="0"/>
-                <a:ea typeface="Verdana" panose="020B0604030504040204" pitchFamily="34" charset="0"/>
-                <a:cs typeface="Verdana" panose="020B0604030504040204" pitchFamily="34" charset="0"/>
-              </a:rPr>
-              <a:t>: </a:t>
-            </a:r>
-            <a:r>
-              <a:rPr lang="en-US" sz="1800" b="0" i="0" u="none" strike="noStrike" baseline="0" dirty="0">
-                <a:solidFill>
-                  <a:schemeClr val="tx2">
-                    <a:lumMod val="25000"/>
-                  </a:schemeClr>
-                </a:solidFill>
-                <a:effectLst>
-                  <a:outerShdw blurRad="38100" dist="38100" dir="2700000" algn="tl">
-                    <a:srgbClr val="000000">
-                      <a:alpha val="43137"/>
-                    </a:srgbClr>
-                  </a:outerShdw>
-                </a:effectLst>
+              <a:rPr kumimoji="0" lang="en-US" sz="1800" i="0" u="none" strike="noStrike" kern="1200" cap="none" spc="0" normalizeH="0" baseline="0" noProof="0" dirty="0">
+                <a:ln>
+                  <a:noFill/>
+                </a:ln>
+                <a:solidFill>
+                  <a:srgbClr val="F2F2F2">
+                    <a:lumMod val="25000"/>
+                  </a:srgbClr>
+                </a:solidFill>
+                <a:effectLst/>
+                <a:uLnTx/>
+                <a:uFillTx/>
+                <a:latin typeface="Verdana" panose="020B0604030504040204" pitchFamily="34" charset="0"/>
+                <a:ea typeface="Verdana" panose="020B0604030504040204" pitchFamily="34" charset="0"/>
+                <a:cs typeface="Verdana" panose="020B0604030504040204" pitchFamily="34" charset="0"/>
+              </a:rPr>
+              <a:t>:</a:t>
+            </a:r>
+            <a:r>
+              <a:rPr kumimoji="0" lang="en-US" sz="1800" b="1" i="0" u="none" strike="noStrike" kern="1200" cap="none" spc="0" normalizeH="0" baseline="0" noProof="0" dirty="0">
+                <a:ln>
+                  <a:noFill/>
+                </a:ln>
+                <a:solidFill>
+                  <a:srgbClr val="F2F2F2">
+                    <a:lumMod val="25000"/>
+                  </a:srgbClr>
+                </a:solidFill>
+                <a:effectLst/>
+                <a:uLnTx/>
+                <a:uFillTx/>
+                <a:latin typeface="Verdana" panose="020B0604030504040204" pitchFamily="34" charset="0"/>
+                <a:ea typeface="Verdana" panose="020B0604030504040204" pitchFamily="34" charset="0"/>
+                <a:cs typeface="Verdana" panose="020B0604030504040204" pitchFamily="34" charset="0"/>
+              </a:rPr>
+              <a:t> </a:t>
+            </a:r>
+            <a:r>
+              <a:rPr kumimoji="0" lang="en-US" sz="1800" b="0" i="0" u="none" strike="noStrike" kern="1200" cap="none" spc="0" normalizeH="0" baseline="0" noProof="0" dirty="0">
+                <a:ln>
+                  <a:noFill/>
+                </a:ln>
+                <a:solidFill>
+                  <a:srgbClr val="F2F2F2">
+                    <a:lumMod val="25000"/>
+                  </a:srgbClr>
+                </a:solidFill>
+                <a:effectLst/>
+                <a:uLnTx/>
+                <a:uFillTx/>
                 <a:latin typeface="Verdana" panose="020B0604030504040204" pitchFamily="34" charset="0"/>
                 <a:ea typeface="Verdana" panose="020B0604030504040204" pitchFamily="34" charset="0"/>
                 <a:cs typeface="Verdana" panose="020B0604030504040204" pitchFamily="34" charset="0"/>
@@ -11903,7 +11144,7 @@
             </a:r>
           </a:p>
           <a:p>
-            <a:pPr marL="411480" indent="-274320" algn="l">
+            <a:pPr marL="411480" marR="0" lvl="0" indent="-274320" algn="l" defTabSz="914400" rtl="0" eaLnBrk="1" fontAlgn="auto" latinLnBrk="0" hangingPunct="1">
               <a:lnSpc>
                 <a:spcPts val="2600"/>
               </a:lnSpc>
@@ -11914,28 +11155,29 @@
                 <a:spcPts val="0"/>
               </a:spcAft>
               <a:buClr>
-                <a:schemeClr val="bg2">
+                <a:srgbClr val="FBEEC9">
                   <a:lumMod val="25000"/>
-                </a:schemeClr>
+                </a:srgbClr>
               </a:buClr>
               <a:buSzPct val="80000"/>
               <a:buFont typeface="Wingdings" panose="05000000000000000000" pitchFamily="2" charset="2"/>
               <a:buChar char="l"/>
+              <a:tabLst/>
+              <a:defRPr/>
             </a:pPr>
             <a:r>
-              <a:rPr lang="en-US" sz="1800" b="1" i="0" u="none" strike="noStrike" baseline="0" dirty="0">
-                <a:solidFill>
-                  <a:schemeClr val="bg2">
-                    <a:lumMod val="25000"/>
-                  </a:schemeClr>
-                </a:solidFill>
-                <a:effectLst>
-                  <a:outerShdw blurRad="38100" dist="38100" dir="2700000" algn="tl">
-                    <a:srgbClr val="000000">
-                      <a:alpha val="43137"/>
-                    </a:srgbClr>
-                  </a:outerShdw>
-                </a:effectLst>
+              <a:rPr kumimoji="0" lang="en-US" sz="1800" b="1" i="0" u="none" strike="noStrike" kern="1200" cap="none" spc="0" normalizeH="0" baseline="0" noProof="0" dirty="0">
+                <a:ln>
+                  <a:noFill/>
+                </a:ln>
+                <a:solidFill>
+                  <a:srgbClr val="FBEEC9">
+                    <a:lumMod val="25000"/>
+                  </a:srgbClr>
+                </a:solidFill>
+                <a:effectLst/>
+                <a:uLnTx/>
+                <a:uFillTx/>
                 <a:latin typeface="Verdana" panose="020B0604030504040204" pitchFamily="34" charset="0"/>
                 <a:ea typeface="Verdana" panose="020B0604030504040204" pitchFamily="34" charset="0"/>
                 <a:cs typeface="Verdana" panose="020B0604030504040204" pitchFamily="34" charset="0"/>
@@ -11943,39 +11185,56 @@
               <a:t>tokenize</a:t>
             </a:r>
             <a:r>
-              <a:rPr lang="en-US" sz="1800" b="1" i="0" u="none" strike="noStrike" baseline="0" dirty="0">
-                <a:solidFill>
-                  <a:schemeClr val="tx2">
-                    <a:lumMod val="25000"/>
-                  </a:schemeClr>
-                </a:solidFill>
-                <a:effectLst>
-                  <a:outerShdw blurRad="38100" dist="38100" dir="2700000" algn="tl">
-                    <a:srgbClr val="000000">
-                      <a:alpha val="43137"/>
-                    </a:srgbClr>
-                  </a:outerShdw>
-                </a:effectLst>
-                <a:latin typeface="Verdana" panose="020B0604030504040204" pitchFamily="34" charset="0"/>
-                <a:ea typeface="Verdana" panose="020B0604030504040204" pitchFamily="34" charset="0"/>
-                <a:cs typeface="Verdana" panose="020B0604030504040204" pitchFamily="34" charset="0"/>
-              </a:rPr>
-              <a:t>: </a:t>
-            </a:r>
-            <a:r>
-              <a:rPr lang="en-US" sz="1800" b="0" i="0" u="none" strike="noStrike" baseline="0" dirty="0">
-                <a:solidFill>
-                  <a:schemeClr val="tx2">
-                    <a:lumMod val="25000"/>
-                  </a:schemeClr>
-                </a:solidFill>
-                <a:effectLst>
-                  <a:outerShdw blurRad="38100" dist="38100" dir="2700000" algn="tl">
-                    <a:srgbClr val="000000">
-                      <a:alpha val="43137"/>
-                    </a:srgbClr>
-                  </a:outerShdw>
-                </a:effectLst>
+              <a:rPr kumimoji="0" lang="en-US" sz="1800" i="0" u="none" strike="noStrike" kern="1200" cap="none" spc="0" normalizeH="0" baseline="0" noProof="0" dirty="0">
+                <a:ln>
+                  <a:noFill/>
+                </a:ln>
+                <a:solidFill>
+                  <a:srgbClr val="F2F2F2">
+                    <a:lumMod val="25000"/>
+                  </a:srgbClr>
+                </a:solidFill>
+                <a:effectLst/>
+                <a:uLnTx/>
+                <a:uFillTx/>
+                <a:latin typeface="Verdana" panose="020B0604030504040204" pitchFamily="34" charset="0"/>
+                <a:ea typeface="Verdana" panose="020B0604030504040204" pitchFamily="34" charset="0"/>
+                <a:cs typeface="Verdana" panose="020B0604030504040204" pitchFamily="34" charset="0"/>
+              </a:rPr>
+              <a:t>:</a:t>
+            </a:r>
+            <a:r>
+              <a:rPr kumimoji="0" lang="en-US" sz="1800" b="1" i="0" u="none" strike="noStrike" kern="1200" cap="none" spc="0" normalizeH="0" baseline="0" noProof="0" dirty="0">
+                <a:ln>
+                  <a:noFill/>
+                </a:ln>
+                <a:solidFill>
+                  <a:srgbClr val="F2F2F2">
+                    <a:lumMod val="25000"/>
+                  </a:srgbClr>
+                </a:solidFill>
+                <a:effectLst/>
+                <a:uLnTx/>
+                <a:uFillTx/>
+                <a:latin typeface="Verdana" panose="020B0604030504040204" pitchFamily="34" charset="0"/>
+                <a:ea typeface="Verdana" panose="020B0604030504040204" pitchFamily="34" charset="0"/>
+                <a:cs typeface="Verdana" panose="020B0604030504040204" pitchFamily="34" charset="0"/>
+              </a:rPr>
+              <a:t> </a:t>
+            </a:r>
+            <a:r>
+              <a:rPr kumimoji="0" lang="en-US" sz="1800" b="0" i="0" u="none" strike="noStrike" kern="1200" cap="none" spc="0" normalizeH="0" baseline="0" noProof="0" dirty="0">
+                <a:ln>
+                  <a:noFill/>
+                </a:ln>
+                <a:solidFill>
+                  <a:srgbClr val="F2F2F2">
+                    <a:lumMod val="25000"/>
+                  </a:srgbClr>
+                </a:solidFill>
+                <a:effectLst/>
+                <a:uLnTx/>
+                <a:uFillTx/>
                 <a:latin typeface="Verdana" panose="020B0604030504040204" pitchFamily="34" charset="0"/>
                 <a:ea typeface="Verdana" panose="020B0604030504040204" pitchFamily="34" charset="0"/>
                 <a:cs typeface="Verdana" panose="020B0604030504040204" pitchFamily="34" charset="0"/>
@@ -11984,7 +11243,7 @@
             </a:r>
           </a:p>
           <a:p>
-            <a:pPr marL="411480" indent="-274320" algn="l">
+            <a:pPr marL="411480" marR="0" lvl="0" indent="-274320" algn="l" defTabSz="914400" rtl="0" eaLnBrk="1" fontAlgn="auto" latinLnBrk="0" hangingPunct="1">
               <a:lnSpc>
                 <a:spcPts val="2600"/>
               </a:lnSpc>
@@ -11995,28 +11254,29 @@
                 <a:spcPts val="0"/>
               </a:spcAft>
               <a:buClr>
-                <a:schemeClr val="bg2">
+                <a:srgbClr val="FBEEC9">
                   <a:lumMod val="25000"/>
-                </a:schemeClr>
+                </a:srgbClr>
               </a:buClr>
               <a:buSzPct val="80000"/>
               <a:buFont typeface="Wingdings" panose="05000000000000000000" pitchFamily="2" charset="2"/>
               <a:buChar char="l"/>
+              <a:tabLst/>
+              <a:defRPr/>
             </a:pPr>
             <a:r>
-              <a:rPr lang="en-US" sz="1800" b="1" i="0" u="none" strike="noStrike" baseline="0" dirty="0">
-                <a:solidFill>
-                  <a:schemeClr val="bg2">
-                    <a:lumMod val="25000"/>
-                  </a:schemeClr>
-                </a:solidFill>
-                <a:effectLst>
-                  <a:outerShdw blurRad="38100" dist="38100" dir="2700000" algn="tl">
-                    <a:srgbClr val="000000">
-                      <a:alpha val="43137"/>
-                    </a:srgbClr>
-                  </a:outerShdw>
-                </a:effectLst>
+              <a:rPr kumimoji="0" lang="en-US" sz="1800" b="1" i="0" u="none" strike="noStrike" kern="1200" cap="none" spc="0" normalizeH="0" baseline="0" noProof="0" dirty="0">
+                <a:ln>
+                  <a:noFill/>
+                </a:ln>
+                <a:solidFill>
+                  <a:srgbClr val="FBEEC9">
+                    <a:lumMod val="25000"/>
+                  </a:srgbClr>
+                </a:solidFill>
+                <a:effectLst/>
+                <a:uLnTx/>
+                <a:uFillTx/>
                 <a:latin typeface="Verdana" panose="020B0604030504040204" pitchFamily="34" charset="0"/>
                 <a:ea typeface="Verdana" panose="020B0604030504040204" pitchFamily="34" charset="0"/>
                 <a:cs typeface="Verdana" panose="020B0604030504040204" pitchFamily="34" charset="0"/>
@@ -12024,19 +11284,18 @@
               <a:t>probability</a:t>
             </a:r>
             <a:r>
-              <a:rPr lang="en-US" sz="1800" b="1" i="0" u="none" strike="noStrike" baseline="0" dirty="0">
-                <a:solidFill>
-                  <a:schemeClr val="tx2">
-                    <a:lumMod val="25000"/>
-                  </a:schemeClr>
-                </a:solidFill>
-                <a:effectLst>
-                  <a:outerShdw blurRad="38100" dist="38100" dir="2700000" algn="tl">
-                    <a:srgbClr val="000000">
-                      <a:alpha val="43137"/>
-                    </a:srgbClr>
-                  </a:outerShdw>
-                </a:effectLst>
+              <a:rPr kumimoji="0" lang="en-US" sz="1800" i="0" u="none" strike="noStrike" kern="1200" cap="none" spc="0" normalizeH="0" baseline="0" noProof="0" dirty="0">
+                <a:ln>
+                  <a:noFill/>
+                </a:ln>
+                <a:solidFill>
+                  <a:srgbClr val="F2F2F2">
+                    <a:lumMod val="25000"/>
+                  </a:srgbClr>
+                </a:solidFill>
+                <a:effectLst/>
+                <a:uLnTx/>
+                <a:uFillTx/>
                 <a:latin typeface="Verdana" panose="020B0604030504040204" pitchFamily="34" charset="0"/>
                 <a:ea typeface="Verdana" panose="020B0604030504040204" pitchFamily="34" charset="0"/>
                 <a:cs typeface="Verdana" panose="020B0604030504040204" pitchFamily="34" charset="0"/>
@@ -12044,19 +11303,18 @@
               <a:t>:</a:t>
             </a:r>
             <a:r>
-              <a:rPr lang="en-US" sz="1800" b="0" i="0" u="none" strike="noStrike" baseline="0" dirty="0">
-                <a:solidFill>
-                  <a:schemeClr val="tx2">
-                    <a:lumMod val="25000"/>
-                  </a:schemeClr>
-                </a:solidFill>
-                <a:effectLst>
-                  <a:outerShdw blurRad="38100" dist="38100" dir="2700000" algn="tl">
-                    <a:srgbClr val="000000">
-                      <a:alpha val="43137"/>
-                    </a:srgbClr>
-                  </a:outerShdw>
-                </a:effectLst>
+              <a:rPr kumimoji="0" lang="en-US" sz="1800" b="0" i="0" u="none" strike="noStrike" kern="1200" cap="none" spc="0" normalizeH="0" baseline="0" noProof="0" dirty="0">
+                <a:ln>
+                  <a:noFill/>
+                </a:ln>
+                <a:solidFill>
+                  <a:srgbClr val="F2F2F2">
+                    <a:lumMod val="25000"/>
+                  </a:srgbClr>
+                </a:solidFill>
+                <a:effectLst/>
+                <a:uLnTx/>
+                <a:uFillTx/>
                 <a:latin typeface="Verdana" panose="020B0604030504040204" pitchFamily="34" charset="0"/>
                 <a:ea typeface="Verdana" panose="020B0604030504040204" pitchFamily="34" charset="0"/>
                 <a:cs typeface="Verdana" panose="020B0604030504040204" pitchFamily="34" charset="0"/>
@@ -12065,7 +11323,7 @@
             </a:r>
           </a:p>
           <a:p>
-            <a:pPr marL="411480" indent="-274320" algn="l">
+            <a:pPr marL="411480" marR="0" lvl="0" indent="-274320" algn="l" defTabSz="914400" rtl="0" eaLnBrk="1" fontAlgn="auto" latinLnBrk="0" hangingPunct="1">
               <a:lnSpc>
                 <a:spcPts val="2600"/>
               </a:lnSpc>
@@ -12076,28 +11334,29 @@
                 <a:spcPts val="0"/>
               </a:spcAft>
               <a:buClr>
-                <a:schemeClr val="bg2">
+                <a:srgbClr val="FBEEC9">
                   <a:lumMod val="25000"/>
-                </a:schemeClr>
+                </a:srgbClr>
               </a:buClr>
               <a:buSzPct val="80000"/>
               <a:buFont typeface="Wingdings" panose="05000000000000000000" pitchFamily="2" charset="2"/>
               <a:buChar char="l"/>
+              <a:tabLst/>
+              <a:defRPr/>
             </a:pPr>
             <a:r>
-              <a:rPr lang="en-US" sz="1800" b="1" i="0" u="none" strike="noStrike" baseline="0" dirty="0">
-                <a:solidFill>
-                  <a:schemeClr val="bg2">
-                    <a:lumMod val="25000"/>
-                  </a:schemeClr>
-                </a:solidFill>
-                <a:effectLst>
-                  <a:outerShdw blurRad="38100" dist="38100" dir="2700000" algn="tl">
-                    <a:srgbClr val="000000">
-                      <a:alpha val="43137"/>
-                    </a:srgbClr>
-                  </a:outerShdw>
-                </a:effectLst>
+              <a:rPr kumimoji="0" lang="en-US" sz="1800" b="1" i="0" u="none" strike="noStrike" kern="1200" cap="none" spc="0" normalizeH="0" baseline="0" noProof="0" dirty="0">
+                <a:ln>
+                  <a:noFill/>
+                </a:ln>
+                <a:solidFill>
+                  <a:srgbClr val="FBEEC9">
+                    <a:lumMod val="25000"/>
+                  </a:srgbClr>
+                </a:solidFill>
+                <a:effectLst/>
+                <a:uLnTx/>
+                <a:uFillTx/>
                 <a:latin typeface="Verdana" panose="020B0604030504040204" pitchFamily="34" charset="0"/>
                 <a:ea typeface="Verdana" panose="020B0604030504040204" pitchFamily="34" charset="0"/>
                 <a:cs typeface="Verdana" panose="020B0604030504040204" pitchFamily="34" charset="0"/>
@@ -12105,19 +11364,18 @@
               <a:t>Stem</a:t>
             </a:r>
             <a:r>
-              <a:rPr lang="en-US" sz="1800" b="1" dirty="0">
-                <a:solidFill>
-                  <a:schemeClr val="tx2">
-                    <a:lumMod val="25000"/>
-                  </a:schemeClr>
-                </a:solidFill>
-                <a:effectLst>
-                  <a:outerShdw blurRad="38100" dist="38100" dir="2700000" algn="tl">
-                    <a:srgbClr val="000000">
-                      <a:alpha val="43137"/>
-                    </a:srgbClr>
-                  </a:outerShdw>
-                </a:effectLst>
+              <a:rPr kumimoji="0" lang="en-US" sz="1800" i="0" u="none" strike="noStrike" kern="1200" cap="none" spc="0" normalizeH="0" baseline="0" noProof="0" dirty="0">
+                <a:ln>
+                  <a:noFill/>
+                </a:ln>
+                <a:solidFill>
+                  <a:srgbClr val="F2F2F2">
+                    <a:lumMod val="25000"/>
+                  </a:srgbClr>
+                </a:solidFill>
+                <a:effectLst/>
+                <a:uLnTx/>
+                <a:uFillTx/>
                 <a:latin typeface="Verdana" panose="020B0604030504040204" pitchFamily="34" charset="0"/>
                 <a:ea typeface="Verdana" panose="020B0604030504040204" pitchFamily="34" charset="0"/>
                 <a:cs typeface="Verdana" panose="020B0604030504040204" pitchFamily="34" charset="0"/>
@@ -12125,19 +11383,18 @@
               <a:t>:</a:t>
             </a:r>
             <a:r>
-              <a:rPr lang="en-US" sz="1800" b="0" i="0" u="none" strike="noStrike" baseline="0" dirty="0">
-                <a:solidFill>
-                  <a:schemeClr val="tx2">
-                    <a:lumMod val="25000"/>
-                  </a:schemeClr>
-                </a:solidFill>
-                <a:effectLst>
-                  <a:outerShdw blurRad="38100" dist="38100" dir="2700000" algn="tl">
-                    <a:srgbClr val="000000">
-                      <a:alpha val="43137"/>
-                    </a:srgbClr>
-                  </a:outerShdw>
-                </a:effectLst>
+              <a:rPr kumimoji="0" lang="en-US" sz="1800" b="0" i="0" u="none" strike="noStrike" kern="1200" cap="none" spc="0" normalizeH="0" baseline="0" noProof="0" dirty="0">
+                <a:ln>
+                  <a:noFill/>
+                </a:ln>
+                <a:solidFill>
+                  <a:srgbClr val="F2F2F2">
+                    <a:lumMod val="25000"/>
+                  </a:srgbClr>
+                </a:solidFill>
+                <a:effectLst/>
+                <a:uLnTx/>
+                <a:uFillTx/>
                 <a:latin typeface="Verdana" panose="020B0604030504040204" pitchFamily="34" charset="0"/>
                 <a:ea typeface="Verdana" panose="020B0604030504040204" pitchFamily="34" charset="0"/>
                 <a:cs typeface="Verdana" panose="020B0604030504040204" pitchFamily="34" charset="0"/>
@@ -12146,7 +11403,7 @@
             </a:r>
           </a:p>
           <a:p>
-            <a:pPr marL="411480" indent="-274320" algn="l">
+            <a:pPr marL="411480" marR="0" lvl="0" indent="-274320" algn="l" defTabSz="914400" rtl="0" eaLnBrk="1" fontAlgn="auto" latinLnBrk="0" hangingPunct="1">
               <a:lnSpc>
                 <a:spcPts val="2600"/>
               </a:lnSpc>
@@ -12157,28 +11414,29 @@
                 <a:spcPts val="0"/>
               </a:spcAft>
               <a:buClr>
-                <a:schemeClr val="bg2">
+                <a:srgbClr val="FBEEC9">
                   <a:lumMod val="25000"/>
-                </a:schemeClr>
+                </a:srgbClr>
               </a:buClr>
               <a:buSzPct val="80000"/>
               <a:buFont typeface="Wingdings" panose="05000000000000000000" pitchFamily="2" charset="2"/>
               <a:buChar char="l"/>
+              <a:tabLst/>
+              <a:defRPr/>
             </a:pPr>
             <a:r>
-              <a:rPr lang="en-US" sz="1800" b="1" i="0" u="none" strike="noStrike" baseline="0" dirty="0">
-                <a:solidFill>
-                  <a:schemeClr val="bg2">
-                    <a:lumMod val="25000"/>
-                  </a:schemeClr>
-                </a:solidFill>
-                <a:effectLst>
-                  <a:outerShdw blurRad="38100" dist="38100" dir="2700000" algn="tl">
-                    <a:srgbClr val="000000">
-                      <a:alpha val="43137"/>
-                    </a:srgbClr>
-                  </a:outerShdw>
-                </a:effectLst>
+              <a:rPr kumimoji="0" lang="en-US" sz="1800" b="1" i="0" u="none" strike="noStrike" kern="1200" cap="none" spc="0" normalizeH="0" baseline="0" noProof="0" dirty="0">
+                <a:ln>
+                  <a:noFill/>
+                </a:ln>
+                <a:solidFill>
+                  <a:srgbClr val="FBEEC9">
+                    <a:lumMod val="25000"/>
+                  </a:srgbClr>
+                </a:solidFill>
+                <a:effectLst/>
+                <a:uLnTx/>
+                <a:uFillTx/>
                 <a:latin typeface="Verdana" panose="020B0604030504040204" pitchFamily="34" charset="0"/>
                 <a:ea typeface="Verdana" panose="020B0604030504040204" pitchFamily="34" charset="0"/>
                 <a:cs typeface="Verdana" panose="020B0604030504040204" pitchFamily="34" charset="0"/>
@@ -12186,19 +11444,18 @@
               <a:t>Wordnet</a:t>
             </a:r>
             <a:r>
-              <a:rPr lang="en-US" sz="1800" b="1" dirty="0">
-                <a:solidFill>
-                  <a:schemeClr val="tx2">
-                    <a:lumMod val="25000"/>
-                  </a:schemeClr>
-                </a:solidFill>
-                <a:effectLst>
-                  <a:outerShdw blurRad="38100" dist="38100" dir="2700000" algn="tl">
-                    <a:srgbClr val="000000">
-                      <a:alpha val="43137"/>
-                    </a:srgbClr>
-                  </a:outerShdw>
-                </a:effectLst>
+              <a:rPr kumimoji="0" lang="en-US" sz="1800" i="0" u="none" strike="noStrike" kern="1200" cap="none" spc="0" normalizeH="0" baseline="0" noProof="0" dirty="0">
+                <a:ln>
+                  <a:noFill/>
+                </a:ln>
+                <a:solidFill>
+                  <a:srgbClr val="F2F2F2">
+                    <a:lumMod val="25000"/>
+                  </a:srgbClr>
+                </a:solidFill>
+                <a:effectLst/>
+                <a:uLnTx/>
+                <a:uFillTx/>
                 <a:latin typeface="Verdana" panose="020B0604030504040204" pitchFamily="34" charset="0"/>
                 <a:ea typeface="Verdana" panose="020B0604030504040204" pitchFamily="34" charset="0"/>
                 <a:cs typeface="Verdana" panose="020B0604030504040204" pitchFamily="34" charset="0"/>
@@ -12206,19 +11463,18 @@
               <a:t>:</a:t>
             </a:r>
             <a:r>
-              <a:rPr lang="en-US" sz="1800" b="0" i="0" u="none" strike="noStrike" baseline="0" dirty="0">
-                <a:solidFill>
-                  <a:schemeClr val="tx2">
-                    <a:lumMod val="25000"/>
-                  </a:schemeClr>
-                </a:solidFill>
-                <a:effectLst>
-                  <a:outerShdw blurRad="38100" dist="38100" dir="2700000" algn="tl">
-                    <a:srgbClr val="000000">
-                      <a:alpha val="43137"/>
-                    </a:srgbClr>
-                  </a:outerShdw>
-                </a:effectLst>
+              <a:rPr kumimoji="0" lang="en-US" sz="1800" b="0" i="0" u="none" strike="noStrike" kern="1200" cap="none" spc="0" normalizeH="0" baseline="0" noProof="0" dirty="0">
+                <a:ln>
+                  <a:noFill/>
+                </a:ln>
+                <a:solidFill>
+                  <a:srgbClr val="F2F2F2">
+                    <a:lumMod val="25000"/>
+                  </a:srgbClr>
+                </a:solidFill>
+                <a:effectLst/>
+                <a:uLnTx/>
+                <a:uFillTx/>
                 <a:latin typeface="Verdana" panose="020B0604030504040204" pitchFamily="34" charset="0"/>
                 <a:ea typeface="Verdana" panose="020B0604030504040204" pitchFamily="34" charset="0"/>
                 <a:cs typeface="Verdana" panose="020B0604030504040204" pitchFamily="34" charset="0"/>
@@ -12227,7 +11483,7 @@
             </a:r>
           </a:p>
           <a:p>
-            <a:pPr marL="411480" indent="-274320" algn="l">
+            <a:pPr marL="411480" marR="0" lvl="0" indent="-274320" algn="l" defTabSz="914400" rtl="0" eaLnBrk="1" fontAlgn="auto" latinLnBrk="0" hangingPunct="1">
               <a:lnSpc>
                 <a:spcPts val="2600"/>
               </a:lnSpc>
@@ -12238,28 +11494,29 @@
                 <a:spcPts val="0"/>
               </a:spcAft>
               <a:buClr>
-                <a:schemeClr val="bg2">
+                <a:srgbClr val="FBEEC9">
                   <a:lumMod val="25000"/>
-                </a:schemeClr>
+                </a:srgbClr>
               </a:buClr>
               <a:buSzPct val="80000"/>
               <a:buFont typeface="Wingdings" panose="05000000000000000000" pitchFamily="2" charset="2"/>
               <a:buChar char="l"/>
+              <a:tabLst/>
+              <a:defRPr/>
             </a:pPr>
             <a:r>
-              <a:rPr lang="en-US" sz="1800" b="1" i="0" u="none" strike="noStrike" baseline="0" dirty="0">
-                <a:solidFill>
-                  <a:schemeClr val="bg2">
-                    <a:lumMod val="25000"/>
-                  </a:schemeClr>
-                </a:solidFill>
-                <a:effectLst>
-                  <a:outerShdw blurRad="38100" dist="38100" dir="2700000" algn="tl">
-                    <a:srgbClr val="000000">
-                      <a:alpha val="43137"/>
-                    </a:srgbClr>
-                  </a:outerShdw>
-                </a:effectLst>
+              <a:rPr kumimoji="0" lang="en-US" sz="1800" b="1" i="0" u="none" strike="noStrike" kern="1200" cap="none" spc="0" normalizeH="0" baseline="0" noProof="0" dirty="0">
+                <a:ln>
+                  <a:noFill/>
+                </a:ln>
+                <a:solidFill>
+                  <a:srgbClr val="FBEEC9">
+                    <a:lumMod val="25000"/>
+                  </a:srgbClr>
+                </a:solidFill>
+                <a:effectLst/>
+                <a:uLnTx/>
+                <a:uFillTx/>
                 <a:latin typeface="Verdana" panose="020B0604030504040204" pitchFamily="34" charset="0"/>
                 <a:ea typeface="Verdana" panose="020B0604030504040204" pitchFamily="34" charset="0"/>
                 <a:cs typeface="Verdana" panose="020B0604030504040204" pitchFamily="34" charset="0"/>
@@ -12267,19 +11524,18 @@
               <a:t>Chunk</a:t>
             </a:r>
             <a:r>
-              <a:rPr lang="en-US" sz="1800" b="1" dirty="0">
-                <a:solidFill>
-                  <a:schemeClr val="tx2">
-                    <a:lumMod val="25000"/>
-                  </a:schemeClr>
-                </a:solidFill>
-                <a:effectLst>
-                  <a:outerShdw blurRad="38100" dist="38100" dir="2700000" algn="tl">
-                    <a:srgbClr val="000000">
-                      <a:alpha val="43137"/>
-                    </a:srgbClr>
-                  </a:outerShdw>
-                </a:effectLst>
+              <a:rPr kumimoji="0" lang="en-US" sz="1800" i="0" u="none" strike="noStrike" kern="1200" cap="none" spc="0" normalizeH="0" baseline="0" noProof="0" dirty="0">
+                <a:ln>
+                  <a:noFill/>
+                </a:ln>
+                <a:solidFill>
+                  <a:srgbClr val="F2F2F2">
+                    <a:lumMod val="25000"/>
+                  </a:srgbClr>
+                </a:solidFill>
+                <a:effectLst/>
+                <a:uLnTx/>
+                <a:uFillTx/>
                 <a:latin typeface="Verdana" panose="020B0604030504040204" pitchFamily="34" charset="0"/>
                 <a:ea typeface="Verdana" panose="020B0604030504040204" pitchFamily="34" charset="0"/>
                 <a:cs typeface="Verdana" panose="020B0604030504040204" pitchFamily="34" charset="0"/>
@@ -12287,19 +11543,18 @@
               <a:t>:</a:t>
             </a:r>
             <a:r>
-              <a:rPr lang="en-US" sz="1800" b="0" i="0" u="none" strike="noStrike" baseline="0" dirty="0">
-                <a:solidFill>
-                  <a:schemeClr val="tx2">
-                    <a:lumMod val="25000"/>
-                  </a:schemeClr>
-                </a:solidFill>
-                <a:effectLst>
-                  <a:outerShdw blurRad="38100" dist="38100" dir="2700000" algn="tl">
-                    <a:srgbClr val="000000">
-                      <a:alpha val="43137"/>
-                    </a:srgbClr>
-                  </a:outerShdw>
-                </a:effectLst>
+              <a:rPr kumimoji="0" lang="en-US" sz="1800" b="0" i="0" u="none" strike="noStrike" kern="1200" cap="none" spc="0" normalizeH="0" baseline="0" noProof="0" dirty="0">
+                <a:ln>
+                  <a:noFill/>
+                </a:ln>
+                <a:solidFill>
+                  <a:srgbClr val="F2F2F2">
+                    <a:lumMod val="25000"/>
+                  </a:srgbClr>
+                </a:solidFill>
+                <a:effectLst/>
+                <a:uLnTx/>
+                <a:uFillTx/>
                 <a:latin typeface="Verdana" panose="020B0604030504040204" pitchFamily="34" charset="0"/>
                 <a:ea typeface="Verdana" panose="020B0604030504040204" pitchFamily="34" charset="0"/>
                 <a:cs typeface="Verdana" panose="020B0604030504040204" pitchFamily="34" charset="0"/>
@@ -12308,7 +11563,7 @@
             </a:r>
           </a:p>
           <a:p>
-            <a:pPr marL="411480" indent="-274320" algn="l">
+            <a:pPr marL="411480" marR="0" lvl="0" indent="-274320" algn="l" defTabSz="914400" rtl="0" eaLnBrk="1" fontAlgn="auto" latinLnBrk="0" hangingPunct="1">
               <a:lnSpc>
                 <a:spcPts val="2600"/>
               </a:lnSpc>
@@ -12319,28 +11574,29 @@
                 <a:spcPts val="0"/>
               </a:spcAft>
               <a:buClr>
-                <a:schemeClr val="bg2">
+                <a:srgbClr val="FBEEC9">
                   <a:lumMod val="25000"/>
-                </a:schemeClr>
+                </a:srgbClr>
               </a:buClr>
               <a:buSzPct val="80000"/>
               <a:buFont typeface="Wingdings" panose="05000000000000000000" pitchFamily="2" charset="2"/>
               <a:buChar char="l"/>
+              <a:tabLst/>
+              <a:defRPr/>
             </a:pPr>
             <a:r>
-              <a:rPr lang="en-US" sz="1800" b="1" i="0" u="none" strike="noStrike" baseline="0" dirty="0" err="1">
-                <a:solidFill>
-                  <a:schemeClr val="bg2">
-                    <a:lumMod val="25000"/>
-                  </a:schemeClr>
-                </a:solidFill>
-                <a:effectLst>
-                  <a:outerShdw blurRad="38100" dist="38100" dir="2700000" algn="tl">
-                    <a:srgbClr val="000000">
-                      <a:alpha val="43137"/>
-                    </a:srgbClr>
-                  </a:outerShdw>
-                </a:effectLst>
+              <a:rPr kumimoji="0" lang="en-US" sz="1800" b="1" i="0" u="none" strike="noStrike" kern="1200" cap="none" spc="0" normalizeH="0" baseline="0" noProof="0" dirty="0" err="1">
+                <a:ln>
+                  <a:noFill/>
+                </a:ln>
+                <a:solidFill>
+                  <a:srgbClr val="FBEEC9">
+                    <a:lumMod val="25000"/>
+                  </a:srgbClr>
+                </a:solidFill>
+                <a:effectLst/>
+                <a:uLnTx/>
+                <a:uFillTx/>
                 <a:latin typeface="Verdana" panose="020B0604030504040204" pitchFamily="34" charset="0"/>
                 <a:ea typeface="Verdana" panose="020B0604030504040204" pitchFamily="34" charset="0"/>
                 <a:cs typeface="Verdana" panose="020B0604030504040204" pitchFamily="34" charset="0"/>
@@ -12348,19 +11604,18 @@
               <a:t>etree</a:t>
             </a:r>
             <a:r>
-              <a:rPr lang="en-US" sz="1800" b="1" i="0" u="none" strike="noStrike" baseline="0" dirty="0">
-                <a:solidFill>
-                  <a:schemeClr val="tx2">
-                    <a:lumMod val="25000"/>
-                  </a:schemeClr>
-                </a:solidFill>
-                <a:effectLst>
-                  <a:outerShdw blurRad="38100" dist="38100" dir="2700000" algn="tl">
-                    <a:srgbClr val="000000">
-                      <a:alpha val="43137"/>
-                    </a:srgbClr>
-                  </a:outerShdw>
-                </a:effectLst>
+              <a:rPr kumimoji="0" lang="en-US" sz="1800" i="0" u="none" strike="noStrike" kern="1200" cap="none" spc="0" normalizeH="0" baseline="0" noProof="0" dirty="0">
+                <a:ln>
+                  <a:noFill/>
+                </a:ln>
+                <a:solidFill>
+                  <a:srgbClr val="F2F2F2">
+                    <a:lumMod val="25000"/>
+                  </a:srgbClr>
+                </a:solidFill>
+                <a:effectLst/>
+                <a:uLnTx/>
+                <a:uFillTx/>
                 <a:latin typeface="Verdana" panose="020B0604030504040204" pitchFamily="34" charset="0"/>
                 <a:ea typeface="Verdana" panose="020B0604030504040204" pitchFamily="34" charset="0"/>
                 <a:cs typeface="Verdana" panose="020B0604030504040204" pitchFamily="34" charset="0"/>
@@ -12368,19 +11623,18 @@
               <a:t>:</a:t>
             </a:r>
             <a:r>
-              <a:rPr lang="en-US" sz="1800" b="0" i="0" u="none" strike="noStrike" baseline="0" dirty="0">
-                <a:solidFill>
-                  <a:schemeClr val="tx2">
-                    <a:lumMod val="25000"/>
-                  </a:schemeClr>
-                </a:solidFill>
-                <a:effectLst>
-                  <a:outerShdw blurRad="38100" dist="38100" dir="2700000" algn="tl">
-                    <a:srgbClr val="000000">
-                      <a:alpha val="43137"/>
-                    </a:srgbClr>
-                  </a:outerShdw>
-                </a:effectLst>
+              <a:rPr kumimoji="0" lang="en-US" sz="1800" b="0" i="0" u="none" strike="noStrike" kern="1200" cap="none" spc="0" normalizeH="0" baseline="0" noProof="0" dirty="0">
+                <a:ln>
+                  <a:noFill/>
+                </a:ln>
+                <a:solidFill>
+                  <a:srgbClr val="F2F2F2">
+                    <a:lumMod val="25000"/>
+                  </a:srgbClr>
+                </a:solidFill>
+                <a:effectLst/>
+                <a:uLnTx/>
+                <a:uFillTx/>
                 <a:latin typeface="Verdana" panose="020B0604030504040204" pitchFamily="34" charset="0"/>
                 <a:ea typeface="Verdana" panose="020B0604030504040204" pitchFamily="34" charset="0"/>
                 <a:cs typeface="Verdana" panose="020B0604030504040204" pitchFamily="34" charset="0"/>
@@ -12389,7 +11643,7 @@
             </a:r>
           </a:p>
           <a:p>
-            <a:pPr marL="411480" indent="-274320" algn="l">
+            <a:pPr marL="411480" marR="0" lvl="0" indent="-274320" algn="l" defTabSz="914400" rtl="0" eaLnBrk="1" fontAlgn="auto" latinLnBrk="0" hangingPunct="1">
               <a:lnSpc>
                 <a:spcPts val="2600"/>
               </a:lnSpc>
@@ -12400,28 +11654,29 @@
                 <a:spcPts val="0"/>
               </a:spcAft>
               <a:buClr>
-                <a:schemeClr val="bg2">
+                <a:srgbClr val="FBEEC9">
                   <a:lumMod val="25000"/>
-                </a:schemeClr>
+                </a:srgbClr>
               </a:buClr>
               <a:buSzPct val="80000"/>
               <a:buFont typeface="Wingdings" panose="05000000000000000000" pitchFamily="2" charset="2"/>
               <a:buChar char="l"/>
+              <a:tabLst/>
+              <a:defRPr/>
             </a:pPr>
             <a:r>
-              <a:rPr lang="en-US" sz="1800" b="1" i="0" u="none" strike="noStrike" baseline="0" dirty="0">
-                <a:solidFill>
-                  <a:schemeClr val="bg2">
-                    <a:lumMod val="25000"/>
-                  </a:schemeClr>
-                </a:solidFill>
-                <a:effectLst>
-                  <a:outerShdw blurRad="38100" dist="38100" dir="2700000" algn="tl">
-                    <a:srgbClr val="000000">
-                      <a:alpha val="43137"/>
-                    </a:srgbClr>
-                  </a:outerShdw>
-                </a:effectLst>
+              <a:rPr kumimoji="0" lang="en-US" sz="1800" b="1" i="0" u="none" strike="noStrike" kern="1200" cap="none" spc="0" normalizeH="0" baseline="0" noProof="0" dirty="0">
+                <a:ln>
+                  <a:noFill/>
+                </a:ln>
+                <a:solidFill>
+                  <a:srgbClr val="FBEEC9">
+                    <a:lumMod val="25000"/>
+                  </a:srgbClr>
+                </a:solidFill>
+                <a:effectLst/>
+                <a:uLnTx/>
+                <a:uFillTx/>
                 <a:latin typeface="Verdana" panose="020B0604030504040204" pitchFamily="34" charset="0"/>
                 <a:ea typeface="Verdana" panose="020B0604030504040204" pitchFamily="34" charset="0"/>
                 <a:cs typeface="Verdana" panose="020B0604030504040204" pitchFamily="34" charset="0"/>
@@ -12429,19 +11684,18 @@
               <a:t>tag</a:t>
             </a:r>
             <a:r>
-              <a:rPr lang="en-US" sz="1800" b="1" i="0" u="none" strike="noStrike" baseline="0" dirty="0">
-                <a:solidFill>
-                  <a:schemeClr val="tx2">
-                    <a:lumMod val="25000"/>
-                  </a:schemeClr>
-                </a:solidFill>
-                <a:effectLst>
-                  <a:outerShdw blurRad="38100" dist="38100" dir="2700000" algn="tl">
-                    <a:srgbClr val="000000">
-                      <a:alpha val="43137"/>
-                    </a:srgbClr>
-                  </a:outerShdw>
-                </a:effectLst>
+              <a:rPr kumimoji="0" lang="en-US" sz="1800" i="0" u="none" strike="noStrike" kern="1200" cap="none" spc="0" normalizeH="0" baseline="0" noProof="0" dirty="0">
+                <a:ln>
+                  <a:noFill/>
+                </a:ln>
+                <a:solidFill>
+                  <a:srgbClr val="F2F2F2">
+                    <a:lumMod val="25000"/>
+                  </a:srgbClr>
+                </a:solidFill>
+                <a:effectLst/>
+                <a:uLnTx/>
+                <a:uFillTx/>
                 <a:latin typeface="Verdana" panose="020B0604030504040204" pitchFamily="34" charset="0"/>
                 <a:ea typeface="Verdana" panose="020B0604030504040204" pitchFamily="34" charset="0"/>
                 <a:cs typeface="Verdana" panose="020B0604030504040204" pitchFamily="34" charset="0"/>
@@ -12449,19 +11703,18 @@
               <a:t>:</a:t>
             </a:r>
             <a:r>
-              <a:rPr lang="en-US" sz="1800" b="0" i="0" u="none" strike="noStrike" baseline="0" dirty="0">
-                <a:solidFill>
-                  <a:schemeClr val="tx2">
-                    <a:lumMod val="25000"/>
-                  </a:schemeClr>
-                </a:solidFill>
-                <a:effectLst>
-                  <a:outerShdw blurRad="38100" dist="38100" dir="2700000" algn="tl">
-                    <a:srgbClr val="000000">
-                      <a:alpha val="43137"/>
-                    </a:srgbClr>
-                  </a:outerShdw>
-                </a:effectLst>
+              <a:rPr kumimoji="0" lang="en-US" sz="1800" b="0" i="0" u="none" strike="noStrike" kern="1200" cap="none" spc="0" normalizeH="0" baseline="0" noProof="0" dirty="0">
+                <a:ln>
+                  <a:noFill/>
+                </a:ln>
+                <a:solidFill>
+                  <a:srgbClr val="F2F2F2">
+                    <a:lumMod val="25000"/>
+                  </a:srgbClr>
+                </a:solidFill>
+                <a:effectLst/>
+                <a:uLnTx/>
+                <a:uFillTx/>
                 <a:latin typeface="Verdana" panose="020B0604030504040204" pitchFamily="34" charset="0"/>
                 <a:ea typeface="Verdana" panose="020B0604030504040204" pitchFamily="34" charset="0"/>
                 <a:cs typeface="Verdana" panose="020B0604030504040204" pitchFamily="34" charset="0"/>
@@ -12470,7 +11723,7 @@
             </a:r>
           </a:p>
           <a:p>
-            <a:pPr marL="411480" indent="-274320" algn="l">
+            <a:pPr marL="411480" marR="0" lvl="0" indent="-274320" algn="l" defTabSz="914400" rtl="0" eaLnBrk="1" fontAlgn="auto" latinLnBrk="0" hangingPunct="1">
               <a:lnSpc>
                 <a:spcPts val="2600"/>
               </a:lnSpc>
@@ -12481,28 +11734,29 @@
                 <a:spcPts val="0"/>
               </a:spcAft>
               <a:buClr>
-                <a:schemeClr val="bg2">
+                <a:srgbClr val="FBEEC9">
                   <a:lumMod val="25000"/>
-                </a:schemeClr>
+                </a:srgbClr>
               </a:buClr>
               <a:buSzPct val="80000"/>
               <a:buFont typeface="Wingdings" panose="05000000000000000000" pitchFamily="2" charset="2"/>
               <a:buChar char="l"/>
+              <a:tabLst/>
+              <a:defRPr/>
             </a:pPr>
             <a:r>
-              <a:rPr lang="en-US" sz="1800" b="1" i="0" u="none" strike="noStrike" baseline="0" dirty="0">
-                <a:solidFill>
-                  <a:schemeClr val="bg2">
-                    <a:lumMod val="25000"/>
-                  </a:schemeClr>
-                </a:solidFill>
-                <a:effectLst>
-                  <a:outerShdw blurRad="38100" dist="38100" dir="2700000" algn="tl">
-                    <a:srgbClr val="000000">
-                      <a:alpha val="43137"/>
-                    </a:srgbClr>
-                  </a:outerShdw>
-                </a:effectLst>
+              <a:rPr kumimoji="0" lang="en-US" sz="1800" b="1" i="0" u="none" strike="noStrike" kern="1200" cap="none" spc="0" normalizeH="0" baseline="0" noProof="0" dirty="0">
+                <a:ln>
+                  <a:noFill/>
+                </a:ln>
+                <a:solidFill>
+                  <a:srgbClr val="FBEEC9">
+                    <a:lumMod val="25000"/>
+                  </a:srgbClr>
+                </a:solidFill>
+                <a:effectLst/>
+                <a:uLnTx/>
+                <a:uFillTx/>
                 <a:latin typeface="Verdana" panose="020B0604030504040204" pitchFamily="34" charset="0"/>
                 <a:ea typeface="Verdana" panose="020B0604030504040204" pitchFamily="34" charset="0"/>
                 <a:cs typeface="Verdana" panose="020B0604030504040204" pitchFamily="34" charset="0"/>
@@ -12510,19 +11764,18 @@
               <a:t>parse</a:t>
             </a:r>
             <a:r>
-              <a:rPr lang="en-US" sz="1800" b="1" i="0" u="none" strike="noStrike" baseline="0" dirty="0">
-                <a:solidFill>
-                  <a:schemeClr val="tx2">
-                    <a:lumMod val="25000"/>
-                  </a:schemeClr>
-                </a:solidFill>
-                <a:effectLst>
-                  <a:outerShdw blurRad="38100" dist="38100" dir="2700000" algn="tl">
-                    <a:srgbClr val="000000">
-                      <a:alpha val="43137"/>
-                    </a:srgbClr>
-                  </a:outerShdw>
-                </a:effectLst>
+              <a:rPr kumimoji="0" lang="en-US" sz="1800" i="0" u="none" strike="noStrike" kern="1200" cap="none" spc="0" normalizeH="0" baseline="0" noProof="0" dirty="0">
+                <a:ln>
+                  <a:noFill/>
+                </a:ln>
+                <a:solidFill>
+                  <a:srgbClr val="F2F2F2">
+                    <a:lumMod val="25000"/>
+                  </a:srgbClr>
+                </a:solidFill>
+                <a:effectLst/>
+                <a:uLnTx/>
+                <a:uFillTx/>
                 <a:latin typeface="Verdana" panose="020B0604030504040204" pitchFamily="34" charset="0"/>
                 <a:ea typeface="Verdana" panose="020B0604030504040204" pitchFamily="34" charset="0"/>
                 <a:cs typeface="Verdana" panose="020B0604030504040204" pitchFamily="34" charset="0"/>
@@ -12530,79 +11783,37 @@
               <a:t>:</a:t>
             </a:r>
             <a:r>
-              <a:rPr lang="en-US" sz="1800" b="0" i="0" u="none" strike="noStrike" baseline="0" dirty="0">
-                <a:solidFill>
-                  <a:schemeClr val="tx2">
-                    <a:lumMod val="25000"/>
-                  </a:schemeClr>
-                </a:solidFill>
-                <a:effectLst>
-                  <a:outerShdw blurRad="38100" dist="38100" dir="2700000" algn="tl">
-                    <a:srgbClr val="000000">
-                      <a:alpha val="43137"/>
-                    </a:srgbClr>
-                  </a:outerShdw>
-                </a:effectLst>
-                <a:latin typeface="Verdana" panose="020B0604030504040204" pitchFamily="34" charset="0"/>
-                <a:ea typeface="Verdana" panose="020B0604030504040204" pitchFamily="34" charset="0"/>
-                <a:cs typeface="Verdana" panose="020B0604030504040204" pitchFamily="34" charset="0"/>
-              </a:rPr>
-              <a:t> building trees </a:t>
-            </a:r>
-            <a:r>
-              <a:rPr lang="en-US" sz="1800" dirty="0">
-                <a:solidFill>
-                  <a:schemeClr val="tx2">
-                    <a:lumMod val="25000"/>
-                  </a:schemeClr>
-                </a:solidFill>
-                <a:effectLst>
-                  <a:outerShdw blurRad="38100" dist="38100" dir="2700000" algn="tl">
-                    <a:srgbClr val="000000">
-                      <a:alpha val="43137"/>
-                    </a:srgbClr>
-                  </a:outerShdw>
-                </a:effectLst>
-                <a:latin typeface="Verdana" panose="020B0604030504040204" pitchFamily="34" charset="0"/>
-                <a:ea typeface="Verdana" panose="020B0604030504040204" pitchFamily="34" charset="0"/>
-                <a:cs typeface="Verdana" panose="020B0604030504040204" pitchFamily="34" charset="0"/>
-              </a:rPr>
-              <a:t>with </a:t>
-            </a:r>
-            <a:r>
-              <a:rPr lang="en-US" sz="1800" b="0" i="0" u="none" strike="noStrike" baseline="0" dirty="0">
-                <a:solidFill>
-                  <a:schemeClr val="tx2">
-                    <a:lumMod val="25000"/>
-                  </a:schemeClr>
-                </a:solidFill>
-                <a:effectLst>
-                  <a:outerShdw blurRad="38100" dist="38100" dir="2700000" algn="tl">
-                    <a:srgbClr val="000000">
-                      <a:alpha val="43137"/>
-                    </a:srgbClr>
-                  </a:outerShdw>
-                </a:effectLst>
-                <a:latin typeface="Verdana" panose="020B0604030504040204" pitchFamily="34" charset="0"/>
-                <a:ea typeface="Verdana" panose="020B0604030504040204" pitchFamily="34" charset="0"/>
-                <a:cs typeface="Verdana" panose="020B0604030504040204" pitchFamily="34" charset="0"/>
-              </a:rPr>
-              <a:t>recursive</a:t>
-            </a:r>
-            <a:r>
-              <a:rPr lang="fr-FR" sz="1800" b="0" i="0" u="none" strike="noStrike" baseline="0" dirty="0">
-                <a:solidFill>
-                  <a:schemeClr val="tx2">
-                    <a:lumMod val="25000"/>
-                  </a:schemeClr>
-                </a:solidFill>
-                <a:effectLst>
-                  <a:outerShdw blurRad="38100" dist="38100" dir="2700000" algn="tl">
-                    <a:srgbClr val="000000">
-                      <a:alpha val="43137"/>
-                    </a:srgbClr>
-                  </a:outerShdw>
-                </a:effectLst>
+              <a:rPr kumimoji="0" lang="en-US" sz="1800" b="0" i="0" u="none" strike="noStrike" kern="1200" cap="none" spc="0" normalizeH="0" baseline="0" noProof="0" dirty="0">
+                <a:ln>
+                  <a:noFill/>
+                </a:ln>
+                <a:solidFill>
+                  <a:srgbClr val="F2F2F2">
+                    <a:lumMod val="25000"/>
+                  </a:srgbClr>
+                </a:solidFill>
+                <a:effectLst/>
+                <a:uLnTx/>
+                <a:uFillTx/>
+                <a:latin typeface="Verdana" panose="020B0604030504040204" pitchFamily="34" charset="0"/>
+                <a:ea typeface="Verdana" panose="020B0604030504040204" pitchFamily="34" charset="0"/>
+                <a:cs typeface="Verdana" panose="020B0604030504040204" pitchFamily="34" charset="0"/>
+              </a:rPr>
+              <a:t> building trees with recursive</a:t>
+            </a:r>
+            <a:r>
+              <a:rPr kumimoji="0" lang="fr-FR" sz="1800" b="0" i="0" u="none" strike="noStrike" kern="1200" cap="none" spc="0" normalizeH="0" baseline="0" noProof="0" dirty="0">
+                <a:ln>
+                  <a:noFill/>
+                </a:ln>
+                <a:solidFill>
+                  <a:srgbClr val="F2F2F2">
+                    <a:lumMod val="25000"/>
+                  </a:srgbClr>
+                </a:solidFill>
+                <a:effectLst/>
+                <a:uLnTx/>
+                <a:uFillTx/>
                 <a:latin typeface="Verdana" panose="020B0604030504040204" pitchFamily="34" charset="0"/>
                 <a:ea typeface="Verdana" panose="020B0604030504040204" pitchFamily="34" charset="0"/>
                 <a:cs typeface="Verdana" panose="020B0604030504040204" pitchFamily="34" charset="0"/>
@@ -12610,19 +11821,18 @@
               <a:t> </a:t>
             </a:r>
             <a:r>
-              <a:rPr lang="en-US" sz="1800" b="0" i="0" u="none" strike="noStrike" baseline="0" dirty="0">
-                <a:solidFill>
-                  <a:schemeClr val="tx2">
-                    <a:lumMod val="25000"/>
-                  </a:schemeClr>
-                </a:solidFill>
-                <a:effectLst>
-                  <a:outerShdw blurRad="38100" dist="38100" dir="2700000" algn="tl">
-                    <a:srgbClr val="000000">
-                      <a:alpha val="43137"/>
-                    </a:srgbClr>
-                  </a:outerShdw>
-                </a:effectLst>
+              <a:rPr kumimoji="0" lang="en-US" sz="1800" b="0" i="0" u="none" strike="noStrike" kern="1200" cap="none" spc="0" normalizeH="0" baseline="0" noProof="0" dirty="0">
+                <a:ln>
+                  <a:noFill/>
+                </a:ln>
+                <a:solidFill>
+                  <a:srgbClr val="F2F2F2">
+                    <a:lumMod val="25000"/>
+                  </a:srgbClr>
+                </a:solidFill>
+                <a:effectLst/>
+                <a:uLnTx/>
+                <a:uFillTx/>
                 <a:latin typeface="Verdana" panose="020B0604030504040204" pitchFamily="34" charset="0"/>
                 <a:ea typeface="Verdana" panose="020B0604030504040204" pitchFamily="34" charset="0"/>
                 <a:cs typeface="Verdana" panose="020B0604030504040204" pitchFamily="34" charset="0"/>
@@ -12630,19 +11840,18 @@
               <a:t>descent</a:t>
             </a:r>
             <a:r>
-              <a:rPr lang="fr-FR" sz="1800" b="0" i="0" u="none" strike="noStrike" baseline="0" dirty="0">
-                <a:solidFill>
-                  <a:schemeClr val="tx2">
-                    <a:lumMod val="25000"/>
-                  </a:schemeClr>
-                </a:solidFill>
-                <a:effectLst>
-                  <a:outerShdw blurRad="38100" dist="38100" dir="2700000" algn="tl">
-                    <a:srgbClr val="000000">
-                      <a:alpha val="43137"/>
-                    </a:srgbClr>
-                  </a:outerShdw>
-                </a:effectLst>
+              <a:rPr kumimoji="0" lang="fr-FR" sz="1800" b="0" i="0" u="none" strike="noStrike" kern="1200" cap="none" spc="0" normalizeH="0" baseline="0" noProof="0" dirty="0">
+                <a:ln>
+                  <a:noFill/>
+                </a:ln>
+                <a:solidFill>
+                  <a:srgbClr val="F2F2F2">
+                    <a:lumMod val="25000"/>
+                  </a:srgbClr>
+                </a:solidFill>
+                <a:effectLst/>
+                <a:uLnTx/>
+                <a:uFillTx/>
                 <a:latin typeface="Verdana" panose="020B0604030504040204" pitchFamily="34" charset="0"/>
                 <a:ea typeface="Verdana" panose="020B0604030504040204" pitchFamily="34" charset="0"/>
                 <a:cs typeface="Verdana" panose="020B0604030504040204" pitchFamily="34" charset="0"/>
@@ -12650,19 +11859,18 @@
               <a:t>, shift-</a:t>
             </a:r>
             <a:r>
-              <a:rPr lang="fr-FR" sz="1800" b="0" i="0" u="none" strike="noStrike" baseline="0" dirty="0" err="1">
-                <a:solidFill>
-                  <a:schemeClr val="tx2">
-                    <a:lumMod val="25000"/>
-                  </a:schemeClr>
-                </a:solidFill>
-                <a:effectLst>
-                  <a:outerShdw blurRad="38100" dist="38100" dir="2700000" algn="tl">
-                    <a:srgbClr val="000000">
-                      <a:alpha val="43137"/>
-                    </a:srgbClr>
-                  </a:outerShdw>
-                </a:effectLst>
+              <a:rPr kumimoji="0" lang="fr-FR" sz="1800" b="0" i="0" u="none" strike="noStrike" kern="1200" cap="none" spc="0" normalizeH="0" baseline="0" noProof="0" dirty="0" err="1">
+                <a:ln>
+                  <a:noFill/>
+                </a:ln>
+                <a:solidFill>
+                  <a:srgbClr val="F2F2F2">
+                    <a:lumMod val="25000"/>
+                  </a:srgbClr>
+                </a:solidFill>
+                <a:effectLst/>
+                <a:uLnTx/>
+                <a:uFillTx/>
                 <a:latin typeface="Verdana" panose="020B0604030504040204" pitchFamily="34" charset="0"/>
                 <a:ea typeface="Verdana" panose="020B0604030504040204" pitchFamily="34" charset="0"/>
                 <a:cs typeface="Verdana" panose="020B0604030504040204" pitchFamily="34" charset="0"/>
@@ -12670,68 +11878,27 @@
               <a:t>reduce</a:t>
             </a:r>
             <a:r>
-              <a:rPr lang="fr-FR" sz="1800" b="0" i="0" u="none" strike="noStrike" baseline="0" dirty="0">
-                <a:solidFill>
-                  <a:schemeClr val="tx2">
-                    <a:lumMod val="25000"/>
-                  </a:schemeClr>
-                </a:solidFill>
-                <a:effectLst>
-                  <a:outerShdw blurRad="38100" dist="38100" dir="2700000" algn="tl">
-                    <a:srgbClr val="000000">
-                      <a:alpha val="43137"/>
-                    </a:srgbClr>
-                  </a:outerShdw>
-                </a:effectLst>
-                <a:latin typeface="Verdana" panose="020B0604030504040204" pitchFamily="34" charset="0"/>
-                <a:ea typeface="Verdana" panose="020B0604030504040204" pitchFamily="34" charset="0"/>
-                <a:cs typeface="Verdana" panose="020B0604030504040204" pitchFamily="34" charset="0"/>
-              </a:rPr>
-              <a:t>, </a:t>
-            </a:r>
-            <a:r>
-              <a:rPr lang="fr-FR" sz="1800" b="0" i="0" u="none" strike="noStrike" baseline="0" dirty="0" err="1">
-                <a:solidFill>
-                  <a:schemeClr val="tx2">
-                    <a:lumMod val="25000"/>
-                  </a:schemeClr>
-                </a:solidFill>
-                <a:effectLst>
-                  <a:outerShdw blurRad="38100" dist="38100" dir="2700000" algn="tl">
-                    <a:srgbClr val="000000">
-                      <a:alpha val="43137"/>
-                    </a:srgbClr>
-                  </a:outerShdw>
-                </a:effectLst>
-                <a:latin typeface="Verdana" panose="020B0604030504040204" pitchFamily="34" charset="0"/>
-                <a:ea typeface="Verdana" panose="020B0604030504040204" pitchFamily="34" charset="0"/>
-                <a:cs typeface="Verdana" panose="020B0604030504040204" pitchFamily="34" charset="0"/>
-              </a:rPr>
-              <a:t>probabilistic</a:t>
-            </a:r>
-            <a:r>
-              <a:rPr lang="fr-FR" sz="1800" b="0" i="0" u="none" strike="noStrike" baseline="0" dirty="0">
-                <a:solidFill>
-                  <a:schemeClr val="tx2">
-                    <a:lumMod val="25000"/>
-                  </a:schemeClr>
-                </a:solidFill>
-                <a:effectLst>
-                  <a:outerShdw blurRad="38100" dist="38100" dir="2700000" algn="tl">
-                    <a:srgbClr val="000000">
-                      <a:alpha val="43137"/>
-                    </a:srgbClr>
-                  </a:outerShdw>
-                </a:effectLst>
-                <a:latin typeface="Verdana" panose="020B0604030504040204" pitchFamily="34" charset="0"/>
-                <a:ea typeface="Verdana" panose="020B0604030504040204" pitchFamily="34" charset="0"/>
-                <a:cs typeface="Verdana" panose="020B0604030504040204" pitchFamily="34" charset="0"/>
-              </a:rPr>
-              <a:t>, etc.</a:t>
-            </a:r>
-          </a:p>
-          <a:p>
-            <a:pPr marL="411480" indent="-274320" algn="l">
+              <a:rPr kumimoji="0" lang="fr-FR" sz="1800" b="0" i="0" u="none" strike="noStrike" kern="1200" cap="none" spc="0" normalizeH="0" baseline="0" noProof="0" dirty="0">
+                <a:ln>
+                  <a:noFill/>
+                </a:ln>
+                <a:solidFill>
+                  <a:srgbClr val="F2F2F2">
+                    <a:lumMod val="25000"/>
+                  </a:srgbClr>
+                </a:solidFill>
+                <a:effectLst/>
+                <a:uLnTx/>
+                <a:uFillTx/>
+                <a:latin typeface="Verdana" panose="020B0604030504040204" pitchFamily="34" charset="0"/>
+                <a:ea typeface="Verdana" panose="020B0604030504040204" pitchFamily="34" charset="0"/>
+                <a:cs typeface="Verdana" panose="020B0604030504040204" pitchFamily="34" charset="0"/>
+              </a:rPr>
+              <a:t> etc.</a:t>
+            </a:r>
+          </a:p>
+          <a:p>
+            <a:pPr marL="411480" marR="0" lvl="0" indent="-274320" algn="l" defTabSz="914400" rtl="0" eaLnBrk="1" fontAlgn="auto" latinLnBrk="0" hangingPunct="1">
               <a:lnSpc>
                 <a:spcPts val="2600"/>
               </a:lnSpc>
@@ -12742,28 +11909,29 @@
                 <a:spcPts val="0"/>
               </a:spcAft>
               <a:buClr>
-                <a:schemeClr val="bg2">
+                <a:srgbClr val="FBEEC9">
                   <a:lumMod val="25000"/>
-                </a:schemeClr>
+                </a:srgbClr>
               </a:buClr>
               <a:buSzPct val="80000"/>
               <a:buFont typeface="Wingdings" panose="05000000000000000000" pitchFamily="2" charset="2"/>
               <a:buChar char="l"/>
+              <a:tabLst/>
+              <a:defRPr/>
             </a:pPr>
             <a:r>
-              <a:rPr lang="en-US" sz="1800" b="1" i="0" u="none" strike="noStrike" baseline="0" dirty="0">
-                <a:solidFill>
-                  <a:schemeClr val="bg2">
-                    <a:lumMod val="25000"/>
-                  </a:schemeClr>
-                </a:solidFill>
-                <a:effectLst>
-                  <a:outerShdw blurRad="38100" dist="38100" dir="2700000" algn="tl">
-                    <a:srgbClr val="000000">
-                      <a:alpha val="43137"/>
-                    </a:srgbClr>
-                  </a:outerShdw>
-                </a:effectLst>
+              <a:rPr kumimoji="0" lang="en-US" sz="1800" b="1" i="0" u="none" strike="noStrike" kern="1200" cap="none" spc="0" normalizeH="0" baseline="0" noProof="0" dirty="0">
+                <a:ln>
+                  <a:noFill/>
+                </a:ln>
+                <a:solidFill>
+                  <a:srgbClr val="FBEEC9">
+                    <a:lumMod val="25000"/>
+                  </a:srgbClr>
+                </a:solidFill>
+                <a:effectLst/>
+                <a:uLnTx/>
+                <a:uFillTx/>
                 <a:latin typeface="Verdana" panose="020B0604030504040204" pitchFamily="34" charset="0"/>
                 <a:ea typeface="Verdana" panose="020B0604030504040204" pitchFamily="34" charset="0"/>
                 <a:cs typeface="Verdana" panose="020B0604030504040204" pitchFamily="34" charset="0"/>
@@ -12771,19 +11939,18 @@
               <a:t>cluster</a:t>
             </a:r>
             <a:r>
-              <a:rPr lang="en-US" sz="1800" b="1" i="0" u="none" strike="noStrike" baseline="0" dirty="0">
-                <a:solidFill>
-                  <a:schemeClr val="tx2">
-                    <a:lumMod val="25000"/>
-                  </a:schemeClr>
-                </a:solidFill>
-                <a:effectLst>
-                  <a:outerShdw blurRad="38100" dist="38100" dir="2700000" algn="tl">
-                    <a:srgbClr val="000000">
-                      <a:alpha val="43137"/>
-                    </a:srgbClr>
-                  </a:outerShdw>
-                </a:effectLst>
+              <a:rPr kumimoji="0" lang="en-US" sz="1800" i="0" u="none" strike="noStrike" kern="1200" cap="none" spc="0" normalizeH="0" baseline="0" noProof="0" dirty="0">
+                <a:ln>
+                  <a:noFill/>
+                </a:ln>
+                <a:solidFill>
+                  <a:srgbClr val="F2F2F2">
+                    <a:lumMod val="25000"/>
+                  </a:srgbClr>
+                </a:solidFill>
+                <a:effectLst/>
+                <a:uLnTx/>
+                <a:uFillTx/>
                 <a:latin typeface="Verdana" panose="020B0604030504040204" pitchFamily="34" charset="0"/>
                 <a:ea typeface="Verdana" panose="020B0604030504040204" pitchFamily="34" charset="0"/>
                 <a:cs typeface="Verdana" panose="020B0604030504040204" pitchFamily="34" charset="0"/>
@@ -12791,19 +11958,18 @@
               <a:t>:</a:t>
             </a:r>
             <a:r>
-              <a:rPr lang="en-US" sz="1800" b="0" i="0" u="none" strike="noStrike" baseline="0" dirty="0">
-                <a:solidFill>
-                  <a:schemeClr val="tx2">
-                    <a:lumMod val="25000"/>
-                  </a:schemeClr>
-                </a:solidFill>
-                <a:effectLst>
-                  <a:outerShdw blurRad="38100" dist="38100" dir="2700000" algn="tl">
-                    <a:srgbClr val="000000">
-                      <a:alpha val="43137"/>
-                    </a:srgbClr>
-                  </a:outerShdw>
-                </a:effectLst>
+              <a:rPr kumimoji="0" lang="en-US" sz="1800" b="0" i="0" u="none" strike="noStrike" kern="1200" cap="none" spc="0" normalizeH="0" baseline="0" noProof="0" dirty="0">
+                <a:ln>
+                  <a:noFill/>
+                </a:ln>
+                <a:solidFill>
+                  <a:srgbClr val="F2F2F2">
+                    <a:lumMod val="25000"/>
+                  </a:srgbClr>
+                </a:solidFill>
+                <a:effectLst/>
+                <a:uLnTx/>
+                <a:uFillTx/>
                 <a:latin typeface="Verdana" panose="020B0604030504040204" pitchFamily="34" charset="0"/>
                 <a:ea typeface="Verdana" panose="020B0604030504040204" pitchFamily="34" charset="0"/>
                 <a:cs typeface="Verdana" panose="020B0604030504040204" pitchFamily="34" charset="0"/>
@@ -12812,7 +11978,7 @@
             </a:r>
           </a:p>
           <a:p>
-            <a:pPr marL="411480" indent="-274320" algn="l">
+            <a:pPr marL="411480" marR="0" lvl="0" indent="-274320" algn="l" defTabSz="914400" rtl="0" eaLnBrk="1" fontAlgn="auto" latinLnBrk="0" hangingPunct="1">
               <a:lnSpc>
                 <a:spcPts val="2600"/>
               </a:lnSpc>
@@ -12823,28 +11989,29 @@
                 <a:spcPts val="0"/>
               </a:spcAft>
               <a:buClr>
-                <a:schemeClr val="bg2">
+                <a:srgbClr val="FBEEC9">
                   <a:lumMod val="25000"/>
-                </a:schemeClr>
+                </a:srgbClr>
               </a:buClr>
               <a:buSzPct val="80000"/>
               <a:buFont typeface="Wingdings" panose="05000000000000000000" pitchFamily="2" charset="2"/>
               <a:buChar char="l"/>
+              <a:tabLst/>
+              <a:defRPr/>
             </a:pPr>
             <a:r>
-              <a:rPr lang="en-US" sz="1800" b="1" i="0" u="none" strike="noStrike" baseline="0" dirty="0">
-                <a:solidFill>
-                  <a:schemeClr val="bg2">
-                    <a:lumMod val="25000"/>
-                  </a:schemeClr>
-                </a:solidFill>
-                <a:effectLst>
-                  <a:outerShdw blurRad="38100" dist="38100" dir="2700000" algn="tl">
-                    <a:srgbClr val="000000">
-                      <a:alpha val="43137"/>
-                    </a:srgbClr>
-                  </a:outerShdw>
-                </a:effectLst>
+              <a:rPr kumimoji="0" lang="en-US" sz="1800" b="1" i="0" u="none" strike="noStrike" kern="1200" cap="none" spc="0" normalizeH="0" baseline="0" noProof="0" dirty="0">
+                <a:ln>
+                  <a:noFill/>
+                </a:ln>
+                <a:solidFill>
+                  <a:srgbClr val="FBEEC9">
+                    <a:lumMod val="25000"/>
+                  </a:srgbClr>
+                </a:solidFill>
+                <a:effectLst/>
+                <a:uLnTx/>
+                <a:uFillTx/>
                 <a:latin typeface="Verdana" panose="020B0604030504040204" pitchFamily="34" charset="0"/>
                 <a:ea typeface="Verdana" panose="020B0604030504040204" pitchFamily="34" charset="0"/>
                 <a:cs typeface="Verdana" panose="020B0604030504040204" pitchFamily="34" charset="0"/>
@@ -12852,19 +12019,18 @@
               <a:t>draw</a:t>
             </a:r>
             <a:r>
-              <a:rPr lang="en-US" sz="1800" b="1" i="0" u="none" strike="noStrike" baseline="0" dirty="0">
-                <a:solidFill>
-                  <a:schemeClr val="tx2">
-                    <a:lumMod val="25000"/>
-                  </a:schemeClr>
-                </a:solidFill>
-                <a:effectLst>
-                  <a:outerShdw blurRad="38100" dist="38100" dir="2700000" algn="tl">
-                    <a:srgbClr val="000000">
-                      <a:alpha val="43137"/>
-                    </a:srgbClr>
-                  </a:outerShdw>
-                </a:effectLst>
+              <a:rPr kumimoji="0" lang="en-US" sz="1800" i="0" u="none" strike="noStrike" kern="1200" cap="none" spc="0" normalizeH="0" baseline="0" noProof="0" dirty="0">
+                <a:ln>
+                  <a:noFill/>
+                </a:ln>
+                <a:solidFill>
+                  <a:srgbClr val="F2F2F2">
+                    <a:lumMod val="25000"/>
+                  </a:srgbClr>
+                </a:solidFill>
+                <a:effectLst/>
+                <a:uLnTx/>
+                <a:uFillTx/>
                 <a:latin typeface="Verdana" panose="020B0604030504040204" pitchFamily="34" charset="0"/>
                 <a:ea typeface="Verdana" panose="020B0604030504040204" pitchFamily="34" charset="0"/>
                 <a:cs typeface="Verdana" panose="020B0604030504040204" pitchFamily="34" charset="0"/>
@@ -12872,19 +12038,18 @@
               <a:t>:</a:t>
             </a:r>
             <a:r>
-              <a:rPr lang="en-US" sz="1800" b="0" i="0" u="none" strike="noStrike" baseline="0" dirty="0">
-                <a:solidFill>
-                  <a:schemeClr val="tx2">
-                    <a:lumMod val="25000"/>
-                  </a:schemeClr>
-                </a:solidFill>
-                <a:effectLst>
-                  <a:outerShdw blurRad="38100" dist="38100" dir="2700000" algn="tl">
-                    <a:srgbClr val="000000">
-                      <a:alpha val="43137"/>
-                    </a:srgbClr>
-                  </a:outerShdw>
-                </a:effectLst>
+              <a:rPr kumimoji="0" lang="en-US" sz="1800" b="0" i="0" u="none" strike="noStrike" kern="1200" cap="none" spc="0" normalizeH="0" baseline="0" noProof="0" dirty="0">
+                <a:ln>
+                  <a:noFill/>
+                </a:ln>
+                <a:solidFill>
+                  <a:srgbClr val="F2F2F2">
+                    <a:lumMod val="25000"/>
+                  </a:srgbClr>
+                </a:solidFill>
+                <a:effectLst/>
+                <a:uLnTx/>
+                <a:uFillTx/>
                 <a:latin typeface="Verdana" panose="020B0604030504040204" pitchFamily="34" charset="0"/>
                 <a:ea typeface="Verdana" panose="020B0604030504040204" pitchFamily="34" charset="0"/>
                 <a:cs typeface="Verdana" panose="020B0604030504040204" pitchFamily="34" charset="0"/>
@@ -12893,7 +12058,7 @@
             </a:r>
           </a:p>
           <a:p>
-            <a:pPr marL="411480" indent="-274320" algn="l">
+            <a:pPr marL="411480" marR="0" lvl="0" indent="-274320" algn="l" defTabSz="914400" rtl="0" eaLnBrk="1" fontAlgn="auto" latinLnBrk="0" hangingPunct="1">
               <a:lnSpc>
                 <a:spcPts val="2600"/>
               </a:lnSpc>
@@ -12904,28 +12069,29 @@
                 <a:spcPts val="0"/>
               </a:spcAft>
               <a:buClr>
-                <a:schemeClr val="bg2">
+                <a:srgbClr val="FBEEC9">
                   <a:lumMod val="25000"/>
-                </a:schemeClr>
+                </a:srgbClr>
               </a:buClr>
               <a:buSzPct val="80000"/>
               <a:buFont typeface="Wingdings" panose="05000000000000000000" pitchFamily="2" charset="2"/>
               <a:buChar char="l"/>
+              <a:tabLst/>
+              <a:defRPr/>
             </a:pPr>
             <a:r>
-              <a:rPr lang="en-US" sz="1800" b="1" i="0" u="none" strike="noStrike" baseline="0" dirty="0" err="1">
-                <a:solidFill>
-                  <a:schemeClr val="bg2">
-                    <a:lumMod val="25000"/>
-                  </a:schemeClr>
-                </a:solidFill>
-                <a:effectLst>
-                  <a:outerShdw blurRad="38100" dist="38100" dir="2700000" algn="tl">
-                    <a:srgbClr val="000000">
-                      <a:alpha val="43137"/>
-                    </a:srgbClr>
-                  </a:outerShdw>
-                </a:effectLst>
+              <a:rPr kumimoji="0" lang="en-US" sz="1800" b="1" i="0" u="none" strike="noStrike" kern="1200" cap="none" spc="0" normalizeH="0" baseline="0" noProof="0" dirty="0" err="1">
+                <a:ln>
+                  <a:noFill/>
+                </a:ln>
+                <a:solidFill>
+                  <a:srgbClr val="FBEEC9">
+                    <a:lumMod val="25000"/>
+                  </a:srgbClr>
+                </a:solidFill>
+                <a:effectLst/>
+                <a:uLnTx/>
+                <a:uFillTx/>
                 <a:latin typeface="Verdana" panose="020B0604030504040204" pitchFamily="34" charset="0"/>
                 <a:ea typeface="Verdana" panose="020B0604030504040204" pitchFamily="34" charset="0"/>
                 <a:cs typeface="Verdana" panose="020B0604030504040204" pitchFamily="34" charset="0"/>
@@ -12933,63 +12099,82 @@
               <a:t>contrib</a:t>
             </a:r>
             <a:r>
-              <a:rPr lang="en-US" sz="1800" b="1" i="0" u="none" strike="noStrike" baseline="0" dirty="0">
-                <a:solidFill>
-                  <a:schemeClr val="tx2">
-                    <a:lumMod val="25000"/>
-                  </a:schemeClr>
-                </a:solidFill>
-                <a:effectLst>
-                  <a:outerShdw blurRad="38100" dist="38100" dir="2700000" algn="tl">
-                    <a:srgbClr val="000000">
-                      <a:alpha val="43137"/>
-                    </a:srgbClr>
-                  </a:outerShdw>
-                </a:effectLst>
-                <a:latin typeface="Verdana" panose="020B0604030504040204" pitchFamily="34" charset="0"/>
-                <a:ea typeface="Verdana" panose="020B0604030504040204" pitchFamily="34" charset="0"/>
-                <a:cs typeface="Verdana" panose="020B0604030504040204" pitchFamily="34" charset="0"/>
-              </a:rPr>
-              <a:t>: </a:t>
-            </a:r>
-            <a:r>
-              <a:rPr lang="en-US" sz="1800" b="0" i="0" u="none" strike="noStrike" baseline="0" dirty="0">
-                <a:solidFill>
-                  <a:schemeClr val="tx2">
-                    <a:lumMod val="25000"/>
-                  </a:schemeClr>
-                </a:solidFill>
-                <a:effectLst>
-                  <a:outerShdw blurRad="38100" dist="38100" dir="2700000" algn="tl">
-                    <a:srgbClr val="000000">
-                      <a:alpha val="43137"/>
-                    </a:srgbClr>
-                  </a:outerShdw>
-                </a:effectLst>
+              <a:rPr kumimoji="0" lang="en-US" sz="1800" i="0" u="none" strike="noStrike" kern="1200" cap="none" spc="0" normalizeH="0" baseline="0" noProof="0" dirty="0">
+                <a:ln>
+                  <a:noFill/>
+                </a:ln>
+                <a:solidFill>
+                  <a:srgbClr val="F2F2F2">
+                    <a:lumMod val="25000"/>
+                  </a:srgbClr>
+                </a:solidFill>
+                <a:effectLst/>
+                <a:uLnTx/>
+                <a:uFillTx/>
+                <a:latin typeface="Verdana" panose="020B0604030504040204" pitchFamily="34" charset="0"/>
+                <a:ea typeface="Verdana" panose="020B0604030504040204" pitchFamily="34" charset="0"/>
+                <a:cs typeface="Verdana" panose="020B0604030504040204" pitchFamily="34" charset="0"/>
+              </a:rPr>
+              <a:t>:</a:t>
+            </a:r>
+            <a:r>
+              <a:rPr kumimoji="0" lang="en-US" sz="1800" b="1" i="0" u="none" strike="noStrike" kern="1200" cap="none" spc="0" normalizeH="0" baseline="0" noProof="0" dirty="0">
+                <a:ln>
+                  <a:noFill/>
+                </a:ln>
+                <a:solidFill>
+                  <a:srgbClr val="F2F2F2">
+                    <a:lumMod val="25000"/>
+                  </a:srgbClr>
+                </a:solidFill>
+                <a:effectLst/>
+                <a:uLnTx/>
+                <a:uFillTx/>
+                <a:latin typeface="Verdana" panose="020B0604030504040204" pitchFamily="34" charset="0"/>
+                <a:ea typeface="Verdana" panose="020B0604030504040204" pitchFamily="34" charset="0"/>
+                <a:cs typeface="Verdana" panose="020B0604030504040204" pitchFamily="34" charset="0"/>
+              </a:rPr>
+              <a:t> </a:t>
+            </a:r>
+            <a:r>
+              <a:rPr kumimoji="0" lang="en-US" sz="1800" b="0" i="0" u="none" strike="noStrike" kern="1200" cap="none" spc="0" normalizeH="0" baseline="0" noProof="0" dirty="0">
+                <a:ln>
+                  <a:noFill/>
+                </a:ln>
+                <a:solidFill>
+                  <a:srgbClr val="F2F2F2">
+                    <a:lumMod val="25000"/>
+                  </a:srgbClr>
+                </a:solidFill>
+                <a:effectLst/>
+                <a:uLnTx/>
+                <a:uFillTx/>
                 <a:latin typeface="Verdana" panose="020B0604030504040204" pitchFamily="34" charset="0"/>
                 <a:ea typeface="Verdana" panose="020B0604030504040204" pitchFamily="34" charset="0"/>
                 <a:cs typeface="Verdana" panose="020B0604030504040204" pitchFamily="34" charset="0"/>
               </a:rPr>
               <a:t>various pieces of software from outside contributors</a:t>
             </a:r>
-            <a:endParaRPr lang="en-US" sz="2000" dirty="0">
+            <a:endParaRPr kumimoji="0" lang="en-US" sz="2000" b="0" i="0" u="none" strike="noStrike" kern="1200" cap="none" spc="0" normalizeH="0" baseline="0" noProof="0" dirty="0">
+              <a:ln>
+                <a:noFill/>
+              </a:ln>
               <a:solidFill>
-                <a:schemeClr val="tx2">
+                <a:srgbClr val="F2F2F2">
                   <a:lumMod val="25000"/>
-                </a:schemeClr>
+                </a:srgbClr>
               </a:solidFill>
-              <a:effectLst>
-                <a:outerShdw blurRad="38100" dist="38100" dir="2700000" algn="tl">
-                  <a:srgbClr val="000000">
-                    <a:alpha val="43137"/>
-                  </a:srgbClr>
-                </a:outerShdw>
-              </a:effectLst>
+              <a:effectLst/>
+              <a:uLnTx/>
+              <a:uFillTx/>
               <a:latin typeface="Verdana" panose="020B0604030504040204" pitchFamily="34" charset="0"/>
               <a:ea typeface="Verdana" panose="020B0604030504040204" pitchFamily="34" charset="0"/>
               <a:cs typeface="Verdana" panose="020B0604030504040204" pitchFamily="34" charset="0"/>
             </a:endParaRPr>
           </a:p>
+          <a:p>
+            <a:endParaRPr lang="en-US" dirty="0"/>
+          </a:p>
         </p:txBody>
       </p:sp>
       <p:sp>
@@ -12997,7 +12182,7 @@
           <p:cNvPr id="4" name="Slide Number Placeholder 3">
             <a:extLst>
               <a:ext uri="{FF2B5EF4-FFF2-40B4-BE49-F238E27FC236}">
-                <a16:creationId xmlns:a16="http://schemas.microsoft.com/office/drawing/2014/main" id="{795F71CF-7780-45F4-AFC9-6432BD0973CF}"/>
+                <a16:creationId xmlns:a16="http://schemas.microsoft.com/office/drawing/2014/main" id="{A1D7CDD1-1B72-46A8-B3B5-06A6D624DAF8}"/>
               </a:ext>
             </a:extLst>
           </p:cNvPr>
@@ -13025,7 +12210,7 @@
     </p:spTree>
     <p:extLst>
       <p:ext uri="{BB962C8B-B14F-4D97-AF65-F5344CB8AC3E}">
-        <p14:creationId xmlns:p14="http://schemas.microsoft.com/office/powerpoint/2010/main" val="137469893"/>
+        <p14:creationId xmlns:p14="http://schemas.microsoft.com/office/powerpoint/2010/main" val="718587504"/>
       </p:ext>
     </p:extLst>
   </p:cSld>
@@ -13081,7 +12266,7 @@
                   </a:schemeClr>
                 </a:solidFill>
               </a:rPr>
-              <a:t>NLTK Good Parts</a:t>
+              <a:t>NLTK Good Points</a:t>
             </a:r>
           </a:p>
         </p:txBody>
@@ -13135,13 +12320,6 @@
                     <a:lumMod val="25000"/>
                   </a:schemeClr>
                 </a:solidFill>
-                <a:effectLst>
-                  <a:outerShdw blurRad="38100" dist="38100" dir="2700000" algn="tl">
-                    <a:srgbClr val="000000">
-                      <a:alpha val="43137"/>
-                    </a:srgbClr>
-                  </a:outerShdw>
-                </a:effectLst>
                 <a:latin typeface="Verdana" panose="020B0604030504040204" pitchFamily="34" charset="0"/>
                 <a:ea typeface="Verdana" panose="020B0604030504040204" pitchFamily="34" charset="0"/>
                 <a:cs typeface="Verdana" panose="020B0604030504040204" pitchFamily="34" charset="0"/>
@@ -13176,13 +12354,6 @@
                     <a:lumMod val="25000"/>
                   </a:schemeClr>
                 </a:solidFill>
-                <a:effectLst>
-                  <a:outerShdw blurRad="38100" dist="38100" dir="2700000" algn="tl">
-                    <a:srgbClr val="000000">
-                      <a:alpha val="43137"/>
-                    </a:srgbClr>
-                  </a:outerShdw>
-                </a:effectLst>
                 <a:latin typeface="Verdana" panose="020B0604030504040204" pitchFamily="34" charset="0"/>
                 <a:ea typeface="Verdana" panose="020B0604030504040204" pitchFamily="34" charset="0"/>
                 <a:cs typeface="Verdana" panose="020B0604030504040204" pitchFamily="34" charset="0"/>
@@ -13217,13 +12388,6 @@
                     <a:lumMod val="25000"/>
                   </a:schemeClr>
                 </a:solidFill>
-                <a:effectLst>
-                  <a:outerShdw blurRad="38100" dist="38100" dir="2700000" algn="tl">
-                    <a:srgbClr val="000000">
-                      <a:alpha val="43137"/>
-                    </a:srgbClr>
-                  </a:outerShdw>
-                </a:effectLst>
                 <a:latin typeface="Verdana" panose="020B0604030504040204" pitchFamily="34" charset="0"/>
                 <a:ea typeface="Verdana" panose="020B0604030504040204" pitchFamily="34" charset="0"/>
                 <a:cs typeface="Verdana" panose="020B0604030504040204" pitchFamily="34" charset="0"/>
@@ -13258,13 +12422,6 @@
                     <a:lumMod val="25000"/>
                   </a:schemeClr>
                 </a:solidFill>
-                <a:effectLst>
-                  <a:outerShdw blurRad="38100" dist="38100" dir="2700000" algn="tl">
-                    <a:srgbClr val="000000">
-                      <a:alpha val="43137"/>
-                    </a:srgbClr>
-                  </a:outerShdw>
-                </a:effectLst>
                 <a:latin typeface="Verdana" panose="020B0604030504040204" pitchFamily="34" charset="0"/>
                 <a:ea typeface="Verdana" panose="020B0604030504040204" pitchFamily="34" charset="0"/>
                 <a:cs typeface="Verdana" panose="020B0604030504040204" pitchFamily="34" charset="0"/>
@@ -13299,13 +12456,6 @@
                     <a:lumMod val="25000"/>
                   </a:schemeClr>
                 </a:solidFill>
-                <a:effectLst>
-                  <a:outerShdw blurRad="38100" dist="38100" dir="2700000" algn="tl">
-                    <a:srgbClr val="000000">
-                      <a:alpha val="43137"/>
-                    </a:srgbClr>
-                  </a:outerShdw>
-                </a:effectLst>
                 <a:latin typeface="Verdana" panose="020B0604030504040204" pitchFamily="34" charset="0"/>
                 <a:ea typeface="Verdana" panose="020B0604030504040204" pitchFamily="34" charset="0"/>
                 <a:cs typeface="Verdana" panose="020B0604030504040204" pitchFamily="34" charset="0"/>
@@ -13340,13 +12490,6 @@
                     <a:lumMod val="25000"/>
                   </a:schemeClr>
                 </a:solidFill>
-                <a:effectLst>
-                  <a:outerShdw blurRad="38100" dist="38100" dir="2700000" algn="tl">
-                    <a:srgbClr val="000000">
-                      <a:alpha val="43137"/>
-                    </a:srgbClr>
-                  </a:outerShdw>
-                </a:effectLst>
                 <a:latin typeface="Verdana" panose="020B0604030504040204" pitchFamily="34" charset="0"/>
                 <a:ea typeface="Verdana" panose="020B0604030504040204" pitchFamily="34" charset="0"/>
                 <a:cs typeface="Verdana" panose="020B0604030504040204" pitchFamily="34" charset="0"/>
@@ -13381,13 +12524,6 @@
                     <a:lumMod val="25000"/>
                   </a:schemeClr>
                 </a:solidFill>
-                <a:effectLst>
-                  <a:outerShdw blurRad="38100" dist="38100" dir="2700000" algn="tl">
-                    <a:srgbClr val="000000">
-                      <a:alpha val="43137"/>
-                    </a:srgbClr>
-                  </a:outerShdw>
-                </a:effectLst>
                 <a:latin typeface="Verdana" panose="020B0604030504040204" pitchFamily="34" charset="0"/>
                 <a:ea typeface="Verdana" panose="020B0604030504040204" pitchFamily="34" charset="0"/>
                 <a:cs typeface="Verdana" panose="020B0604030504040204" pitchFamily="34" charset="0"/>
@@ -13422,13 +12558,6 @@
                     <a:lumMod val="25000"/>
                   </a:schemeClr>
                 </a:solidFill>
-                <a:effectLst>
-                  <a:outerShdw blurRad="38100" dist="38100" dir="2700000" algn="tl">
-                    <a:srgbClr val="000000">
-                      <a:alpha val="43137"/>
-                    </a:srgbClr>
-                  </a:outerShdw>
-                </a:effectLst>
                 <a:latin typeface="Verdana" panose="020B0604030504040204" pitchFamily="34" charset="0"/>
                 <a:ea typeface="Verdana" panose="020B0604030504040204" pitchFamily="34" charset="0"/>
                 <a:cs typeface="Verdana" panose="020B0604030504040204" pitchFamily="34" charset="0"/>
@@ -13441,13 +12570,6 @@
                   <a:lumMod val="25000"/>
                 </a:schemeClr>
               </a:solidFill>
-              <a:effectLst>
-                <a:outerShdw blurRad="38100" dist="38100" dir="2700000" algn="tl">
-                  <a:srgbClr val="000000">
-                    <a:alpha val="43137"/>
-                  </a:srgbClr>
-                </a:outerShdw>
-              </a:effectLst>
               <a:latin typeface="Verdana" panose="020B0604030504040204" pitchFamily="34" charset="0"/>
               <a:ea typeface="Verdana" panose="020B0604030504040204" pitchFamily="34" charset="0"/>
               <a:cs typeface="Verdana" panose="020B0604030504040204" pitchFamily="34" charset="0"/>

--- a/nltk.pptx
+++ b/nltk.pptx
@@ -4561,7 +4561,7 @@
                 <a:ea typeface="Verdana" panose="020B0604030504040204" pitchFamily="34" charset="0"/>
                 <a:cs typeface="Verdana" panose="020B0604030504040204" pitchFamily="34" charset="0"/>
               </a:rPr>
-              <a:t>Installing NLTK</a:t>
+              <a:t>Installing NLTK:</a:t>
             </a:r>
             <a:r>
               <a:rPr lang="en-US" sz="2800" b="0" i="0" u="none" strike="noStrike" baseline="0" dirty="0">
@@ -4573,7 +4573,7 @@
                 <a:ea typeface="Verdana" panose="020B0604030504040204" pitchFamily="34" charset="0"/>
                 <a:cs typeface="Verdana" panose="020B0604030504040204" pitchFamily="34" charset="0"/>
               </a:rPr>
-              <a:t>: </a:t>
+              <a:t> </a:t>
             </a:r>
             <a:r>
               <a:rPr lang="en-US" sz="2000" b="0" i="0" u="none" strike="noStrike" baseline="0" dirty="0">
@@ -4731,19 +4731,7 @@
                 <a:ea typeface="Verdana" panose="020B0604030504040204" pitchFamily="34" charset="0"/>
                 <a:cs typeface="Verdana" panose="020B0604030504040204" pitchFamily="34" charset="0"/>
               </a:rPr>
-              <a:t>Python console</a:t>
-            </a:r>
-            <a:r>
-              <a:rPr lang="en-US" sz="2800" dirty="0">
-                <a:solidFill>
-                  <a:schemeClr val="bg2">
-                    <a:lumMod val="25000"/>
-                  </a:schemeClr>
-                </a:solidFill>
-                <a:ea typeface="Verdana" panose="020B0604030504040204" pitchFamily="34" charset="0"/>
-                <a:cs typeface="Verdana" panose="020B0604030504040204" pitchFamily="34" charset="0"/>
-              </a:rPr>
-              <a:t>:</a:t>
+              <a:t>Python console:</a:t>
             </a:r>
           </a:p>
           <a:p>
@@ -11086,25 +11074,6 @@
               <a:t>corpora</a:t>
             </a:r>
             <a:r>
-              <a:rPr kumimoji="0" lang="en-US" sz="1800" i="0" u="none" strike="noStrike" kern="1200" cap="none" spc="0" normalizeH="0" baseline="0" noProof="0" dirty="0">
-                <a:ln>
-                  <a:noFill/>
-                </a:ln>
-                <a:solidFill>
-                  <a:srgbClr val="F2F2F2">
-                    <a:lumMod val="25000"/>
-                  </a:srgbClr>
-                </a:solidFill>
-                <a:effectLst/>
-                <a:uLnTx/>
-                <a:uFillTx/>
-                <a:latin typeface="Verdana" panose="020B0604030504040204" pitchFamily="34" charset="0"/>
-                <a:ea typeface="Verdana" panose="020B0604030504040204" pitchFamily="34" charset="0"/>
-                <a:cs typeface="Verdana" panose="020B0604030504040204" pitchFamily="34" charset="0"/>
-              </a:rPr>
-              <a:t>:</a:t>
-            </a:r>
-            <a:r>
               <a:rPr kumimoji="0" lang="en-US" sz="1800" b="1" i="0" u="none" strike="noStrike" kern="1200" cap="none" spc="0" normalizeH="0" baseline="0" noProof="0" dirty="0">
                 <a:ln>
                   <a:noFill/>
@@ -11121,7 +11090,7 @@
                 <a:ea typeface="Verdana" panose="020B0604030504040204" pitchFamily="34" charset="0"/>
                 <a:cs typeface="Verdana" panose="020B0604030504040204" pitchFamily="34" charset="0"/>
               </a:rPr>
-              <a:t> </a:t>
+              <a:t>: </a:t>
             </a:r>
             <a:r>
               <a:rPr kumimoji="0" lang="en-US" sz="1800" b="0" i="0" u="none" strike="noStrike" kern="1200" cap="none" spc="0" normalizeH="0" baseline="0" noProof="0" dirty="0">
@@ -11185,25 +11154,6 @@
               <a:t>tokenize</a:t>
             </a:r>
             <a:r>
-              <a:rPr kumimoji="0" lang="en-US" sz="1800" i="0" u="none" strike="noStrike" kern="1200" cap="none" spc="0" normalizeH="0" baseline="0" noProof="0" dirty="0">
-                <a:ln>
-                  <a:noFill/>
-                </a:ln>
-                <a:solidFill>
-                  <a:srgbClr val="F2F2F2">
-                    <a:lumMod val="25000"/>
-                  </a:srgbClr>
-                </a:solidFill>
-                <a:effectLst/>
-                <a:uLnTx/>
-                <a:uFillTx/>
-                <a:latin typeface="Verdana" panose="020B0604030504040204" pitchFamily="34" charset="0"/>
-                <a:ea typeface="Verdana" panose="020B0604030504040204" pitchFamily="34" charset="0"/>
-                <a:cs typeface="Verdana" panose="020B0604030504040204" pitchFamily="34" charset="0"/>
-              </a:rPr>
-              <a:t>:</a:t>
-            </a:r>
-            <a:r>
               <a:rPr kumimoji="0" lang="en-US" sz="1800" b="1" i="0" u="none" strike="noStrike" kern="1200" cap="none" spc="0" normalizeH="0" baseline="0" noProof="0" dirty="0">
                 <a:ln>
                   <a:noFill/>
@@ -11220,7 +11170,7 @@
                 <a:ea typeface="Verdana" panose="020B0604030504040204" pitchFamily="34" charset="0"/>
                 <a:cs typeface="Verdana" panose="020B0604030504040204" pitchFamily="34" charset="0"/>
               </a:rPr>
-              <a:t> </a:t>
+              <a:t>: </a:t>
             </a:r>
             <a:r>
               <a:rPr kumimoji="0" lang="en-US" sz="1800" b="0" i="0" u="none" strike="noStrike" kern="1200" cap="none" spc="0" normalizeH="0" baseline="0" noProof="0" dirty="0">
@@ -11284,7 +11234,7 @@
               <a:t>probability</a:t>
             </a:r>
             <a:r>
-              <a:rPr kumimoji="0" lang="en-US" sz="1800" i="0" u="none" strike="noStrike" kern="1200" cap="none" spc="0" normalizeH="0" baseline="0" noProof="0" dirty="0">
+              <a:rPr kumimoji="0" lang="en-US" sz="1800" b="1" i="0" u="none" strike="noStrike" kern="1200" cap="none" spc="0" normalizeH="0" baseline="0" noProof="0" dirty="0">
                 <a:ln>
                   <a:noFill/>
                 </a:ln>
@@ -11364,7 +11314,7 @@
               <a:t>Stem</a:t>
             </a:r>
             <a:r>
-              <a:rPr kumimoji="0" lang="en-US" sz="1800" i="0" u="none" strike="noStrike" kern="1200" cap="none" spc="0" normalizeH="0" baseline="0" noProof="0" dirty="0">
+              <a:rPr kumimoji="0" lang="en-US" sz="1800" b="1" i="0" u="none" strike="noStrike" kern="1200" cap="none" spc="0" normalizeH="0" baseline="0" noProof="0" dirty="0">
                 <a:ln>
                   <a:noFill/>
                 </a:ln>
@@ -11444,7 +11394,7 @@
               <a:t>Wordnet</a:t>
             </a:r>
             <a:r>
-              <a:rPr kumimoji="0" lang="en-US" sz="1800" i="0" u="none" strike="noStrike" kern="1200" cap="none" spc="0" normalizeH="0" baseline="0" noProof="0" dirty="0">
+              <a:rPr kumimoji="0" lang="en-US" sz="1800" b="1" i="0" u="none" strike="noStrike" kern="1200" cap="none" spc="0" normalizeH="0" baseline="0" noProof="0" dirty="0">
                 <a:ln>
                   <a:noFill/>
                 </a:ln>
@@ -11524,7 +11474,7 @@
               <a:t>Chunk</a:t>
             </a:r>
             <a:r>
-              <a:rPr kumimoji="0" lang="en-US" sz="1800" i="0" u="none" strike="noStrike" kern="1200" cap="none" spc="0" normalizeH="0" baseline="0" noProof="0" dirty="0">
+              <a:rPr kumimoji="0" lang="en-US" sz="1800" b="1" i="0" u="none" strike="noStrike" kern="1200" cap="none" spc="0" normalizeH="0" baseline="0" noProof="0" dirty="0">
                 <a:ln>
                   <a:noFill/>
                 </a:ln>
@@ -11604,7 +11554,7 @@
               <a:t>etree</a:t>
             </a:r>
             <a:r>
-              <a:rPr kumimoji="0" lang="en-US" sz="1800" i="0" u="none" strike="noStrike" kern="1200" cap="none" spc="0" normalizeH="0" baseline="0" noProof="0" dirty="0">
+              <a:rPr kumimoji="0" lang="en-US" sz="1800" b="1" i="0" u="none" strike="noStrike" kern="1200" cap="none" spc="0" normalizeH="0" baseline="0" noProof="0" dirty="0">
                 <a:ln>
                   <a:noFill/>
                 </a:ln>
@@ -11684,7 +11634,7 @@
               <a:t>tag</a:t>
             </a:r>
             <a:r>
-              <a:rPr kumimoji="0" lang="en-US" sz="1800" i="0" u="none" strike="noStrike" kern="1200" cap="none" spc="0" normalizeH="0" baseline="0" noProof="0" dirty="0">
+              <a:rPr kumimoji="0" lang="en-US" sz="1800" b="1" i="0" u="none" strike="noStrike" kern="1200" cap="none" spc="0" normalizeH="0" baseline="0" noProof="0" dirty="0">
                 <a:ln>
                   <a:noFill/>
                 </a:ln>
@@ -11764,7 +11714,7 @@
               <a:t>parse</a:t>
             </a:r>
             <a:r>
-              <a:rPr kumimoji="0" lang="en-US" sz="1800" i="0" u="none" strike="noStrike" kern="1200" cap="none" spc="0" normalizeH="0" baseline="0" noProof="0" dirty="0">
+              <a:rPr kumimoji="0" lang="en-US" sz="1800" b="1" i="0" u="none" strike="noStrike" kern="1200" cap="none" spc="0" normalizeH="0" baseline="0" noProof="0" dirty="0">
                 <a:ln>
                   <a:noFill/>
                 </a:ln>
@@ -11939,7 +11889,7 @@
               <a:t>cluster</a:t>
             </a:r>
             <a:r>
-              <a:rPr kumimoji="0" lang="en-US" sz="1800" i="0" u="none" strike="noStrike" kern="1200" cap="none" spc="0" normalizeH="0" baseline="0" noProof="0" dirty="0">
+              <a:rPr kumimoji="0" lang="en-US" sz="1800" b="1" i="0" u="none" strike="noStrike" kern="1200" cap="none" spc="0" normalizeH="0" baseline="0" noProof="0" dirty="0">
                 <a:ln>
                   <a:noFill/>
                 </a:ln>
@@ -12019,7 +11969,7 @@
               <a:t>draw</a:t>
             </a:r>
             <a:r>
-              <a:rPr kumimoji="0" lang="en-US" sz="1800" i="0" u="none" strike="noStrike" kern="1200" cap="none" spc="0" normalizeH="0" baseline="0" noProof="0" dirty="0">
+              <a:rPr kumimoji="0" lang="en-US" sz="1800" b="1" i="0" u="none" strike="noStrike" kern="1200" cap="none" spc="0" normalizeH="0" baseline="0" noProof="0" dirty="0">
                 <a:ln>
                   <a:noFill/>
                 </a:ln>
@@ -12099,25 +12049,6 @@
               <a:t>contrib</a:t>
             </a:r>
             <a:r>
-              <a:rPr kumimoji="0" lang="en-US" sz="1800" i="0" u="none" strike="noStrike" kern="1200" cap="none" spc="0" normalizeH="0" baseline="0" noProof="0" dirty="0">
-                <a:ln>
-                  <a:noFill/>
-                </a:ln>
-                <a:solidFill>
-                  <a:srgbClr val="F2F2F2">
-                    <a:lumMod val="25000"/>
-                  </a:srgbClr>
-                </a:solidFill>
-                <a:effectLst/>
-                <a:uLnTx/>
-                <a:uFillTx/>
-                <a:latin typeface="Verdana" panose="020B0604030504040204" pitchFamily="34" charset="0"/>
-                <a:ea typeface="Verdana" panose="020B0604030504040204" pitchFamily="34" charset="0"/>
-                <a:cs typeface="Verdana" panose="020B0604030504040204" pitchFamily="34" charset="0"/>
-              </a:rPr>
-              <a:t>:</a:t>
-            </a:r>
-            <a:r>
               <a:rPr kumimoji="0" lang="en-US" sz="1800" b="1" i="0" u="none" strike="noStrike" kern="1200" cap="none" spc="0" normalizeH="0" baseline="0" noProof="0" dirty="0">
                 <a:ln>
                   <a:noFill/>
@@ -12134,7 +12065,7 @@
                 <a:ea typeface="Verdana" panose="020B0604030504040204" pitchFamily="34" charset="0"/>
                 <a:cs typeface="Verdana" panose="020B0604030504040204" pitchFamily="34" charset="0"/>
               </a:rPr>
-              <a:t> </a:t>
+              <a:t>: </a:t>
             </a:r>
             <a:r>
               <a:rPr kumimoji="0" lang="en-US" sz="1800" b="0" i="0" u="none" strike="noStrike" kern="1200" cap="none" spc="0" normalizeH="0" baseline="0" noProof="0" dirty="0">

--- a/nltk.pptx
+++ b/nltk.pptx
@@ -7851,14 +7851,13 @@
               </a:ext>
             </a:extLst>
           </a:blip>
-          <a:stretch>
-            <a:fillRect/>
-          </a:stretch>
+          <a:srcRect/>
+          <a:stretch/>
         </p:blipFill>
         <p:spPr>
           <a:xfrm>
-            <a:off x="3089429" y="2163568"/>
-            <a:ext cx="2963580" cy="3888656"/>
+            <a:off x="3091099" y="2163568"/>
+            <a:ext cx="2960239" cy="3888656"/>
           </a:xfrm>
           <a:prstGeom prst="rect">
             <a:avLst/>
